--- a/Parallel Data Mining.pptx
+++ b/Parallel Data Mining.pptx
@@ -11573,6 +11573,65 @@
           </a:p>
         </p:txBody>
       </p:sp>
+      <p:sp>
+        <p:nvSpPr>
+          <p:cNvPr id="4" name="TextBox 3">
+            <a:extLst>
+              <a:ext uri="{FF2B5EF4-FFF2-40B4-BE49-F238E27FC236}">
+                <a16:creationId xmlns:a16="http://schemas.microsoft.com/office/drawing/2014/main" id="{BBA2D1EF-E9BB-4C87-832D-DB6EDAC8FAE0}"/>
+              </a:ext>
+            </a:extLst>
+          </p:cNvPr>
+          <p:cNvSpPr txBox="1"/>
+          <p:nvPr/>
+        </p:nvSpPr>
+        <p:spPr>
+          <a:xfrm>
+            <a:off x="0" y="6116923"/>
+            <a:ext cx="1630271" cy="677108"/>
+          </a:xfrm>
+          <a:prstGeom prst="rect">
+            <a:avLst/>
+          </a:prstGeom>
+          <a:noFill/>
+        </p:spPr>
+        <p:txBody>
+          <a:bodyPr wrap="square" rtlCol="0">
+            <a:spAutoFit/>
+          </a:bodyPr>
+          <a:lstStyle/>
+          <a:p>
+            <a:r>
+              <a:rPr lang="en-US" sz="1200" dirty="0"/>
+              <a:t>Omer Tal</a:t>
+            </a:r>
+          </a:p>
+          <a:p>
+            <a:r>
+              <a:rPr lang="en-US" sz="1200" dirty="0"/>
+              <a:t>Elizabeth </a:t>
+            </a:r>
+            <a:r>
+              <a:rPr lang="en-US" sz="1400" dirty="0"/>
+              <a:t>Gorbonos</a:t>
+            </a:r>
+            <a:r>
+              <a:rPr lang="en-US" sz="1200" dirty="0"/>
+              <a:t> </a:t>
+            </a:r>
+          </a:p>
+          <a:p>
+            <a:r>
+              <a:rPr lang="en-US" sz="1200" dirty="0" err="1"/>
+              <a:t>Tianran</a:t>
+            </a:r>
+            <a:r>
+              <a:rPr lang="en-US" sz="1200" dirty="0"/>
+              <a:t> Wang</a:t>
+            </a:r>
+          </a:p>
+        </p:txBody>
+      </p:sp>
     </p:spTree>
     <p:extLst>
       <p:ext uri="{BB962C8B-B14F-4D97-AF65-F5344CB8AC3E}">
@@ -13943,8 +14002,8 @@
           </a:p>
         </p:txBody>
       </p:sp>
-      <mc:AlternateContent xmlns:mc="http://schemas.openxmlformats.org/markup-compatibility/2006">
-        <mc:Choice xmlns:a14="http://schemas.microsoft.com/office/drawing/2010/main" Requires="a14">
+      <mc:AlternateContent xmlns:mc="http://schemas.openxmlformats.org/markup-compatibility/2006" xmlns:a14="http://schemas.microsoft.com/office/drawing/2010/main">
+        <mc:Choice Requires="a14">
           <p:sp>
             <p:nvSpPr>
               <p:cNvPr id="3" name="Content Placeholder 2">
@@ -14048,7 +14107,7 @@
                         <m:begChr m:val="{"/>
                         <m:endChr m:val="}"/>
                         <m:ctrlPr>
-                          <a:rPr lang="en-US" sz="1800" b="0" i="0" smtClean="0">
+                          <a:rPr lang="en-US" sz="1800" b="0" i="1" smtClean="0">
                             <a:latin typeface="Cambria Math" panose="02040503050406030204" pitchFamily="18" charset="0"/>
                           </a:rPr>
                         </m:ctrlPr>
@@ -14229,7 +14288,7 @@
             </p:txBody>
           </p:sp>
         </mc:Choice>
-        <mc:Fallback>
+        <mc:Fallback xmlns="">
           <p:sp>
             <p:nvSpPr>
               <p:cNvPr id="3" name="Content Placeholder 2">
@@ -14583,7 +14642,7 @@
             <a:graphicData uri="http://schemas.openxmlformats.org/presentationml/2006/ole">
               <mc:AlternateContent xmlns:mc="http://schemas.openxmlformats.org/markup-compatibility/2006">
                 <mc:Choice xmlns:v="urn:schemas-microsoft-com:vml" Requires="v">
-                  <p:oleObj spid="_x0000_s1082" name="Worksheet" r:id="rId3" imgW="1619701" imgH="2086337" progId="Excel.Sheet.8">
+                  <p:oleObj spid="_x0000_s1106" name="Worksheet" r:id="rId3" imgW="1619701" imgH="2086337" progId="Excel.Sheet.8">
                     <p:embed/>
                   </p:oleObj>
                 </mc:Choice>
@@ -14789,7 +14848,7 @@
             <a:graphicData uri="http://schemas.openxmlformats.org/presentationml/2006/ole">
               <mc:AlternateContent xmlns:mc="http://schemas.openxmlformats.org/markup-compatibility/2006">
                 <mc:Choice xmlns:v="urn:schemas-microsoft-com:vml" Requires="v">
-                  <p:oleObj spid="_x0000_s1083" name="Worksheet" r:id="rId5" imgW="1619701" imgH="1743437" progId="Excel.Sheet.8">
+                  <p:oleObj spid="_x0000_s1107" name="Worksheet" r:id="rId5" imgW="1619701" imgH="1743437" progId="Excel.Sheet.8">
                     <p:embed/>
                   </p:oleObj>
                 </mc:Choice>
@@ -14995,7 +15054,7 @@
             <a:graphicData uri="http://schemas.openxmlformats.org/presentationml/2006/ole">
               <mc:AlternateContent xmlns:mc="http://schemas.openxmlformats.org/markup-compatibility/2006">
                 <mc:Choice xmlns:v="urn:schemas-microsoft-com:vml" Requires="v">
-                  <p:oleObj spid="_x0000_s1084" name="Worksheet" r:id="rId7" imgW="1581421" imgH="1743437" progId="Excel.Sheet.8">
+                  <p:oleObj spid="_x0000_s1108" name="Worksheet" r:id="rId7" imgW="1581421" imgH="1743437" progId="Excel.Sheet.8">
                     <p:embed/>
                   </p:oleObj>
                 </mc:Choice>
@@ -15201,7 +15260,7 @@
             <a:graphicData uri="http://schemas.openxmlformats.org/presentationml/2006/ole">
               <mc:AlternateContent xmlns:mc="http://schemas.openxmlformats.org/markup-compatibility/2006">
                 <mc:Choice xmlns:v="urn:schemas-microsoft-com:vml" Requires="v">
-                  <p:oleObj spid="_x0000_s1085" name="Worksheet" r:id="rId9" imgW="1581421" imgH="2429237" progId="Excel.Sheet.8">
+                  <p:oleObj spid="_x0000_s1109" name="Worksheet" r:id="rId9" imgW="1581421" imgH="2429237" progId="Excel.Sheet.8">
                     <p:embed/>
                   </p:oleObj>
                 </mc:Choice>
@@ -15407,7 +15466,7 @@
             <a:graphicData uri="http://schemas.openxmlformats.org/presentationml/2006/ole">
               <mc:AlternateContent xmlns:mc="http://schemas.openxmlformats.org/markup-compatibility/2006">
                 <mc:Choice xmlns:v="urn:schemas-microsoft-com:vml" Requires="v">
-                  <p:oleObj spid="_x0000_s1086" name="Worksheet" r:id="rId11" imgW="990961" imgH="2429237" progId="Excel.Sheet.8">
+                  <p:oleObj spid="_x0000_s1110" name="Worksheet" r:id="rId11" imgW="990961" imgH="2429237" progId="Excel.Sheet.8">
                     <p:embed/>
                   </p:oleObj>
                 </mc:Choice>
@@ -15905,7 +15964,7 @@
             <a:graphicData uri="http://schemas.openxmlformats.org/presentationml/2006/ole">
               <mc:AlternateContent xmlns:mc="http://schemas.openxmlformats.org/markup-compatibility/2006">
                 <mc:Choice xmlns:v="urn:schemas-microsoft-com:vml" Requires="v">
-                  <p:oleObj spid="_x0000_s1087" name="Worksheet" r:id="rId13" imgW="990961" imgH="714737" progId="Excel.Sheet.8">
+                  <p:oleObj spid="_x0000_s1111" name="Worksheet" r:id="rId13" imgW="990961" imgH="714737" progId="Excel.Sheet.8">
                     <p:embed/>
                   </p:oleObj>
                 </mc:Choice>
@@ -16265,7 +16324,7 @@
             <a:graphicData uri="http://schemas.openxmlformats.org/presentationml/2006/ole">
               <mc:AlternateContent xmlns:mc="http://schemas.openxmlformats.org/markup-compatibility/2006">
                 <mc:Choice xmlns:v="urn:schemas-microsoft-com:vml" Requires="v">
-                  <p:oleObj spid="_x0000_s1088" name="Worksheet" r:id="rId15" imgW="1581421" imgH="705332" progId="Excel.Sheet.8">
+                  <p:oleObj spid="_x0000_s1112" name="Worksheet" r:id="rId15" imgW="1581421" imgH="705332" progId="Excel.Sheet.8">
                     <p:embed/>
                   </p:oleObj>
                 </mc:Choice>
@@ -16571,7 +16630,7 @@
             <a:graphicData uri="http://schemas.openxmlformats.org/presentationml/2006/ole">
               <mc:AlternateContent xmlns:mc="http://schemas.openxmlformats.org/markup-compatibility/2006">
                 <mc:Choice xmlns:v="urn:schemas-microsoft-com:vml" Requires="v">
-                  <p:oleObj spid="_x0000_s1089" name="Worksheet" r:id="rId17" imgW="1667372" imgH="1743437" progId="Excel.Sheet.8">
+                  <p:oleObj spid="_x0000_s1113" name="Worksheet" r:id="rId17" imgW="1667372" imgH="1743437" progId="Excel.Sheet.8">
                     <p:embed/>
                   </p:oleObj>
                 </mc:Choice>
@@ -17732,8 +17791,8 @@
           </a:p>
         </p:txBody>
       </p:sp>
-      <mc:AlternateContent xmlns:mc="http://schemas.openxmlformats.org/markup-compatibility/2006">
-        <mc:Choice xmlns:a14="http://schemas.microsoft.com/office/drawing/2010/main" Requires="a14">
+      <mc:AlternateContent xmlns:mc="http://schemas.openxmlformats.org/markup-compatibility/2006" xmlns:a14="http://schemas.microsoft.com/office/drawing/2010/main">
+        <mc:Choice Requires="a14">
           <p:sp>
             <p:nvSpPr>
               <p:cNvPr id="3" name="Content Placeholder 2">
@@ -17886,7 +17945,7 @@
             </p:txBody>
           </p:sp>
         </mc:Choice>
-        <mc:Fallback>
+        <mc:Fallback xmlns="">
           <p:sp>
             <p:nvSpPr>
               <p:cNvPr id="3" name="Content Placeholder 2">
@@ -18229,6 +18288,24 @@
           <a:p>
             <a:r>
               <a:rPr lang="en-US" dirty="0"/>
+              <a:t>All counting results are gathered in process 0 </a:t>
+            </a:r>
+          </a:p>
+          <a:p>
+            <a:r>
+              <a:rPr lang="en-US" dirty="0"/>
+              <a:t>Process 0 generates the next level candidates, build the candidate tree and broadcasts it.</a:t>
+            </a:r>
+          </a:p>
+          <a:p>
+            <a:r>
+              <a:rPr lang="en-US" dirty="0"/>
+              <a:t>The iterations come to an end when an END signal is broadcasted.</a:t>
+            </a:r>
+          </a:p>
+          <a:p>
+            <a:r>
+              <a:rPr lang="en-US" dirty="0"/>
               <a:t>Rules generation remained serial -  took on average 0.01s</a:t>
             </a:r>
           </a:p>
@@ -18317,7 +18394,7 @@
               <a:p>
                 <a:r>
                   <a:rPr lang="en-US" dirty="0"/>
-                  <a:t>Each processor own a section of the transactions </a:t>
+                  <a:t>Each processor owns a section of the transactions </a:t>
                 </a:r>
               </a:p>
               <a:p>
@@ -18333,24 +18410,32 @@
                     <m:sSub>
                       <m:sSubPr>
                         <m:ctrlPr>
-                          <a:rPr lang="en-US" i="1"/>
+                          <a:rPr lang="en-US" i="1">
+                            <a:latin typeface="Cambria Math" panose="02040503050406030204" pitchFamily="18" charset="0"/>
+                          </a:rPr>
                         </m:ctrlPr>
                       </m:sSubPr>
                       <m:e>
                         <m:r>
-                          <a:rPr lang="en-US" i="1"/>
+                          <a:rPr lang="en-US" i="1">
+                            <a:latin typeface="Cambria Math" panose="02040503050406030204" pitchFamily="18" charset="0"/>
+                          </a:rPr>
                           <m:t>𝑛</m:t>
                         </m:r>
                       </m:e>
                       <m:sub>
                         <m:r>
-                          <a:rPr lang="en-US" i="1"/>
+                          <a:rPr lang="en-US" i="1">
+                            <a:latin typeface="Cambria Math" panose="02040503050406030204" pitchFamily="18" charset="0"/>
+                          </a:rPr>
                           <m:t>𝑝</m:t>
                         </m:r>
                       </m:sub>
                     </m:sSub>
                     <m:r>
-                      <a:rPr lang="en-US" i="1"/>
+                      <a:rPr lang="en-US" i="1">
+                        <a:latin typeface="Cambria Math" panose="02040503050406030204" pitchFamily="18" charset="0"/>
+                      </a:rPr>
                       <m:t>= </m:t>
                     </m:r>
                     <m:d>
@@ -18358,25 +18443,33 @@
                         <m:begChr m:val="⌊"/>
                         <m:endChr m:val="⌋"/>
                         <m:ctrlPr>
-                          <a:rPr lang="en-US" i="1"/>
+                          <a:rPr lang="en-US" i="1">
+                            <a:latin typeface="Cambria Math" panose="02040503050406030204" pitchFamily="18" charset="0"/>
+                          </a:rPr>
                         </m:ctrlPr>
                       </m:dPr>
                       <m:e>
                         <m:f>
                           <m:fPr>
                             <m:ctrlPr>
-                              <a:rPr lang="en-US" i="1"/>
+                              <a:rPr lang="en-US" i="1">
+                                <a:latin typeface="Cambria Math" panose="02040503050406030204" pitchFamily="18" charset="0"/>
+                              </a:rPr>
                             </m:ctrlPr>
                           </m:fPr>
                           <m:num>
                             <m:r>
-                              <a:rPr lang="en-US" i="1"/>
+                              <a:rPr lang="en-US" i="1">
+                                <a:latin typeface="Cambria Math" panose="02040503050406030204" pitchFamily="18" charset="0"/>
+                              </a:rPr>
                               <m:t>𝑛</m:t>
                             </m:r>
                           </m:num>
                           <m:den>
                             <m:r>
-                              <a:rPr lang="en-US" i="1"/>
+                              <a:rPr lang="en-US" i="1">
+                                <a:latin typeface="Cambria Math" panose="02040503050406030204" pitchFamily="18" charset="0"/>
+                              </a:rPr>
                               <m:t>𝑃</m:t>
                             </m:r>
                           </m:den>
@@ -18384,7 +18477,9 @@
                       </m:e>
                     </m:d>
                     <m:r>
-                      <a:rPr lang="en-US" i="1"/>
+                      <a:rPr lang="en-US" i="1">
+                        <a:latin typeface="Cambria Math" panose="02040503050406030204" pitchFamily="18" charset="0"/>
+                      </a:rPr>
                       <m:t>+</m:t>
                     </m:r>
                     <m:d>
@@ -18392,7 +18487,9 @@
                         <m:begChr m:val="{"/>
                         <m:endChr m:val=""/>
                         <m:ctrlPr>
-                          <a:rPr lang="en-US" i="1"/>
+                          <a:rPr lang="en-US" i="1">
+                            <a:latin typeface="Cambria Math" panose="02040503050406030204" pitchFamily="18" charset="0"/>
+                          </a:rPr>
                         </m:ctrlPr>
                       </m:dPr>
                       <m:e>
@@ -18407,57 +18504,83 @@
                               </m:mc>
                             </m:mcs>
                             <m:ctrlPr>
-                              <a:rPr lang="en-US" i="1"/>
+                              <a:rPr lang="en-US" i="1">
+                                <a:latin typeface="Cambria Math" panose="02040503050406030204" pitchFamily="18" charset="0"/>
+                              </a:rPr>
                             </m:ctrlPr>
                           </m:mPr>
                           <m:mr>
                             <m:e>
                               <m:r>
-                                <a:rPr lang="en-US" i="1"/>
+                                <a:rPr lang="en-US" i="1">
+                                  <a:latin typeface="Cambria Math" panose="02040503050406030204" pitchFamily="18" charset="0"/>
+                                </a:rPr>
                                 <m:t>1</m:t>
                               </m:r>
                               <m:r>
-                                <a:rPr lang="en-US" i="1"/>
+                                <a:rPr lang="en-US" i="1">
+                                  <a:latin typeface="Cambria Math" panose="02040503050406030204" pitchFamily="18" charset="0"/>
+                                </a:rPr>
                                 <m:t>  </m:t>
                               </m:r>
                               <m:r>
-                                <a:rPr lang="en-US" i="1"/>
+                                <a:rPr lang="en-US" i="1">
+                                  <a:latin typeface="Cambria Math" panose="02040503050406030204" pitchFamily="18" charset="0"/>
+                                </a:rPr>
                                 <m:t>𝑖𝑓</m:t>
                               </m:r>
                               <m:r>
-                                <a:rPr lang="en-US" i="1"/>
+                                <a:rPr lang="en-US" i="1">
+                                  <a:latin typeface="Cambria Math" panose="02040503050406030204" pitchFamily="18" charset="0"/>
+                                </a:rPr>
                                 <m:t> </m:t>
                               </m:r>
                               <m:r>
-                                <a:rPr lang="en-US" i="1"/>
+                                <a:rPr lang="en-US" i="1">
+                                  <a:latin typeface="Cambria Math" panose="02040503050406030204" pitchFamily="18" charset="0"/>
+                                </a:rPr>
                                 <m:t>𝑝</m:t>
                               </m:r>
                               <m:r>
-                                <a:rPr lang="en-US" i="1"/>
+                                <a:rPr lang="en-US" i="1">
+                                  <a:latin typeface="Cambria Math" panose="02040503050406030204" pitchFamily="18" charset="0"/>
+                                </a:rPr>
                                 <m:t>&lt;</m:t>
                               </m:r>
                               <m:r>
-                                <a:rPr lang="en-US" i="1"/>
+                                <a:rPr lang="en-US" i="1">
+                                  <a:latin typeface="Cambria Math" panose="02040503050406030204" pitchFamily="18" charset="0"/>
+                                </a:rPr>
                                 <m:t>𝑚𝑜𝑑</m:t>
                               </m:r>
                               <m:r>
-                                <a:rPr lang="en-US" i="1"/>
+                                <a:rPr lang="en-US" i="1">
+                                  <a:latin typeface="Cambria Math" panose="02040503050406030204" pitchFamily="18" charset="0"/>
+                                </a:rPr>
                                 <m:t>(</m:t>
                               </m:r>
                               <m:r>
-                                <a:rPr lang="en-US" i="1"/>
+                                <a:rPr lang="en-US" i="1">
+                                  <a:latin typeface="Cambria Math" panose="02040503050406030204" pitchFamily="18" charset="0"/>
+                                </a:rPr>
                                 <m:t>𝑛</m:t>
                               </m:r>
                               <m:r>
-                                <a:rPr lang="en-US" i="1"/>
+                                <a:rPr lang="en-US" i="1">
+                                  <a:latin typeface="Cambria Math" panose="02040503050406030204" pitchFamily="18" charset="0"/>
+                                </a:rPr>
                                 <m:t>,</m:t>
                               </m:r>
                               <m:r>
-                                <a:rPr lang="en-US" i="1"/>
+                                <a:rPr lang="en-US" i="1">
+                                  <a:latin typeface="Cambria Math" panose="02040503050406030204" pitchFamily="18" charset="0"/>
+                                </a:rPr>
                                 <m:t>𝑃</m:t>
                               </m:r>
                               <m:r>
-                                <a:rPr lang="en-US" i="1"/>
+                                <a:rPr lang="en-US" i="1">
+                                  <a:latin typeface="Cambria Math" panose="02040503050406030204" pitchFamily="18" charset="0"/>
+                                </a:rPr>
                                 <m:t>)</m:t>
                               </m:r>
                             </m:e>
@@ -18465,15 +18588,21 @@
                           <m:mr>
                             <m:e>
                               <m:r>
-                                <a:rPr lang="en-US" i="1"/>
+                                <a:rPr lang="en-US" i="1">
+                                  <a:latin typeface="Cambria Math" panose="02040503050406030204" pitchFamily="18" charset="0"/>
+                                </a:rPr>
                                 <m:t>0</m:t>
                               </m:r>
                               <m:r>
-                                <a:rPr lang="en-US" i="1"/>
+                                <a:rPr lang="en-US" i="1">
+                                  <a:latin typeface="Cambria Math" panose="02040503050406030204" pitchFamily="18" charset="0"/>
+                                </a:rPr>
                                 <m:t> </m:t>
                               </m:r>
                               <m:r>
-                                <a:rPr lang="en-US" i="1"/>
+                                <a:rPr lang="en-US" i="1">
+                                  <a:latin typeface="Cambria Math" panose="02040503050406030204" pitchFamily="18" charset="0"/>
+                                </a:rPr>
                                 <m:t>𝑒𝑙𝑠𝑒</m:t>
                               </m:r>
                             </m:e>
@@ -18492,44 +18621,62 @@
                     <m:sSub>
                       <m:sSubPr>
                         <m:ctrlPr>
-                          <a:rPr lang="en-US" i="1"/>
+                          <a:rPr lang="en-US" i="1">
+                            <a:latin typeface="Cambria Math" panose="02040503050406030204" pitchFamily="18" charset="0"/>
+                          </a:rPr>
                         </m:ctrlPr>
                       </m:sSubPr>
                       <m:e>
                         <m:r>
-                          <a:rPr lang="en-US" i="1"/>
+                          <a:rPr lang="en-US" i="1">
+                            <a:latin typeface="Cambria Math" panose="02040503050406030204" pitchFamily="18" charset="0"/>
+                          </a:rPr>
                           <m:t>𝑖</m:t>
                         </m:r>
                       </m:e>
                       <m:sub>
                         <m:r>
-                          <a:rPr lang="en-US" i="1"/>
+                          <a:rPr lang="en-US" i="1">
+                            <a:latin typeface="Cambria Math" panose="02040503050406030204" pitchFamily="18" charset="0"/>
+                          </a:rPr>
                           <m:t> </m:t>
                         </m:r>
                         <m:r>
-                          <a:rPr lang="en-US" i="1"/>
+                          <a:rPr lang="en-US" i="1">
+                            <a:latin typeface="Cambria Math" panose="02040503050406030204" pitchFamily="18" charset="0"/>
+                          </a:rPr>
                           <m:t>𝑠𝑡𝑎𝑟𝑡</m:t>
                         </m:r>
                         <m:r>
-                          <a:rPr lang="en-US" i="1"/>
+                          <a:rPr lang="en-US" i="1">
+                            <a:latin typeface="Cambria Math" panose="02040503050406030204" pitchFamily="18" charset="0"/>
+                          </a:rPr>
                           <m:t>,</m:t>
                         </m:r>
                         <m:r>
-                          <a:rPr lang="en-US" i="1"/>
+                          <a:rPr lang="en-US" i="1">
+                            <a:latin typeface="Cambria Math" panose="02040503050406030204" pitchFamily="18" charset="0"/>
+                          </a:rPr>
                           <m:t>𝑝</m:t>
                         </m:r>
                       </m:sub>
                     </m:sSub>
                     <m:r>
-                      <a:rPr lang="en-US" i="1"/>
+                      <a:rPr lang="en-US" i="1">
+                        <a:latin typeface="Cambria Math" panose="02040503050406030204" pitchFamily="18" charset="0"/>
+                      </a:rPr>
                       <m:t>= </m:t>
                     </m:r>
                     <m:r>
-                      <a:rPr lang="en-US" i="1"/>
+                      <a:rPr lang="en-US" i="1">
+                        <a:latin typeface="Cambria Math" panose="02040503050406030204" pitchFamily="18" charset="0"/>
+                      </a:rPr>
                       <m:t>𝑝</m:t>
                     </m:r>
                     <m:r>
-                      <a:rPr lang="en-US" i="1"/>
+                      <a:rPr lang="en-US" i="1">
+                        <a:latin typeface="Cambria Math" panose="02040503050406030204" pitchFamily="18" charset="0"/>
+                      </a:rPr>
                       <m:t>∗</m:t>
                     </m:r>
                     <m:d>
@@ -18537,25 +18684,33 @@
                         <m:begChr m:val="⌊"/>
                         <m:endChr m:val="⌋"/>
                         <m:ctrlPr>
-                          <a:rPr lang="en-US" i="1"/>
+                          <a:rPr lang="en-US" i="1">
+                            <a:latin typeface="Cambria Math" panose="02040503050406030204" pitchFamily="18" charset="0"/>
+                          </a:rPr>
                         </m:ctrlPr>
                       </m:dPr>
                       <m:e>
                         <m:f>
                           <m:fPr>
                             <m:ctrlPr>
-                              <a:rPr lang="en-US" i="1"/>
+                              <a:rPr lang="en-US" i="1">
+                                <a:latin typeface="Cambria Math" panose="02040503050406030204" pitchFamily="18" charset="0"/>
+                              </a:rPr>
                             </m:ctrlPr>
                           </m:fPr>
                           <m:num>
                             <m:r>
-                              <a:rPr lang="en-US" i="1"/>
+                              <a:rPr lang="en-US" i="1">
+                                <a:latin typeface="Cambria Math" panose="02040503050406030204" pitchFamily="18" charset="0"/>
+                              </a:rPr>
                               <m:t>𝑛</m:t>
                             </m:r>
                           </m:num>
                           <m:den>
                             <m:r>
-                              <a:rPr lang="en-US" i="1"/>
+                              <a:rPr lang="en-US" i="1">
+                                <a:latin typeface="Cambria Math" panose="02040503050406030204" pitchFamily="18" charset="0"/>
+                              </a:rPr>
                               <m:t>𝑃</m:t>
                             </m:r>
                           </m:den>
@@ -18563,11 +18718,15 @@
                       </m:e>
                     </m:d>
                     <m:r>
-                      <a:rPr lang="en-US" i="1"/>
+                      <a:rPr lang="en-US" i="1">
+                        <a:latin typeface="Cambria Math" panose="02040503050406030204" pitchFamily="18" charset="0"/>
+                      </a:rPr>
                       <m:t>+</m:t>
                     </m:r>
                     <m:r>
-                      <a:rPr lang="en-US" i="1"/>
+                      <a:rPr lang="en-US" i="1">
+                        <a:latin typeface="Cambria Math" panose="02040503050406030204" pitchFamily="18" charset="0"/>
+                      </a:rPr>
                       <m:t>𝑚𝑖𝑛</m:t>
                     </m:r>
                     <m:d>
@@ -18580,34 +18739,48 @@
                       </m:dPr>
                       <m:e>
                         <m:r>
-                          <a:rPr lang="en-US" i="1"/>
+                          <a:rPr lang="en-US" i="1">
+                            <a:latin typeface="Cambria Math" panose="02040503050406030204" pitchFamily="18" charset="0"/>
+                          </a:rPr>
                           <m:t>𝑝</m:t>
                         </m:r>
                         <m:r>
-                          <a:rPr lang="en-US" i="1"/>
+                          <a:rPr lang="en-US" i="1">
+                            <a:latin typeface="Cambria Math" panose="02040503050406030204" pitchFamily="18" charset="0"/>
+                          </a:rPr>
                           <m:t>,</m:t>
                         </m:r>
                         <m:r>
-                          <a:rPr lang="en-US" i="1"/>
+                          <a:rPr lang="en-US" i="1">
+                            <a:latin typeface="Cambria Math" panose="02040503050406030204" pitchFamily="18" charset="0"/>
+                          </a:rPr>
                           <m:t>𝑚𝑜𝑑</m:t>
                         </m:r>
                         <m:d>
                           <m:dPr>
                             <m:ctrlPr>
-                              <a:rPr lang="en-US" i="1"/>
+                              <a:rPr lang="en-US" i="1">
+                                <a:latin typeface="Cambria Math" panose="02040503050406030204" pitchFamily="18" charset="0"/>
+                              </a:rPr>
                             </m:ctrlPr>
                           </m:dPr>
                           <m:e>
                             <m:r>
-                              <a:rPr lang="en-US" i="1"/>
+                              <a:rPr lang="en-US" i="1">
+                                <a:latin typeface="Cambria Math" panose="02040503050406030204" pitchFamily="18" charset="0"/>
+                              </a:rPr>
                               <m:t>𝑛</m:t>
                             </m:r>
                             <m:r>
-                              <a:rPr lang="en-US" i="1"/>
+                              <a:rPr lang="en-US" i="1">
+                                <a:latin typeface="Cambria Math" panose="02040503050406030204" pitchFamily="18" charset="0"/>
+                              </a:rPr>
                               <m:t>,</m:t>
                             </m:r>
                             <m:r>
-                              <a:rPr lang="en-US" i="1"/>
+                              <a:rPr lang="en-US" i="1">
+                                <a:latin typeface="Cambria Math" panose="02040503050406030204" pitchFamily="18" charset="0"/>
+                              </a:rPr>
                               <m:t>𝑃</m:t>
                             </m:r>
                           </m:e>
@@ -18619,14 +18792,10 @@
                 <a:endParaRPr lang="en-US" dirty="0"/>
               </a:p>
               <a:p>
-                <a:pPr lvl="1"/>
-                <a:endParaRPr lang="en-US" dirty="0"/>
-              </a:p>
-              <a:p>
-                <a:pPr marL="457200" lvl="1" indent="0">
-                  <a:buNone/>
-                </a:pPr>
-                <a:endParaRPr lang="en-US" dirty="0"/>
+                <a:r>
+                  <a:rPr lang="en-US" dirty="0"/>
+                  <a:t>At each step all processors count the frequencies of the candidate itemset in their section.</a:t>
+                </a:r>
               </a:p>
             </p:txBody>
           </p:sp>
@@ -18686,13 +18855,13 @@
           <p:nvPr>
             <p:extLst>
               <p:ext uri="{D42A27DB-BD31-4B8C-83A1-F6EECF244321}">
-                <p14:modId xmlns:p14="http://schemas.microsoft.com/office/powerpoint/2010/main" val="3687074080"/>
+                <p14:modId xmlns:p14="http://schemas.microsoft.com/office/powerpoint/2010/main" val="1410667495"/>
               </p:ext>
             </p:extLst>
           </p:nvPr>
         </p:nvGraphicFramePr>
         <p:xfrm>
-          <a:off x="3946418" y="4483282"/>
+          <a:off x="4940329" y="4793271"/>
           <a:ext cx="1155671" cy="1478280"/>
         </p:xfrm>
         <a:graphic>
@@ -18808,7 +18977,7 @@
         </p:nvSpPr>
         <p:spPr>
           <a:xfrm>
-            <a:off x="3507623" y="4651033"/>
+            <a:off x="4501534" y="4961022"/>
             <a:ext cx="438795" cy="369332"/>
           </a:xfrm>
           <a:prstGeom prst="rect">
@@ -18843,7 +19012,7 @@
         </p:nvSpPr>
         <p:spPr>
           <a:xfrm>
-            <a:off x="3507623" y="5324978"/>
+            <a:off x="4501534" y="5634967"/>
             <a:ext cx="438795" cy="369332"/>
           </a:xfrm>
           <a:prstGeom prst="rect">
@@ -18880,7 +19049,7 @@
         </p:nvCxnSpPr>
         <p:spPr>
           <a:xfrm flipH="1">
-            <a:off x="3507624" y="5222422"/>
+            <a:off x="4501535" y="5532411"/>
             <a:ext cx="1594465" cy="0"/>
           </a:xfrm>
           <a:prstGeom prst="line">
@@ -20576,7 +20745,7 @@
           <a:p>
             <a:r>
               <a:rPr lang="en-US" sz="1600" dirty="0"/>
-              <a:t>** 12 times duplication of DS1</a:t>
+              <a:t>** Linear expansion by 12 of DS1</a:t>
             </a:r>
           </a:p>
         </p:txBody>

--- a/Parallel Data Mining.pptx
+++ b/Parallel Data Mining.pptx
@@ -140,7 +140,7 @@
 </file>
 
 <file path=ppt/charts/chart1.xml><?xml version="1.0" encoding="utf-8"?>
-<c:chartSpace xmlns:c="http://schemas.openxmlformats.org/drawingml/2006/chart" xmlns:a="http://schemas.openxmlformats.org/drawingml/2006/main" xmlns:r="http://schemas.openxmlformats.org/officeDocument/2006/relationships" xmlns:c16r2="http://schemas.microsoft.com/office/drawing/2015/06/chart">
+<c:chartSpace xmlns:c="http://schemas.openxmlformats.org/drawingml/2006/chart" xmlns:a="http://schemas.openxmlformats.org/drawingml/2006/main" xmlns:r="http://schemas.openxmlformats.org/officeDocument/2006/relationships">
   <c:date1904 val="0"/>
   <c:lang val="en-US"/>
   <c:roundedCorners val="0"/>
@@ -153,95 +153,7 @@
     </mc:Fallback>
   </mc:AlternateContent>
   <c:chart>
-    <c:title>
-      <c:tx>
-        <c:rich>
-          <a:bodyPr rot="0" spcFirstLastPara="1" vertOverflow="ellipsis" vert="horz" wrap="square" anchor="ctr" anchorCtr="1"/>
-          <a:lstStyle/>
-          <a:p>
-            <a:pPr marL="0" marR="0" lvl="0" indent="0" algn="ctr" defTabSz="914400" rtl="0" eaLnBrk="1" fontAlgn="auto" latinLnBrk="0" hangingPunct="1">
-              <a:lnSpc>
-                <a:spcPct val="100000"/>
-              </a:lnSpc>
-              <a:spcBef>
-                <a:spcPts val="0"/>
-              </a:spcBef>
-              <a:spcAft>
-                <a:spcPts val="0"/>
-              </a:spcAft>
-              <a:buClrTx/>
-              <a:buSzTx/>
-              <a:buFontTx/>
-              <a:buNone/>
-              <a:tabLst/>
-              <a:defRPr sz="2000" b="0" i="0" u="none" strike="noStrike" kern="1200" spc="0" baseline="0">
-                <a:solidFill>
-                  <a:sysClr val="windowText" lastClr="000000">
-                    <a:lumMod val="65000"/>
-                    <a:lumOff val="35000"/>
-                  </a:sysClr>
-                </a:solidFill>
-                <a:latin typeface="+mn-lt"/>
-                <a:ea typeface="+mn-ea"/>
-                <a:cs typeface="+mn-cs"/>
-              </a:defRPr>
-            </a:pPr>
-            <a:r>
-              <a:rPr lang="en-US" sz="2000" b="0" i="0" baseline="0" dirty="0">
-                <a:effectLst/>
-              </a:rPr>
-              <a:t>DS2 - Time to run (seconds) / CPUs  </a:t>
-            </a:r>
-            <a:endParaRPr lang="en-US" sz="2000" dirty="0">
-              <a:effectLst/>
-            </a:endParaRPr>
-          </a:p>
-        </c:rich>
-      </c:tx>
-      <c:overlay val="0"/>
-      <c:spPr>
-        <a:noFill/>
-        <a:ln>
-          <a:noFill/>
-        </a:ln>
-        <a:effectLst/>
-      </c:spPr>
-      <c:txPr>
-        <a:bodyPr rot="0" spcFirstLastPara="1" vertOverflow="ellipsis" vert="horz" wrap="square" anchor="ctr" anchorCtr="1"/>
-        <a:lstStyle/>
-        <a:p>
-          <a:pPr marL="0" marR="0" lvl="0" indent="0" algn="ctr" defTabSz="914400" rtl="0" eaLnBrk="1" fontAlgn="auto" latinLnBrk="0" hangingPunct="1">
-            <a:lnSpc>
-              <a:spcPct val="100000"/>
-            </a:lnSpc>
-            <a:spcBef>
-              <a:spcPts val="0"/>
-            </a:spcBef>
-            <a:spcAft>
-              <a:spcPts val="0"/>
-            </a:spcAft>
-            <a:buClrTx/>
-            <a:buSzTx/>
-            <a:buFontTx/>
-            <a:buNone/>
-            <a:tabLst/>
-            <a:defRPr sz="2000" b="0" i="0" u="none" strike="noStrike" kern="1200" spc="0" baseline="0">
-              <a:solidFill>
-                <a:sysClr val="windowText" lastClr="000000">
-                  <a:lumMod val="65000"/>
-                  <a:lumOff val="35000"/>
-                </a:sysClr>
-              </a:solidFill>
-              <a:latin typeface="+mn-lt"/>
-              <a:ea typeface="+mn-ea"/>
-              <a:cs typeface="+mn-cs"/>
-            </a:defRPr>
-          </a:pPr>
-          <a:endParaRPr lang="en-US"/>
-        </a:p>
-      </c:txPr>
-    </c:title>
-    <c:autoTitleDeleted val="0"/>
+    <c:autoTitleDeleted val="1"/>
     <c:plotArea>
       <c:layout/>
       <c:lineChart>
@@ -329,7 +241,7 @@
             </c:numRef>
           </c:val>
           <c:smooth val="0"/>
-          <c:extLst>
+          <c:extLst xmlns:c16r2="http://schemas.microsoft.com/office/drawing/2015/06/chart">
             <c:ext xmlns:c16="http://schemas.microsoft.com/office/drawing/2014/chart" uri="{C3380CC4-5D6E-409C-BE32-E72D297353CC}">
               <c16:uniqueId val="{00000000-8BBD-451B-926A-205AF0206ED9}"/>
             </c:ext>
@@ -413,7 +325,7 @@
             </c:numRef>
           </c:val>
           <c:smooth val="0"/>
-          <c:extLst>
+          <c:extLst xmlns:c16r2="http://schemas.microsoft.com/office/drawing/2015/06/chart">
             <c:ext xmlns:c16="http://schemas.microsoft.com/office/drawing/2014/chart" uri="{C3380CC4-5D6E-409C-BE32-E72D297353CC}">
               <c16:uniqueId val="{00000001-8BBD-451B-926A-205AF0206ED9}"/>
             </c:ext>
@@ -497,7 +409,7 @@
             </c:numRef>
           </c:val>
           <c:smooth val="0"/>
-          <c:extLst>
+          <c:extLst xmlns:c16r2="http://schemas.microsoft.com/office/drawing/2015/06/chart">
             <c:ext xmlns:c16="http://schemas.microsoft.com/office/drawing/2014/chart" uri="{C3380CC4-5D6E-409C-BE32-E72D297353CC}">
               <c16:uniqueId val="{00000002-8BBD-451B-926A-205AF0206ED9}"/>
             </c:ext>
@@ -512,11 +424,11 @@
           <c:showBubbleSize val="0"/>
         </c:dLbls>
         <c:smooth val="0"/>
-        <c:axId val="398050400"/>
-        <c:axId val="398055296"/>
+        <c:axId val="1547644272"/>
+        <c:axId val="1547635568"/>
       </c:lineChart>
       <c:catAx>
-        <c:axId val="398050400"/>
+        <c:axId val="1547644272"/>
         <c:scaling>
           <c:orientation val="minMax"/>
         </c:scaling>
@@ -559,7 +471,7 @@
             <a:endParaRPr lang="en-US"/>
           </a:p>
         </c:txPr>
-        <c:crossAx val="398055296"/>
+        <c:crossAx val="1547635568"/>
         <c:crosses val="autoZero"/>
         <c:auto val="1"/>
         <c:lblAlgn val="ctr"/>
@@ -567,7 +479,7 @@
         <c:noMultiLvlLbl val="0"/>
       </c:catAx>
       <c:valAx>
-        <c:axId val="398055296"/>
+        <c:axId val="1547635568"/>
         <c:scaling>
           <c:orientation val="minMax"/>
         </c:scaling>
@@ -618,7 +530,7 @@
             <a:endParaRPr lang="en-US"/>
           </a:p>
         </c:txPr>
-        <c:crossAx val="398050400"/>
+        <c:crossAx val="1547644272"/>
         <c:crosses val="autoZero"/>
         <c:crossBetween val="between"/>
       </c:valAx>
@@ -631,7 +543,8 @@
       </c:spPr>
     </c:plotArea>
     <c:legend>
-      <c:legendPos val="b"/>
+      <c:legendPos val="r"/>
+      <c:layout/>
       <c:overlay val="0"/>
       <c:spPr>
         <a:noFill/>
@@ -663,14 +576,14 @@
     </c:legend>
     <c:plotVisOnly val="1"/>
     <c:dispBlanksAs val="gap"/>
-    <c:extLst>
+    <c:showDLblsOverMax val="0"/>
+    <c:extLst xmlns:c16r2="http://schemas.microsoft.com/office/drawing/2015/06/chart">
       <c:ext xmlns:c16r3="http://schemas.microsoft.com/office/drawing/2017/03/chart" uri="{56B9EC1D-385E-4148-901F-78D8002777C0}">
         <c16r3:dataDisplayOptions16>
           <c16r3:dispNaAsBlank val="1"/>
         </c16r3:dataDisplayOptions16>
       </c:ext>
     </c:extLst>
-    <c:showDLblsOverMax val="0"/>
   </c:chart>
   <c:spPr>
     <a:noFill/>
@@ -696,7 +609,7 @@
 </file>
 
 <file path=ppt/charts/chart2.xml><?xml version="1.0" encoding="utf-8"?>
-<c:chartSpace xmlns:c="http://schemas.openxmlformats.org/drawingml/2006/chart" xmlns:a="http://schemas.openxmlformats.org/drawingml/2006/main" xmlns:r="http://schemas.openxmlformats.org/officeDocument/2006/relationships" xmlns:c16r2="http://schemas.microsoft.com/office/drawing/2015/06/chart">
+<c:chartSpace xmlns:c="http://schemas.openxmlformats.org/drawingml/2006/chart" xmlns:a="http://schemas.openxmlformats.org/drawingml/2006/main" xmlns:r="http://schemas.openxmlformats.org/officeDocument/2006/relationships">
   <c:date1904 val="0"/>
   <c:lang val="en-US"/>
   <c:roundedCorners val="0"/>
@@ -709,95 +622,7 @@
     </mc:Fallback>
   </mc:AlternateContent>
   <c:chart>
-    <c:title>
-      <c:tx>
-        <c:rich>
-          <a:bodyPr rot="0" spcFirstLastPara="1" vertOverflow="ellipsis" vert="horz" wrap="square" anchor="ctr" anchorCtr="1"/>
-          <a:lstStyle/>
-          <a:p>
-            <a:pPr marL="0" marR="0" lvl="0" indent="0" algn="ctr" defTabSz="914400" rtl="0" eaLnBrk="1" fontAlgn="auto" latinLnBrk="0" hangingPunct="1">
-              <a:lnSpc>
-                <a:spcPct val="100000"/>
-              </a:lnSpc>
-              <a:spcBef>
-                <a:spcPts val="0"/>
-              </a:spcBef>
-              <a:spcAft>
-                <a:spcPts val="0"/>
-              </a:spcAft>
-              <a:buClrTx/>
-              <a:buSzTx/>
-              <a:buFontTx/>
-              <a:buNone/>
-              <a:tabLst/>
-              <a:defRPr sz="2000" b="0" i="0" u="none" strike="noStrike" kern="1200" spc="0" baseline="0">
-                <a:solidFill>
-                  <a:sysClr val="windowText" lastClr="000000">
-                    <a:lumMod val="65000"/>
-                    <a:lumOff val="35000"/>
-                  </a:sysClr>
-                </a:solidFill>
-                <a:latin typeface="+mn-lt"/>
-                <a:ea typeface="+mn-ea"/>
-                <a:cs typeface="+mn-cs"/>
-              </a:defRPr>
-            </a:pPr>
-            <a:r>
-              <a:rPr lang="en-US" sz="2000" b="0" i="0" baseline="0">
-                <a:effectLst/>
-              </a:rPr>
-              <a:t>DS4 - Time to run (seconds) / CPUs  </a:t>
-            </a:r>
-            <a:endParaRPr lang="en-US" sz="2000">
-              <a:effectLst/>
-            </a:endParaRPr>
-          </a:p>
-        </c:rich>
-      </c:tx>
-      <c:overlay val="0"/>
-      <c:spPr>
-        <a:noFill/>
-        <a:ln>
-          <a:noFill/>
-        </a:ln>
-        <a:effectLst/>
-      </c:spPr>
-      <c:txPr>
-        <a:bodyPr rot="0" spcFirstLastPara="1" vertOverflow="ellipsis" vert="horz" wrap="square" anchor="ctr" anchorCtr="1"/>
-        <a:lstStyle/>
-        <a:p>
-          <a:pPr marL="0" marR="0" lvl="0" indent="0" algn="ctr" defTabSz="914400" rtl="0" eaLnBrk="1" fontAlgn="auto" latinLnBrk="0" hangingPunct="1">
-            <a:lnSpc>
-              <a:spcPct val="100000"/>
-            </a:lnSpc>
-            <a:spcBef>
-              <a:spcPts val="0"/>
-            </a:spcBef>
-            <a:spcAft>
-              <a:spcPts val="0"/>
-            </a:spcAft>
-            <a:buClrTx/>
-            <a:buSzTx/>
-            <a:buFontTx/>
-            <a:buNone/>
-            <a:tabLst/>
-            <a:defRPr sz="2000" b="0" i="0" u="none" strike="noStrike" kern="1200" spc="0" baseline="0">
-              <a:solidFill>
-                <a:sysClr val="windowText" lastClr="000000">
-                  <a:lumMod val="65000"/>
-                  <a:lumOff val="35000"/>
-                </a:sysClr>
-              </a:solidFill>
-              <a:latin typeface="+mn-lt"/>
-              <a:ea typeface="+mn-ea"/>
-              <a:cs typeface="+mn-cs"/>
-            </a:defRPr>
-          </a:pPr>
-          <a:endParaRPr lang="en-US"/>
-        </a:p>
-      </c:txPr>
-    </c:title>
-    <c:autoTitleDeleted val="0"/>
+    <c:autoTitleDeleted val="1"/>
     <c:plotArea>
       <c:layout/>
       <c:lineChart>
@@ -885,7 +710,7 @@
             </c:numRef>
           </c:val>
           <c:smooth val="0"/>
-          <c:extLst>
+          <c:extLst xmlns:c16r2="http://schemas.microsoft.com/office/drawing/2015/06/chart">
             <c:ext xmlns:c16="http://schemas.microsoft.com/office/drawing/2014/chart" uri="{C3380CC4-5D6E-409C-BE32-E72D297353CC}">
               <c16:uniqueId val="{00000000-E1AE-423E-8CC9-883C23E5B57B}"/>
             </c:ext>
@@ -942,7 +767,7 @@
             </c:numRef>
           </c:val>
           <c:smooth val="0"/>
-          <c:extLst>
+          <c:extLst xmlns:c16r2="http://schemas.microsoft.com/office/drawing/2015/06/chart">
             <c:ext xmlns:c16="http://schemas.microsoft.com/office/drawing/2014/chart" uri="{C3380CC4-5D6E-409C-BE32-E72D297353CC}">
               <c16:uniqueId val="{00000001-E1AE-423E-8CC9-883C23E5B57B}"/>
             </c:ext>
@@ -999,7 +824,7 @@
             </c:numRef>
           </c:val>
           <c:smooth val="0"/>
-          <c:extLst>
+          <c:extLst xmlns:c16r2="http://schemas.microsoft.com/office/drawing/2015/06/chart">
             <c:ext xmlns:c16="http://schemas.microsoft.com/office/drawing/2014/chart" uri="{C3380CC4-5D6E-409C-BE32-E72D297353CC}">
               <c16:uniqueId val="{00000002-E1AE-423E-8CC9-883C23E5B57B}"/>
             </c:ext>
@@ -1014,11 +839,11 @@
           <c:showBubbleSize val="0"/>
         </c:dLbls>
         <c:smooth val="0"/>
-        <c:axId val="398047136"/>
-        <c:axId val="398053120"/>
+        <c:axId val="1547641552"/>
+        <c:axId val="1547647536"/>
       </c:lineChart>
       <c:catAx>
-        <c:axId val="398047136"/>
+        <c:axId val="1547641552"/>
         <c:scaling>
           <c:orientation val="minMax"/>
         </c:scaling>
@@ -1061,7 +886,7 @@
             <a:endParaRPr lang="en-US"/>
           </a:p>
         </c:txPr>
-        <c:crossAx val="398053120"/>
+        <c:crossAx val="1547647536"/>
         <c:crosses val="autoZero"/>
         <c:auto val="1"/>
         <c:lblAlgn val="ctr"/>
@@ -1069,7 +894,7 @@
         <c:noMultiLvlLbl val="0"/>
       </c:catAx>
       <c:valAx>
-        <c:axId val="398053120"/>
+        <c:axId val="1547647536"/>
         <c:scaling>
           <c:orientation val="minMax"/>
         </c:scaling>
@@ -1120,7 +945,7 @@
             <a:endParaRPr lang="en-US"/>
           </a:p>
         </c:txPr>
-        <c:crossAx val="398047136"/>
+        <c:crossAx val="1547641552"/>
         <c:crosses val="autoZero"/>
         <c:crossBetween val="between"/>
       </c:valAx>
@@ -1133,7 +958,8 @@
       </c:spPr>
     </c:plotArea>
     <c:legend>
-      <c:legendPos val="b"/>
+      <c:legendPos val="r"/>
+      <c:layout/>
       <c:overlay val="0"/>
       <c:spPr>
         <a:noFill/>
@@ -1147,7 +973,7 @@
         <a:lstStyle/>
         <a:p>
           <a:pPr>
-            <a:defRPr sz="1200" b="0" i="0" u="none" strike="noStrike" kern="1200" baseline="0">
+            <a:defRPr sz="1400" b="0" i="0" u="none" strike="noStrike" kern="1200" baseline="0">
               <a:solidFill>
                 <a:schemeClr val="tx1">
                   <a:lumMod val="65000"/>
@@ -1165,14 +991,14 @@
     </c:legend>
     <c:plotVisOnly val="1"/>
     <c:dispBlanksAs val="gap"/>
-    <c:extLst>
+    <c:showDLblsOverMax val="0"/>
+    <c:extLst xmlns:c16r2="http://schemas.microsoft.com/office/drawing/2015/06/chart">
       <c:ext xmlns:c16r3="http://schemas.microsoft.com/office/drawing/2017/03/chart" uri="{56B9EC1D-385E-4148-901F-78D8002777C0}">
         <c16r3:dataDisplayOptions16>
           <c16r3:dispNaAsBlank val="1"/>
         </c16r3:dataDisplayOptions16>
       </c:ext>
     </c:extLst>
-    <c:showDLblsOverMax val="0"/>
   </c:chart>
   <c:spPr>
     <a:noFill/>
@@ -1198,7 +1024,7 @@
 </file>
 
 <file path=ppt/charts/chart3.xml><?xml version="1.0" encoding="utf-8"?>
-<c:chartSpace xmlns:c="http://schemas.openxmlformats.org/drawingml/2006/chart" xmlns:a="http://schemas.openxmlformats.org/drawingml/2006/main" xmlns:r="http://schemas.openxmlformats.org/officeDocument/2006/relationships" xmlns:c16r2="http://schemas.microsoft.com/office/drawing/2015/06/chart">
+<c:chartSpace xmlns:c="http://schemas.openxmlformats.org/drawingml/2006/chart" xmlns:a="http://schemas.openxmlformats.org/drawingml/2006/main" xmlns:r="http://schemas.openxmlformats.org/officeDocument/2006/relationships">
   <c:date1904 val="0"/>
   <c:lang val="en-US"/>
   <c:roundedCorners val="0"/>
@@ -1356,7 +1182,7 @@
             </c:numRef>
           </c:val>
           <c:smooth val="0"/>
-          <c:extLst>
+          <c:extLst xmlns:c16r2="http://schemas.microsoft.com/office/drawing/2015/06/chart">
             <c:ext xmlns:c16="http://schemas.microsoft.com/office/drawing/2014/chart" uri="{C3380CC4-5D6E-409C-BE32-E72D297353CC}">
               <c16:uniqueId val="{00000000-140A-4E23-A324-C07A4247900F}"/>
             </c:ext>
@@ -1432,7 +1258,7 @@
             </c:numRef>
           </c:val>
           <c:smooth val="0"/>
-          <c:extLst>
+          <c:extLst xmlns:c16r2="http://schemas.microsoft.com/office/drawing/2015/06/chart">
             <c:ext xmlns:c16="http://schemas.microsoft.com/office/drawing/2014/chart" uri="{C3380CC4-5D6E-409C-BE32-E72D297353CC}">
               <c16:uniqueId val="{00000001-140A-4E23-A324-C07A4247900F}"/>
             </c:ext>
@@ -1508,7 +1334,7 @@
             </c:numRef>
           </c:val>
           <c:smooth val="0"/>
-          <c:extLst>
+          <c:extLst xmlns:c16r2="http://schemas.microsoft.com/office/drawing/2015/06/chart">
             <c:ext xmlns:c16="http://schemas.microsoft.com/office/drawing/2014/chart" uri="{C3380CC4-5D6E-409C-BE32-E72D297353CC}">
               <c16:uniqueId val="{00000002-140A-4E23-A324-C07A4247900F}"/>
             </c:ext>
@@ -1523,11 +1349,11 @@
           <c:showBubbleSize val="0"/>
         </c:dLbls>
         <c:smooth val="0"/>
-        <c:axId val="236125424"/>
-        <c:axId val="232905808"/>
+        <c:axId val="1547632848"/>
+        <c:axId val="1547636112"/>
       </c:lineChart>
       <c:catAx>
-        <c:axId val="236125424"/>
+        <c:axId val="1547632848"/>
         <c:scaling>
           <c:orientation val="minMax"/>
         </c:scaling>
@@ -1570,7 +1396,7 @@
             <a:endParaRPr lang="en-US"/>
           </a:p>
         </c:txPr>
-        <c:crossAx val="232905808"/>
+        <c:crossAx val="1547636112"/>
         <c:crosses val="autoZero"/>
         <c:auto val="1"/>
         <c:lblAlgn val="ctr"/>
@@ -1578,7 +1404,7 @@
         <c:noMultiLvlLbl val="0"/>
       </c:catAx>
       <c:valAx>
-        <c:axId val="232905808"/>
+        <c:axId val="1547636112"/>
         <c:scaling>
           <c:orientation val="minMax"/>
         </c:scaling>
@@ -1629,7 +1455,7 @@
             <a:endParaRPr lang="en-US"/>
           </a:p>
         </c:txPr>
-        <c:crossAx val="236125424"/>
+        <c:crossAx val="1547632848"/>
         <c:crosses val="autoZero"/>
         <c:crossBetween val="between"/>
       </c:valAx>
@@ -1674,14 +1500,14 @@
     </c:legend>
     <c:plotVisOnly val="1"/>
     <c:dispBlanksAs val="gap"/>
-    <c:extLst>
+    <c:showDLblsOverMax val="0"/>
+    <c:extLst xmlns:c16r2="http://schemas.microsoft.com/office/drawing/2015/06/chart">
       <c:ext xmlns:c16r3="http://schemas.microsoft.com/office/drawing/2017/03/chart" uri="{56B9EC1D-385E-4148-901F-78D8002777C0}">
         <c16r3:dataDisplayOptions16>
           <c16r3:dispNaAsBlank val="1"/>
         </c16r3:dataDisplayOptions16>
       </c:ext>
     </c:extLst>
-    <c:showDLblsOverMax val="0"/>
   </c:chart>
   <c:spPr>
     <a:noFill/>
@@ -1707,7 +1533,7 @@
 </file>
 
 <file path=ppt/charts/chart4.xml><?xml version="1.0" encoding="utf-8"?>
-<c:chartSpace xmlns:c="http://schemas.openxmlformats.org/drawingml/2006/chart" xmlns:a="http://schemas.openxmlformats.org/drawingml/2006/main" xmlns:r="http://schemas.openxmlformats.org/officeDocument/2006/relationships" xmlns:c16r2="http://schemas.microsoft.com/office/drawing/2015/06/chart">
+<c:chartSpace xmlns:c="http://schemas.openxmlformats.org/drawingml/2006/chart" xmlns:a="http://schemas.openxmlformats.org/drawingml/2006/main" xmlns:r="http://schemas.openxmlformats.org/officeDocument/2006/relationships">
   <c:date1904 val="0"/>
   <c:lang val="en-US"/>
   <c:roundedCorners val="0"/>
@@ -1896,7 +1722,7 @@
             </c:numRef>
           </c:val>
           <c:smooth val="0"/>
-          <c:extLst>
+          <c:extLst xmlns:c16r2="http://schemas.microsoft.com/office/drawing/2015/06/chart">
             <c:ext xmlns:c16="http://schemas.microsoft.com/office/drawing/2014/chart" uri="{C3380CC4-5D6E-409C-BE32-E72D297353CC}">
               <c16:uniqueId val="{00000000-C9D9-4365-90BB-8449B8BB8E75}"/>
             </c:ext>
@@ -1982,7 +1808,7 @@
             </c:numRef>
           </c:val>
           <c:smooth val="0"/>
-          <c:extLst>
+          <c:extLst xmlns:c16r2="http://schemas.microsoft.com/office/drawing/2015/06/chart">
             <c:ext xmlns:c16="http://schemas.microsoft.com/office/drawing/2014/chart" uri="{C3380CC4-5D6E-409C-BE32-E72D297353CC}">
               <c16:uniqueId val="{00000001-C9D9-4365-90BB-8449B8BB8E75}"/>
             </c:ext>
@@ -2066,7 +1892,7 @@
             </c:numRef>
           </c:val>
           <c:smooth val="0"/>
-          <c:extLst>
+          <c:extLst xmlns:c16r2="http://schemas.microsoft.com/office/drawing/2015/06/chart">
             <c:ext xmlns:c16="http://schemas.microsoft.com/office/drawing/2014/chart" uri="{C3380CC4-5D6E-409C-BE32-E72D297353CC}">
               <c16:uniqueId val="{00000002-C9D9-4365-90BB-8449B8BB8E75}"/>
             </c:ext>
@@ -2081,11 +1907,11 @@
           <c:showBubbleSize val="0"/>
         </c:dLbls>
         <c:smooth val="0"/>
-        <c:axId val="243450016"/>
-        <c:axId val="326312816"/>
+        <c:axId val="1547638832"/>
+        <c:axId val="1547642096"/>
       </c:lineChart>
       <c:catAx>
-        <c:axId val="243450016"/>
+        <c:axId val="1547638832"/>
         <c:scaling>
           <c:orientation val="minMax"/>
         </c:scaling>
@@ -2128,7 +1954,7 @@
             <a:endParaRPr lang="en-US"/>
           </a:p>
         </c:txPr>
-        <c:crossAx val="326312816"/>
+        <c:crossAx val="1547642096"/>
         <c:crosses val="autoZero"/>
         <c:auto val="1"/>
         <c:lblAlgn val="ctr"/>
@@ -2136,7 +1962,7 @@
         <c:noMultiLvlLbl val="0"/>
       </c:catAx>
       <c:valAx>
-        <c:axId val="326312816"/>
+        <c:axId val="1547642096"/>
         <c:scaling>
           <c:orientation val="minMax"/>
         </c:scaling>
@@ -2187,7 +2013,7 @@
             <a:endParaRPr lang="en-US"/>
           </a:p>
         </c:txPr>
-        <c:crossAx val="243450016"/>
+        <c:crossAx val="1547638832"/>
         <c:crosses val="autoZero"/>
         <c:crossBetween val="between"/>
       </c:valAx>
@@ -2232,14 +2058,14 @@
     </c:legend>
     <c:plotVisOnly val="1"/>
     <c:dispBlanksAs val="gap"/>
-    <c:extLst>
+    <c:showDLblsOverMax val="0"/>
+    <c:extLst xmlns:c16r2="http://schemas.microsoft.com/office/drawing/2015/06/chart">
       <c:ext xmlns:c16r3="http://schemas.microsoft.com/office/drawing/2017/03/chart" uri="{56B9EC1D-385E-4148-901F-78D8002777C0}">
         <c16r3:dataDisplayOptions16>
           <c16r3:dispNaAsBlank val="1"/>
         </c16r3:dataDisplayOptions16>
       </c:ext>
     </c:extLst>
-    <c:showDLblsOverMax val="0"/>
   </c:chart>
   <c:spPr>
     <a:noFill/>
@@ -2265,7 +2091,7 @@
 </file>
 
 <file path=ppt/charts/chart5.xml><?xml version="1.0" encoding="utf-8"?>
-<c:chartSpace xmlns:c="http://schemas.openxmlformats.org/drawingml/2006/chart" xmlns:a="http://schemas.openxmlformats.org/drawingml/2006/main" xmlns:r="http://schemas.openxmlformats.org/officeDocument/2006/relationships" xmlns:c16r2="http://schemas.microsoft.com/office/drawing/2015/06/chart">
+<c:chartSpace xmlns:c="http://schemas.openxmlformats.org/drawingml/2006/chart" xmlns:a="http://schemas.openxmlformats.org/drawingml/2006/main" xmlns:r="http://schemas.openxmlformats.org/officeDocument/2006/relationships">
   <c:date1904 val="0"/>
   <c:lang val="en-US"/>
   <c:roundedCorners val="0"/>
@@ -2404,7 +2230,7 @@
             </c:numRef>
           </c:val>
           <c:smooth val="0"/>
-          <c:extLst>
+          <c:extLst xmlns:c16r2="http://schemas.microsoft.com/office/drawing/2015/06/chart">
             <c:ext xmlns:c16="http://schemas.microsoft.com/office/drawing/2014/chart" uri="{C3380CC4-5D6E-409C-BE32-E72D297353CC}">
               <c16:uniqueId val="{00000000-C791-4507-95A4-FC3F281CB26A}"/>
             </c:ext>
@@ -2488,7 +2314,7 @@
             </c:numRef>
           </c:val>
           <c:smooth val="0"/>
-          <c:extLst>
+          <c:extLst xmlns:c16r2="http://schemas.microsoft.com/office/drawing/2015/06/chart">
             <c:ext xmlns:c16="http://schemas.microsoft.com/office/drawing/2014/chart" uri="{C3380CC4-5D6E-409C-BE32-E72D297353CC}">
               <c16:uniqueId val="{00000001-C791-4507-95A4-FC3F281CB26A}"/>
             </c:ext>
@@ -2570,7 +2396,7 @@
             </c:numRef>
           </c:val>
           <c:smooth val="0"/>
-          <c:extLst>
+          <c:extLst xmlns:c16r2="http://schemas.microsoft.com/office/drawing/2015/06/chart">
             <c:ext xmlns:c16="http://schemas.microsoft.com/office/drawing/2014/chart" uri="{C3380CC4-5D6E-409C-BE32-E72D297353CC}">
               <c16:uniqueId val="{00000002-C791-4507-95A4-FC3F281CB26A}"/>
             </c:ext>
@@ -2585,11 +2411,11 @@
           <c:showBubbleSize val="0"/>
         </c:dLbls>
         <c:smooth val="0"/>
-        <c:axId val="236125424"/>
-        <c:axId val="232905808"/>
+        <c:axId val="1547642640"/>
+        <c:axId val="1547644816"/>
       </c:lineChart>
       <c:catAx>
-        <c:axId val="236125424"/>
+        <c:axId val="1547642640"/>
         <c:scaling>
           <c:orientation val="minMax"/>
         </c:scaling>
@@ -2632,7 +2458,7 @@
             <a:endParaRPr lang="en-US"/>
           </a:p>
         </c:txPr>
-        <c:crossAx val="232905808"/>
+        <c:crossAx val="1547644816"/>
         <c:crosses val="autoZero"/>
         <c:auto val="1"/>
         <c:lblAlgn val="ctr"/>
@@ -2640,7 +2466,7 @@
         <c:noMultiLvlLbl val="0"/>
       </c:catAx>
       <c:valAx>
-        <c:axId val="232905808"/>
+        <c:axId val="1547644816"/>
         <c:scaling>
           <c:orientation val="minMax"/>
         </c:scaling>
@@ -2691,7 +2517,7 @@
             <a:endParaRPr lang="en-US"/>
           </a:p>
         </c:txPr>
-        <c:crossAx val="236125424"/>
+        <c:crossAx val="1547642640"/>
         <c:crosses val="autoZero"/>
         <c:crossBetween val="between"/>
       </c:valAx>
@@ -2703,7 +2529,7 @@
     <c:plotVisOnly val="1"/>
     <c:dispBlanksAs val="gap"/>
     <c:showDLblsOverMax val="0"/>
-    <c:extLst/>
+    <c:extLst xmlns:c16r2="http://schemas.microsoft.com/office/drawing/2015/06/chart"/>
   </c:chart>
   <c:txPr>
     <a:bodyPr/>
@@ -12403,7 +12229,7 @@
           <p:cNvPr id="2" name="Title 1">
             <a:extLst>
               <a:ext uri="{FF2B5EF4-FFF2-40B4-BE49-F238E27FC236}">
-                <a16:creationId xmlns:a16="http://schemas.microsoft.com/office/drawing/2014/main" id="{13217669-6C17-4391-A07F-2A431FE74E73}"/>
+                <a16:creationId xmlns:a16="http://schemas.microsoft.com/office/drawing/2014/main" xmlns="" id="{13217669-6C17-4391-A07F-2A431FE74E73}"/>
               </a:ext>
             </a:extLst>
           </p:cNvPr>
@@ -12424,6 +12250,10 @@
               <a:rPr lang="en-US" dirty="0" err="1"/>
               <a:t>Apriori</a:t>
             </a:r>
+            <a:r>
+              <a:rPr lang="en-US" dirty="0"/>
+              <a:t/>
+            </a:r>
             <a:br>
               <a:rPr lang="en-US" dirty="0"/>
             </a:br>
@@ -12445,7 +12275,7 @@
           <p:cNvPr id="3" name="Subtitle 2">
             <a:extLst>
               <a:ext uri="{FF2B5EF4-FFF2-40B4-BE49-F238E27FC236}">
-                <a16:creationId xmlns:a16="http://schemas.microsoft.com/office/drawing/2014/main" id="{9D0B782B-CA5D-4969-8917-B4651B0836BF}"/>
+                <a16:creationId xmlns:a16="http://schemas.microsoft.com/office/drawing/2014/main" xmlns="" id="{9D0B782B-CA5D-4969-8917-B4651B0836BF}"/>
               </a:ext>
             </a:extLst>
           </p:cNvPr>
@@ -12479,7 +12309,7 @@
           <p:cNvPr id="4" name="TextBox 3">
             <a:extLst>
               <a:ext uri="{FF2B5EF4-FFF2-40B4-BE49-F238E27FC236}">
-                <a16:creationId xmlns:a16="http://schemas.microsoft.com/office/drawing/2014/main" id="{BBA2D1EF-E9BB-4C87-832D-DB6EDAC8FAE0}"/>
+                <a16:creationId xmlns:a16="http://schemas.microsoft.com/office/drawing/2014/main" xmlns="" id="{BBA2D1EF-E9BB-4C87-832D-DB6EDAC8FAE0}"/>
               </a:ext>
             </a:extLst>
           </p:cNvPr>
@@ -12568,7 +12398,7 @@
           <p:cNvPr id="2" name="Title 1">
             <a:extLst>
               <a:ext uri="{FF2B5EF4-FFF2-40B4-BE49-F238E27FC236}">
-                <a16:creationId xmlns:a16="http://schemas.microsoft.com/office/drawing/2014/main" id="{0353FAFC-2A4D-4DBF-A13A-E945C050B94D}"/>
+                <a16:creationId xmlns:a16="http://schemas.microsoft.com/office/drawing/2014/main" xmlns="" id="{0353FAFC-2A4D-4DBF-A13A-E945C050B94D}"/>
               </a:ext>
             </a:extLst>
           </p:cNvPr>
@@ -12596,7 +12426,7 @@
           <p:cNvPr id="3" name="Content Placeholder 2">
             <a:extLst>
               <a:ext uri="{FF2B5EF4-FFF2-40B4-BE49-F238E27FC236}">
-                <a16:creationId xmlns:a16="http://schemas.microsoft.com/office/drawing/2014/main" id="{BCAFDEB8-316A-409B-9E40-0A3BC7E62137}"/>
+                <a16:creationId xmlns:a16="http://schemas.microsoft.com/office/drawing/2014/main" xmlns="" id="{BCAFDEB8-316A-409B-9E40-0A3BC7E62137}"/>
               </a:ext>
             </a:extLst>
           </p:cNvPr>
@@ -12624,7 +12454,7 @@
           <p:cNvPr id="4" name="Table 3">
             <a:extLst>
               <a:ext uri="{FF2B5EF4-FFF2-40B4-BE49-F238E27FC236}">
-                <a16:creationId xmlns:a16="http://schemas.microsoft.com/office/drawing/2014/main" id="{2BD2A1C0-E6FD-4F64-9D20-97362D550179}"/>
+                <a16:creationId xmlns:a16="http://schemas.microsoft.com/office/drawing/2014/main" xmlns="" id="{2BD2A1C0-E6FD-4F64-9D20-97362D550179}"/>
               </a:ext>
             </a:extLst>
           </p:cNvPr>
@@ -12649,42 +12479,42 @@
                 <a:gridCol w="1290229">
                   <a:extLst>
                     <a:ext uri="{9D8B030D-6E8A-4147-A177-3AD203B41FA5}">
-                      <a16:colId xmlns:a16="http://schemas.microsoft.com/office/drawing/2014/main" val="1958728338"/>
+                      <a16:colId xmlns:a16="http://schemas.microsoft.com/office/drawing/2014/main" xmlns="" val="1958728338"/>
                     </a:ext>
                   </a:extLst>
                 </a:gridCol>
                 <a:gridCol w="1924131">
                   <a:extLst>
                     <a:ext uri="{9D8B030D-6E8A-4147-A177-3AD203B41FA5}">
-                      <a16:colId xmlns:a16="http://schemas.microsoft.com/office/drawing/2014/main" val="2672177721"/>
+                      <a16:colId xmlns:a16="http://schemas.microsoft.com/office/drawing/2014/main" xmlns="" val="2672177721"/>
                     </a:ext>
                   </a:extLst>
                 </a:gridCol>
                 <a:gridCol w="2125962">
                   <a:extLst>
                     <a:ext uri="{9D8B030D-6E8A-4147-A177-3AD203B41FA5}">
-                      <a16:colId xmlns:a16="http://schemas.microsoft.com/office/drawing/2014/main" val="4262677680"/>
+                      <a16:colId xmlns:a16="http://schemas.microsoft.com/office/drawing/2014/main" xmlns="" val="4262677680"/>
                     </a:ext>
                   </a:extLst>
                 </a:gridCol>
                 <a:gridCol w="1143715">
                   <a:extLst>
                     <a:ext uri="{9D8B030D-6E8A-4147-A177-3AD203B41FA5}">
-                      <a16:colId xmlns:a16="http://schemas.microsoft.com/office/drawing/2014/main" val="42322842"/>
+                      <a16:colId xmlns:a16="http://schemas.microsoft.com/office/drawing/2014/main" xmlns="" val="42322842"/>
                     </a:ext>
                   </a:extLst>
                 </a:gridCol>
                 <a:gridCol w="895952">
                   <a:extLst>
                     <a:ext uri="{9D8B030D-6E8A-4147-A177-3AD203B41FA5}">
-                      <a16:colId xmlns:a16="http://schemas.microsoft.com/office/drawing/2014/main" val="2964828502"/>
+                      <a16:colId xmlns:a16="http://schemas.microsoft.com/office/drawing/2014/main" xmlns="" val="2964828502"/>
                     </a:ext>
                   </a:extLst>
                 </a:gridCol>
                 <a:gridCol w="1391478">
                   <a:extLst>
                     <a:ext uri="{9D8B030D-6E8A-4147-A177-3AD203B41FA5}">
-                      <a16:colId xmlns:a16="http://schemas.microsoft.com/office/drawing/2014/main" val="2436559305"/>
+                      <a16:colId xmlns:a16="http://schemas.microsoft.com/office/drawing/2014/main" xmlns="" val="2436559305"/>
                     </a:ext>
                   </a:extLst>
                 </a:gridCol>
@@ -12890,7 +12720,7 @@
                 </a:tc>
                 <a:extLst>
                   <a:ext uri="{0D108BD9-81ED-4DB2-BD59-A6C34878D82A}">
-                    <a16:rowId xmlns:a16="http://schemas.microsoft.com/office/drawing/2014/main" val="1423448835"/>
+                    <a16:rowId xmlns:a16="http://schemas.microsoft.com/office/drawing/2014/main" xmlns="" val="1423448835"/>
                   </a:ext>
                 </a:extLst>
               </a:tr>
@@ -13099,7 +12929,7 @@
                 </a:tc>
                 <a:extLst>
                   <a:ext uri="{0D108BD9-81ED-4DB2-BD59-A6C34878D82A}">
-                    <a16:rowId xmlns:a16="http://schemas.microsoft.com/office/drawing/2014/main" val="851127185"/>
+                    <a16:rowId xmlns:a16="http://schemas.microsoft.com/office/drawing/2014/main" xmlns="" val="851127185"/>
                   </a:ext>
                 </a:extLst>
               </a:tr>
@@ -13308,7 +13138,7 @@
                 </a:tc>
                 <a:extLst>
                   <a:ext uri="{0D108BD9-81ED-4DB2-BD59-A6C34878D82A}">
-                    <a16:rowId xmlns:a16="http://schemas.microsoft.com/office/drawing/2014/main" val="574742996"/>
+                    <a16:rowId xmlns:a16="http://schemas.microsoft.com/office/drawing/2014/main" xmlns="" val="574742996"/>
                   </a:ext>
                 </a:extLst>
               </a:tr>
@@ -13517,7 +13347,7 @@
                 </a:tc>
                 <a:extLst>
                   <a:ext uri="{0D108BD9-81ED-4DB2-BD59-A6C34878D82A}">
-                    <a16:rowId xmlns:a16="http://schemas.microsoft.com/office/drawing/2014/main" val="1385181538"/>
+                    <a16:rowId xmlns:a16="http://schemas.microsoft.com/office/drawing/2014/main" xmlns="" val="1385181538"/>
                   </a:ext>
                 </a:extLst>
               </a:tr>
@@ -13726,7 +13556,7 @@
                 </a:tc>
                 <a:extLst>
                   <a:ext uri="{0D108BD9-81ED-4DB2-BD59-A6C34878D82A}">
-                    <a16:rowId xmlns:a16="http://schemas.microsoft.com/office/drawing/2014/main" val="42691344"/>
+                    <a16:rowId xmlns:a16="http://schemas.microsoft.com/office/drawing/2014/main" xmlns="" val="42691344"/>
                   </a:ext>
                 </a:extLst>
               </a:tr>
@@ -13935,7 +13765,7 @@
                 </a:tc>
                 <a:extLst>
                   <a:ext uri="{0D108BD9-81ED-4DB2-BD59-A6C34878D82A}">
-                    <a16:rowId xmlns:a16="http://schemas.microsoft.com/office/drawing/2014/main" val="1680765642"/>
+                    <a16:rowId xmlns:a16="http://schemas.microsoft.com/office/drawing/2014/main" xmlns="" val="1680765642"/>
                   </a:ext>
                 </a:extLst>
               </a:tr>
@@ -13948,7 +13778,7 @@
           <p:cNvPr id="5" name="TextBox 4">
             <a:extLst>
               <a:ext uri="{FF2B5EF4-FFF2-40B4-BE49-F238E27FC236}">
-                <a16:creationId xmlns:a16="http://schemas.microsoft.com/office/drawing/2014/main" id="{8DBB778E-D672-4C1E-96E5-59CA734A93F7}"/>
+                <a16:creationId xmlns:a16="http://schemas.microsoft.com/office/drawing/2014/main" xmlns="" id="{8DBB778E-D672-4C1E-96E5-59CA734A93F7}"/>
               </a:ext>
             </a:extLst>
           </p:cNvPr>
@@ -13994,6 +13824,13 @@
   <p:clrMapOvr>
     <a:masterClrMapping/>
   </p:clrMapOvr>
+  <p:timing>
+    <p:tnLst>
+      <p:par>
+        <p:cTn id="1" dur="indefinite" restart="never" nodeType="tmRoot"/>
+      </p:par>
+    </p:tnLst>
+  </p:timing>
 </p:sld>
 </file>
 
@@ -14019,7 +13856,7 @@
           <p:cNvPr id="2" name="Title 1">
             <a:extLst>
               <a:ext uri="{FF2B5EF4-FFF2-40B4-BE49-F238E27FC236}">
-                <a16:creationId xmlns:a16="http://schemas.microsoft.com/office/drawing/2014/main" id="{5A343292-6C13-4785-9941-87F05A5EA546}"/>
+                <a16:creationId xmlns:a16="http://schemas.microsoft.com/office/drawing/2014/main" xmlns="" id="{5A343292-6C13-4785-9941-87F05A5EA546}"/>
               </a:ext>
             </a:extLst>
           </p:cNvPr>
@@ -14032,13 +13869,21 @@
         </p:nvSpPr>
         <p:spPr/>
         <p:txBody>
-          <a:bodyPr/>
+          <a:bodyPr>
+            <a:normAutofit/>
+          </a:bodyPr>
           <a:lstStyle/>
           <a:p>
+            <a:pPr lvl="0"/>
             <a:r>
               <a:rPr lang="en-US" dirty="0"/>
-              <a:t>Results – DS2</a:t>
+              <a:t>Results – </a:t>
             </a:r>
+            <a:r>
+              <a:rPr lang="en-US" dirty="0" smtClean="0"/>
+              <a:t>DS2</a:t>
+            </a:r>
+            <a:endParaRPr lang="en-US" dirty="0"/>
           </a:p>
         </p:txBody>
       </p:sp>
@@ -14047,22 +13892,647 @@
           <p:cNvPr id="7" name="Chart 6">
             <a:extLst>
               <a:ext uri="{FF2B5EF4-FFF2-40B4-BE49-F238E27FC236}">
-                <a16:creationId xmlns:a16="http://schemas.microsoft.com/office/drawing/2014/main" id="{578EB31C-4457-4DA5-88F9-F6157C02CE68}"/>
+                <a16:creationId xmlns:a16="http://schemas.microsoft.com/office/drawing/2014/main" xmlns="" id="{578EB31C-4457-4DA5-88F9-F6157C02CE68}"/>
               </a:ext>
             </a:extLst>
           </p:cNvPr>
           <p:cNvGraphicFramePr/>
           <p:nvPr>
-            <p:extLst/>
+            <p:extLst>
+              <p:ext uri="{D42A27DB-BD31-4B8C-83A1-F6EECF244321}">
+                <p14:modId xmlns:p14="http://schemas.microsoft.com/office/powerpoint/2010/main" val="976164647"/>
+              </p:ext>
+            </p:extLst>
           </p:nvPr>
         </p:nvGraphicFramePr>
         <p:xfrm>
-          <a:off x="677334" y="1465942"/>
-          <a:ext cx="7929637" cy="4644571"/>
+          <a:off x="784014" y="1511663"/>
+          <a:ext cx="8489988" cy="3212737"/>
         </p:xfrm>
         <a:graphic>
           <a:graphicData uri="http://schemas.openxmlformats.org/drawingml/2006/chart">
             <c:chart xmlns:c="http://schemas.openxmlformats.org/drawingml/2006/chart" xmlns:r="http://schemas.openxmlformats.org/officeDocument/2006/relationships" r:id="rId3"/>
+          </a:graphicData>
+        </a:graphic>
+      </p:graphicFrame>
+      <p:graphicFrame>
+        <p:nvGraphicFramePr>
+          <p:cNvPr id="4" name="Table 3"/>
+          <p:cNvGraphicFramePr>
+            <a:graphicFrameLocks noGrp="1"/>
+          </p:cNvGraphicFramePr>
+          <p:nvPr>
+            <p:extLst>
+              <p:ext uri="{D42A27DB-BD31-4B8C-83A1-F6EECF244321}">
+                <p14:modId xmlns:p14="http://schemas.microsoft.com/office/powerpoint/2010/main" val="2502567885"/>
+              </p:ext>
+            </p:extLst>
+          </p:nvPr>
+        </p:nvGraphicFramePr>
+        <p:xfrm>
+          <a:off x="2673774" y="4927600"/>
+          <a:ext cx="4086543" cy="1697916"/>
+        </p:xfrm>
+        <a:graphic>
+          <a:graphicData uri="http://schemas.openxmlformats.org/drawingml/2006/table">
+            <a:tbl>
+              <a:tblPr firstRow="1" firstCol="1" bandRow="1">
+                <a:tableStyleId>{72833802-FEF1-4C79-8D5D-14CF1EAF98D9}</a:tableStyleId>
+              </a:tblPr>
+              <a:tblGrid>
+                <a:gridCol w="651510"/>
+                <a:gridCol w="1853248"/>
+                <a:gridCol w="1581785"/>
+              </a:tblGrid>
+              <a:tr h="350845">
+                <a:tc>
+                  <a:txBody>
+                    <a:bodyPr/>
+                    <a:lstStyle/>
+                    <a:p>
+                      <a:pPr marL="0" marR="0" algn="ctr">
+                        <a:lnSpc>
+                          <a:spcPct val="107000"/>
+                        </a:lnSpc>
+                        <a:spcBef>
+                          <a:spcPts val="0"/>
+                        </a:spcBef>
+                        <a:spcAft>
+                          <a:spcPts val="0"/>
+                        </a:spcAft>
+                      </a:pPr>
+                      <a:r>
+                        <a:rPr lang="en-US" sz="1600" dirty="0" smtClean="0">
+                          <a:effectLst/>
+                        </a:rPr>
+                        <a:t>CPUs</a:t>
+                      </a:r>
+                      <a:endParaRPr lang="en-US" sz="1600" dirty="0">
+                        <a:effectLst/>
+                        <a:latin typeface="Calibri" panose="020F0502020204030204" pitchFamily="34" charset="0"/>
+                        <a:ea typeface="Calibri" panose="020F0502020204030204" pitchFamily="34" charset="0"/>
+                        <a:cs typeface="Arial" panose="020B0604020202020204" pitchFamily="34" charset="0"/>
+                      </a:endParaRPr>
+                    </a:p>
+                  </a:txBody>
+                  <a:tcPr marL="68580" marR="68580" marT="0" marB="0" anchor="ctr"/>
+                </a:tc>
+                <a:tc>
+                  <a:txBody>
+                    <a:bodyPr/>
+                    <a:lstStyle/>
+                    <a:p>
+                      <a:pPr marL="0" marR="0" algn="ctr">
+                        <a:lnSpc>
+                          <a:spcPct val="107000"/>
+                        </a:lnSpc>
+                        <a:spcBef>
+                          <a:spcPts val="0"/>
+                        </a:spcBef>
+                        <a:spcAft>
+                          <a:spcPts val="0"/>
+                        </a:spcAft>
+                      </a:pPr>
+                      <a:r>
+                        <a:rPr lang="en-US" sz="1600" dirty="0">
+                          <a:effectLst/>
+                        </a:rPr>
+                        <a:t>Speedup dynamic</a:t>
+                      </a:r>
+                      <a:endParaRPr lang="en-US" sz="1600" dirty="0">
+                        <a:effectLst/>
+                        <a:latin typeface="Calibri" panose="020F0502020204030204" pitchFamily="34" charset="0"/>
+                        <a:ea typeface="Calibri" panose="020F0502020204030204" pitchFamily="34" charset="0"/>
+                        <a:cs typeface="Arial" panose="020B0604020202020204" pitchFamily="34" charset="0"/>
+                      </a:endParaRPr>
+                    </a:p>
+                  </a:txBody>
+                  <a:tcPr marL="68580" marR="68580" marT="0" marB="0" anchor="ctr"/>
+                </a:tc>
+                <a:tc>
+                  <a:txBody>
+                    <a:bodyPr/>
+                    <a:lstStyle/>
+                    <a:p>
+                      <a:pPr marL="0" marR="0" algn="ctr">
+                        <a:lnSpc>
+                          <a:spcPct val="107000"/>
+                        </a:lnSpc>
+                        <a:spcBef>
+                          <a:spcPts val="0"/>
+                        </a:spcBef>
+                        <a:spcAft>
+                          <a:spcPts val="0"/>
+                        </a:spcAft>
+                      </a:pPr>
+                      <a:r>
+                        <a:rPr lang="en-US" sz="1600" dirty="0">
+                          <a:effectLst/>
+                        </a:rPr>
+                        <a:t>Speedup static</a:t>
+                      </a:r>
+                      <a:endParaRPr lang="en-US" sz="1600" dirty="0">
+                        <a:effectLst/>
+                        <a:latin typeface="Calibri" panose="020F0502020204030204" pitchFamily="34" charset="0"/>
+                        <a:ea typeface="Calibri" panose="020F0502020204030204" pitchFamily="34" charset="0"/>
+                        <a:cs typeface="Arial" panose="020B0604020202020204" pitchFamily="34" charset="0"/>
+                      </a:endParaRPr>
+                    </a:p>
+                  </a:txBody>
+                  <a:tcPr marL="68580" marR="68580" marT="0" marB="0" anchor="ctr"/>
+                </a:tc>
+              </a:tr>
+              <a:tr h="241083">
+                <a:tc>
+                  <a:txBody>
+                    <a:bodyPr/>
+                    <a:lstStyle/>
+                    <a:p>
+                      <a:pPr marL="0" marR="0" algn="ctr">
+                        <a:lnSpc>
+                          <a:spcPct val="107000"/>
+                        </a:lnSpc>
+                        <a:spcBef>
+                          <a:spcPts val="0"/>
+                        </a:spcBef>
+                        <a:spcAft>
+                          <a:spcPts val="0"/>
+                        </a:spcAft>
+                      </a:pPr>
+                      <a:r>
+                        <a:rPr lang="en-US" sz="1600">
+                          <a:effectLst/>
+                        </a:rPr>
+                        <a:t>2</a:t>
+                      </a:r>
+                      <a:endParaRPr lang="en-US" sz="1600">
+                        <a:effectLst/>
+                        <a:latin typeface="Calibri" panose="020F0502020204030204" pitchFamily="34" charset="0"/>
+                        <a:ea typeface="Calibri" panose="020F0502020204030204" pitchFamily="34" charset="0"/>
+                        <a:cs typeface="Arial" panose="020B0604020202020204" pitchFamily="34" charset="0"/>
+                      </a:endParaRPr>
+                    </a:p>
+                  </a:txBody>
+                  <a:tcPr marL="68580" marR="68580" marT="0" marB="0" anchor="ctr"/>
+                </a:tc>
+                <a:tc>
+                  <a:txBody>
+                    <a:bodyPr/>
+                    <a:lstStyle/>
+                    <a:p>
+                      <a:pPr marL="0" marR="0" algn="ctr">
+                        <a:lnSpc>
+                          <a:spcPct val="107000"/>
+                        </a:lnSpc>
+                        <a:spcBef>
+                          <a:spcPts val="0"/>
+                        </a:spcBef>
+                        <a:spcAft>
+                          <a:spcPts val="0"/>
+                        </a:spcAft>
+                      </a:pPr>
+                      <a:r>
+                        <a:rPr lang="en-US" sz="1600">
+                          <a:effectLst/>
+                        </a:rPr>
+                        <a:t>0.32</a:t>
+                      </a:r>
+                      <a:endParaRPr lang="en-US" sz="1600">
+                        <a:effectLst/>
+                        <a:latin typeface="Calibri" panose="020F0502020204030204" pitchFamily="34" charset="0"/>
+                        <a:ea typeface="Calibri" panose="020F0502020204030204" pitchFamily="34" charset="0"/>
+                        <a:cs typeface="Arial" panose="020B0604020202020204" pitchFamily="34" charset="0"/>
+                      </a:endParaRPr>
+                    </a:p>
+                  </a:txBody>
+                  <a:tcPr marL="68580" marR="68580" marT="0" marB="0" anchor="ctr"/>
+                </a:tc>
+                <a:tc>
+                  <a:txBody>
+                    <a:bodyPr/>
+                    <a:lstStyle/>
+                    <a:p>
+                      <a:pPr marL="0" marR="0" algn="ctr">
+                        <a:lnSpc>
+                          <a:spcPct val="107000"/>
+                        </a:lnSpc>
+                        <a:spcBef>
+                          <a:spcPts val="0"/>
+                        </a:spcBef>
+                        <a:spcAft>
+                          <a:spcPts val="0"/>
+                        </a:spcAft>
+                      </a:pPr>
+                      <a:r>
+                        <a:rPr lang="en-US" sz="1600">
+                          <a:effectLst/>
+                        </a:rPr>
+                        <a:t>1.06</a:t>
+                      </a:r>
+                      <a:endParaRPr lang="en-US" sz="1600">
+                        <a:effectLst/>
+                        <a:latin typeface="Calibri" panose="020F0502020204030204" pitchFamily="34" charset="0"/>
+                        <a:ea typeface="Calibri" panose="020F0502020204030204" pitchFamily="34" charset="0"/>
+                        <a:cs typeface="Arial" panose="020B0604020202020204" pitchFamily="34" charset="0"/>
+                      </a:endParaRPr>
+                    </a:p>
+                  </a:txBody>
+                  <a:tcPr marL="68580" marR="68580" marT="0" marB="0" anchor="ctr"/>
+                </a:tc>
+              </a:tr>
+              <a:tr h="248123">
+                <a:tc>
+                  <a:txBody>
+                    <a:bodyPr/>
+                    <a:lstStyle/>
+                    <a:p>
+                      <a:pPr marL="0" marR="0" algn="ctr">
+                        <a:lnSpc>
+                          <a:spcPct val="107000"/>
+                        </a:lnSpc>
+                        <a:spcBef>
+                          <a:spcPts val="0"/>
+                        </a:spcBef>
+                        <a:spcAft>
+                          <a:spcPts val="0"/>
+                        </a:spcAft>
+                      </a:pPr>
+                      <a:r>
+                        <a:rPr lang="en-US" sz="1600">
+                          <a:effectLst/>
+                        </a:rPr>
+                        <a:t>4</a:t>
+                      </a:r>
+                      <a:endParaRPr lang="en-US" sz="1600">
+                        <a:effectLst/>
+                        <a:latin typeface="Calibri" panose="020F0502020204030204" pitchFamily="34" charset="0"/>
+                        <a:ea typeface="Calibri" panose="020F0502020204030204" pitchFamily="34" charset="0"/>
+                        <a:cs typeface="Arial" panose="020B0604020202020204" pitchFamily="34" charset="0"/>
+                      </a:endParaRPr>
+                    </a:p>
+                  </a:txBody>
+                  <a:tcPr marL="68580" marR="68580" marT="0" marB="0" anchor="ctr"/>
+                </a:tc>
+                <a:tc>
+                  <a:txBody>
+                    <a:bodyPr/>
+                    <a:lstStyle/>
+                    <a:p>
+                      <a:pPr marL="0" marR="0" algn="ctr">
+                        <a:lnSpc>
+                          <a:spcPct val="107000"/>
+                        </a:lnSpc>
+                        <a:spcBef>
+                          <a:spcPts val="0"/>
+                        </a:spcBef>
+                        <a:spcAft>
+                          <a:spcPts val="0"/>
+                        </a:spcAft>
+                      </a:pPr>
+                      <a:r>
+                        <a:rPr lang="en-US" sz="1600" dirty="0">
+                          <a:effectLst/>
+                        </a:rPr>
+                        <a:t>0.70</a:t>
+                      </a:r>
+                      <a:endParaRPr lang="en-US" sz="1600" dirty="0">
+                        <a:effectLst/>
+                        <a:latin typeface="Calibri" panose="020F0502020204030204" pitchFamily="34" charset="0"/>
+                        <a:ea typeface="Calibri" panose="020F0502020204030204" pitchFamily="34" charset="0"/>
+                        <a:cs typeface="Arial" panose="020B0604020202020204" pitchFamily="34" charset="0"/>
+                      </a:endParaRPr>
+                    </a:p>
+                  </a:txBody>
+                  <a:tcPr marL="68580" marR="68580" marT="0" marB="0" anchor="ctr"/>
+                </a:tc>
+                <a:tc>
+                  <a:txBody>
+                    <a:bodyPr/>
+                    <a:lstStyle/>
+                    <a:p>
+                      <a:pPr marL="0" marR="0" algn="ctr">
+                        <a:lnSpc>
+                          <a:spcPct val="107000"/>
+                        </a:lnSpc>
+                        <a:spcBef>
+                          <a:spcPts val="0"/>
+                        </a:spcBef>
+                        <a:spcAft>
+                          <a:spcPts val="0"/>
+                        </a:spcAft>
+                      </a:pPr>
+                      <a:r>
+                        <a:rPr lang="en-US" sz="1600">
+                          <a:effectLst/>
+                        </a:rPr>
+                        <a:t>2.52</a:t>
+                      </a:r>
+                      <a:endParaRPr lang="en-US" sz="1600">
+                        <a:effectLst/>
+                        <a:latin typeface="Calibri" panose="020F0502020204030204" pitchFamily="34" charset="0"/>
+                        <a:ea typeface="Calibri" panose="020F0502020204030204" pitchFamily="34" charset="0"/>
+                        <a:cs typeface="Arial" panose="020B0604020202020204" pitchFamily="34" charset="0"/>
+                      </a:endParaRPr>
+                    </a:p>
+                  </a:txBody>
+                  <a:tcPr marL="68580" marR="68580" marT="0" marB="0" anchor="ctr"/>
+                </a:tc>
+              </a:tr>
+              <a:tr h="241083">
+                <a:tc>
+                  <a:txBody>
+                    <a:bodyPr/>
+                    <a:lstStyle/>
+                    <a:p>
+                      <a:pPr marL="0" marR="0" algn="ctr">
+                        <a:lnSpc>
+                          <a:spcPct val="107000"/>
+                        </a:lnSpc>
+                        <a:spcBef>
+                          <a:spcPts val="0"/>
+                        </a:spcBef>
+                        <a:spcAft>
+                          <a:spcPts val="0"/>
+                        </a:spcAft>
+                      </a:pPr>
+                      <a:r>
+                        <a:rPr lang="en-US" sz="1600">
+                          <a:effectLst/>
+                        </a:rPr>
+                        <a:t>8</a:t>
+                      </a:r>
+                      <a:endParaRPr lang="en-US" sz="1600">
+                        <a:effectLst/>
+                        <a:latin typeface="Calibri" panose="020F0502020204030204" pitchFamily="34" charset="0"/>
+                        <a:ea typeface="Calibri" panose="020F0502020204030204" pitchFamily="34" charset="0"/>
+                        <a:cs typeface="Arial" panose="020B0604020202020204" pitchFamily="34" charset="0"/>
+                      </a:endParaRPr>
+                    </a:p>
+                  </a:txBody>
+                  <a:tcPr marL="68580" marR="68580" marT="0" marB="0" anchor="ctr"/>
+                </a:tc>
+                <a:tc>
+                  <a:txBody>
+                    <a:bodyPr/>
+                    <a:lstStyle/>
+                    <a:p>
+                      <a:pPr marL="0" marR="0" algn="ctr">
+                        <a:lnSpc>
+                          <a:spcPct val="107000"/>
+                        </a:lnSpc>
+                        <a:spcBef>
+                          <a:spcPts val="0"/>
+                        </a:spcBef>
+                        <a:spcAft>
+                          <a:spcPts val="0"/>
+                        </a:spcAft>
+                      </a:pPr>
+                      <a:r>
+                        <a:rPr lang="en-US" sz="1600">
+                          <a:effectLst/>
+                        </a:rPr>
+                        <a:t>0.81</a:t>
+                      </a:r>
+                      <a:endParaRPr lang="en-US" sz="1600">
+                        <a:effectLst/>
+                        <a:latin typeface="Calibri" panose="020F0502020204030204" pitchFamily="34" charset="0"/>
+                        <a:ea typeface="Calibri" panose="020F0502020204030204" pitchFamily="34" charset="0"/>
+                        <a:cs typeface="Arial" panose="020B0604020202020204" pitchFamily="34" charset="0"/>
+                      </a:endParaRPr>
+                    </a:p>
+                  </a:txBody>
+                  <a:tcPr marL="68580" marR="68580" marT="0" marB="0" anchor="ctr"/>
+                </a:tc>
+                <a:tc>
+                  <a:txBody>
+                    <a:bodyPr/>
+                    <a:lstStyle/>
+                    <a:p>
+                      <a:pPr marL="0" marR="0" algn="ctr">
+                        <a:lnSpc>
+                          <a:spcPct val="107000"/>
+                        </a:lnSpc>
+                        <a:spcBef>
+                          <a:spcPts val="0"/>
+                        </a:spcBef>
+                        <a:spcAft>
+                          <a:spcPts val="0"/>
+                        </a:spcAft>
+                      </a:pPr>
+                      <a:r>
+                        <a:rPr lang="en-US" sz="1600" b="1" dirty="0">
+                          <a:effectLst/>
+                        </a:rPr>
+                        <a:t>2.91</a:t>
+                      </a:r>
+                      <a:endParaRPr lang="en-US" sz="1600" b="1" dirty="0">
+                        <a:effectLst/>
+                        <a:latin typeface="Calibri" panose="020F0502020204030204" pitchFamily="34" charset="0"/>
+                        <a:ea typeface="Calibri" panose="020F0502020204030204" pitchFamily="34" charset="0"/>
+                        <a:cs typeface="Arial" panose="020B0604020202020204" pitchFamily="34" charset="0"/>
+                      </a:endParaRPr>
+                    </a:p>
+                  </a:txBody>
+                  <a:tcPr marL="68580" marR="68580" marT="0" marB="0" anchor="ctr"/>
+                </a:tc>
+              </a:tr>
+              <a:tr h="241083">
+                <a:tc>
+                  <a:txBody>
+                    <a:bodyPr/>
+                    <a:lstStyle/>
+                    <a:p>
+                      <a:pPr marL="0" marR="0" algn="ctr">
+                        <a:lnSpc>
+                          <a:spcPct val="107000"/>
+                        </a:lnSpc>
+                        <a:spcBef>
+                          <a:spcPts val="0"/>
+                        </a:spcBef>
+                        <a:spcAft>
+                          <a:spcPts val="0"/>
+                        </a:spcAft>
+                      </a:pPr>
+                      <a:r>
+                        <a:rPr lang="en-US" sz="1600">
+                          <a:effectLst/>
+                        </a:rPr>
+                        <a:t>16</a:t>
+                      </a:r>
+                      <a:endParaRPr lang="en-US" sz="1600">
+                        <a:effectLst/>
+                        <a:latin typeface="Calibri" panose="020F0502020204030204" pitchFamily="34" charset="0"/>
+                        <a:ea typeface="Calibri" panose="020F0502020204030204" pitchFamily="34" charset="0"/>
+                        <a:cs typeface="Arial" panose="020B0604020202020204" pitchFamily="34" charset="0"/>
+                      </a:endParaRPr>
+                    </a:p>
+                  </a:txBody>
+                  <a:tcPr marL="68580" marR="68580" marT="0" marB="0" anchor="ctr"/>
+                </a:tc>
+                <a:tc>
+                  <a:txBody>
+                    <a:bodyPr/>
+                    <a:lstStyle/>
+                    <a:p>
+                      <a:pPr marL="0" marR="0" algn="ctr">
+                        <a:lnSpc>
+                          <a:spcPct val="107000"/>
+                        </a:lnSpc>
+                        <a:spcBef>
+                          <a:spcPts val="0"/>
+                        </a:spcBef>
+                        <a:spcAft>
+                          <a:spcPts val="0"/>
+                        </a:spcAft>
+                      </a:pPr>
+                      <a:r>
+                        <a:rPr lang="en-US" sz="1600">
+                          <a:effectLst/>
+                        </a:rPr>
+                        <a:t>0.82</a:t>
+                      </a:r>
+                      <a:endParaRPr lang="en-US" sz="1600">
+                        <a:effectLst/>
+                        <a:latin typeface="Calibri" panose="020F0502020204030204" pitchFamily="34" charset="0"/>
+                        <a:ea typeface="Calibri" panose="020F0502020204030204" pitchFamily="34" charset="0"/>
+                        <a:cs typeface="Arial" panose="020B0604020202020204" pitchFamily="34" charset="0"/>
+                      </a:endParaRPr>
+                    </a:p>
+                  </a:txBody>
+                  <a:tcPr marL="68580" marR="68580" marT="0" marB="0" anchor="ctr"/>
+                </a:tc>
+                <a:tc>
+                  <a:txBody>
+                    <a:bodyPr/>
+                    <a:lstStyle/>
+                    <a:p>
+                      <a:pPr marL="0" marR="0" algn="ctr">
+                        <a:lnSpc>
+                          <a:spcPct val="107000"/>
+                        </a:lnSpc>
+                        <a:spcBef>
+                          <a:spcPts val="0"/>
+                        </a:spcBef>
+                        <a:spcAft>
+                          <a:spcPts val="0"/>
+                        </a:spcAft>
+                      </a:pPr>
+                      <a:r>
+                        <a:rPr lang="en-US" sz="1600">
+                          <a:effectLst/>
+                        </a:rPr>
+                        <a:t>2.36</a:t>
+                      </a:r>
+                      <a:endParaRPr lang="en-US" sz="1600">
+                        <a:effectLst/>
+                        <a:latin typeface="Calibri" panose="020F0502020204030204" pitchFamily="34" charset="0"/>
+                        <a:ea typeface="Calibri" panose="020F0502020204030204" pitchFamily="34" charset="0"/>
+                        <a:cs typeface="Arial" panose="020B0604020202020204" pitchFamily="34" charset="0"/>
+                      </a:endParaRPr>
+                    </a:p>
+                  </a:txBody>
+                  <a:tcPr marL="68580" marR="68580" marT="0" marB="0" anchor="ctr"/>
+                </a:tc>
+              </a:tr>
+              <a:tr h="303383">
+                <a:tc>
+                  <a:txBody>
+                    <a:bodyPr/>
+                    <a:lstStyle/>
+                    <a:p>
+                      <a:pPr marL="0" marR="0" algn="ctr">
+                        <a:lnSpc>
+                          <a:spcPct val="107000"/>
+                        </a:lnSpc>
+                        <a:spcBef>
+                          <a:spcPts val="0"/>
+                        </a:spcBef>
+                        <a:spcAft>
+                          <a:spcPts val="0"/>
+                        </a:spcAft>
+                      </a:pPr>
+                      <a:r>
+                        <a:rPr lang="en-US" sz="1600">
+                          <a:effectLst/>
+                        </a:rPr>
+                        <a:t>32</a:t>
+                      </a:r>
+                      <a:endParaRPr lang="en-US" sz="1600">
+                        <a:effectLst/>
+                        <a:latin typeface="Calibri" panose="020F0502020204030204" pitchFamily="34" charset="0"/>
+                        <a:ea typeface="Calibri" panose="020F0502020204030204" pitchFamily="34" charset="0"/>
+                        <a:cs typeface="Arial" panose="020B0604020202020204" pitchFamily="34" charset="0"/>
+                      </a:endParaRPr>
+                    </a:p>
+                  </a:txBody>
+                  <a:tcPr marL="68580" marR="68580" marT="0" marB="0" anchor="ctr"/>
+                </a:tc>
+                <a:tc>
+                  <a:txBody>
+                    <a:bodyPr/>
+                    <a:lstStyle/>
+                    <a:p>
+                      <a:pPr marL="0" marR="0" algn="ctr">
+                        <a:lnSpc>
+                          <a:spcPct val="107000"/>
+                        </a:lnSpc>
+                        <a:spcBef>
+                          <a:spcPts val="0"/>
+                        </a:spcBef>
+                        <a:spcAft>
+                          <a:spcPts val="0"/>
+                        </a:spcAft>
+                      </a:pPr>
+                      <a:r>
+                        <a:rPr lang="en-US" sz="1600" b="1" dirty="0">
+                          <a:effectLst/>
+                        </a:rPr>
+                        <a:t>0.83</a:t>
+                      </a:r>
+                      <a:endParaRPr lang="en-US" sz="1600" b="1" dirty="0">
+                        <a:effectLst/>
+                        <a:latin typeface="Calibri" panose="020F0502020204030204" pitchFamily="34" charset="0"/>
+                        <a:ea typeface="Calibri" panose="020F0502020204030204" pitchFamily="34" charset="0"/>
+                        <a:cs typeface="Arial" panose="020B0604020202020204" pitchFamily="34" charset="0"/>
+                      </a:endParaRPr>
+                    </a:p>
+                  </a:txBody>
+                  <a:tcPr marL="68580" marR="68580" marT="0" marB="0" anchor="ctr"/>
+                </a:tc>
+                <a:tc>
+                  <a:txBody>
+                    <a:bodyPr/>
+                    <a:lstStyle/>
+                    <a:p>
+                      <a:pPr marL="0" marR="0" algn="ctr">
+                        <a:lnSpc>
+                          <a:spcPct val="107000"/>
+                        </a:lnSpc>
+                        <a:spcBef>
+                          <a:spcPts val="0"/>
+                        </a:spcBef>
+                        <a:spcAft>
+                          <a:spcPts val="0"/>
+                        </a:spcAft>
+                      </a:pPr>
+                      <a:r>
+                        <a:rPr lang="en-US" sz="1600" dirty="0">
+                          <a:effectLst/>
+                        </a:rPr>
+                        <a:t>1.13</a:t>
+                      </a:r>
+                      <a:endParaRPr lang="en-US" sz="1600" dirty="0">
+                        <a:effectLst/>
+                        <a:latin typeface="Calibri" panose="020F0502020204030204" pitchFamily="34" charset="0"/>
+                        <a:ea typeface="Calibri" panose="020F0502020204030204" pitchFamily="34" charset="0"/>
+                        <a:cs typeface="Arial" panose="020B0604020202020204" pitchFamily="34" charset="0"/>
+                      </a:endParaRPr>
+                    </a:p>
+                  </a:txBody>
+                  <a:tcPr marL="68580" marR="68580" marT="0" marB="0" anchor="ctr"/>
+                </a:tc>
+              </a:tr>
+            </a:tbl>
           </a:graphicData>
         </a:graphic>
       </p:graphicFrame>
@@ -14076,6 +14546,13 @@
   <p:clrMapOvr>
     <a:masterClrMapping/>
   </p:clrMapOvr>
+  <p:timing>
+    <p:tnLst>
+      <p:par>
+        <p:cTn id="1" dur="indefinite" restart="never" nodeType="tmRoot"/>
+      </p:par>
+    </p:tnLst>
+  </p:timing>
 </p:sld>
 </file>
 
@@ -14101,7 +14578,7 @@
           <p:cNvPr id="2" name="Title 1">
             <a:extLst>
               <a:ext uri="{FF2B5EF4-FFF2-40B4-BE49-F238E27FC236}">
-                <a16:creationId xmlns:a16="http://schemas.microsoft.com/office/drawing/2014/main" id="{5A343292-6C13-4785-9941-87F05A5EA546}"/>
+                <a16:creationId xmlns:a16="http://schemas.microsoft.com/office/drawing/2014/main" xmlns="" id="{5A343292-6C13-4785-9941-87F05A5EA546}"/>
               </a:ext>
             </a:extLst>
           </p:cNvPr>
@@ -14124,86 +14601,652 @@
           </a:p>
         </p:txBody>
       </p:sp>
-      <p:sp>
-        <p:nvSpPr>
-          <p:cNvPr id="3" name="Content Placeholder 2">
-            <a:extLst>
-              <a:ext uri="{FF2B5EF4-FFF2-40B4-BE49-F238E27FC236}">
-                <a16:creationId xmlns:a16="http://schemas.microsoft.com/office/drawing/2014/main" id="{977B2036-AC08-4761-9C9F-83035E97F77C}"/>
-              </a:ext>
-            </a:extLst>
-          </p:cNvPr>
-          <p:cNvSpPr>
-            <a:spLocks noGrp="1"/>
-          </p:cNvSpPr>
-          <p:nvPr>
-            <p:ph idx="1"/>
-          </p:nvPr>
-        </p:nvSpPr>
-        <p:spPr>
-          <a:xfrm>
-            <a:off x="677334" y="2160589"/>
-            <a:ext cx="9279466" cy="4428897"/>
-          </a:xfrm>
-        </p:spPr>
-        <p:txBody>
-          <a:bodyPr>
-            <a:normAutofit/>
-          </a:bodyPr>
-          <a:lstStyle/>
-          <a:p>
-            <a:pPr marL="0" indent="0">
-              <a:buNone/>
-            </a:pPr>
-            <a:endParaRPr lang="en-US" dirty="0"/>
-          </a:p>
-          <a:p>
-            <a:endParaRPr lang="en-US" dirty="0"/>
-          </a:p>
-          <a:p>
-            <a:endParaRPr lang="en-US" dirty="0"/>
-          </a:p>
-          <a:p>
-            <a:endParaRPr lang="en-US" dirty="0"/>
-          </a:p>
-          <a:p>
-            <a:endParaRPr lang="en-US" dirty="0"/>
-          </a:p>
-          <a:p>
-            <a:endParaRPr lang="en-US" dirty="0"/>
-          </a:p>
-          <a:p>
-            <a:pPr marL="0" indent="0">
-              <a:buNone/>
-            </a:pPr>
-            <a:endParaRPr lang="en-US" dirty="0"/>
-          </a:p>
-          <a:p>
-            <a:endParaRPr lang="en-US" dirty="0"/>
-          </a:p>
-        </p:txBody>
-      </p:sp>
       <p:graphicFrame>
         <p:nvGraphicFramePr>
           <p:cNvPr id="7" name="Chart 6">
             <a:extLst>
               <a:ext uri="{FF2B5EF4-FFF2-40B4-BE49-F238E27FC236}">
-                <a16:creationId xmlns:a16="http://schemas.microsoft.com/office/drawing/2014/main" id="{3E518B87-FD4A-4A1E-9619-2B2214B47BD1}"/>
+                <a16:creationId xmlns:a16="http://schemas.microsoft.com/office/drawing/2014/main" xmlns="" id="{3E518B87-FD4A-4A1E-9619-2B2214B47BD1}"/>
               </a:ext>
             </a:extLst>
           </p:cNvPr>
           <p:cNvGraphicFramePr/>
           <p:nvPr>
-            <p:extLst/>
+            <p:extLst>
+              <p:ext uri="{D42A27DB-BD31-4B8C-83A1-F6EECF244321}">
+                <p14:modId xmlns:p14="http://schemas.microsoft.com/office/powerpoint/2010/main" val="201440602"/>
+              </p:ext>
+            </p:extLst>
           </p:nvPr>
         </p:nvGraphicFramePr>
         <p:xfrm>
           <a:off x="943429" y="1382483"/>
-          <a:ext cx="7707085" cy="4702628"/>
+          <a:ext cx="8330573" cy="3326677"/>
         </p:xfrm>
         <a:graphic>
           <a:graphicData uri="http://schemas.openxmlformats.org/drawingml/2006/chart">
             <c:chart xmlns:c="http://schemas.openxmlformats.org/drawingml/2006/chart" xmlns:r="http://schemas.openxmlformats.org/officeDocument/2006/relationships" r:id="rId3"/>
+          </a:graphicData>
+        </a:graphic>
+      </p:graphicFrame>
+      <p:graphicFrame>
+        <p:nvGraphicFramePr>
+          <p:cNvPr id="5" name="Table 4"/>
+          <p:cNvGraphicFramePr>
+            <a:graphicFrameLocks noGrp="1"/>
+          </p:cNvGraphicFramePr>
+          <p:nvPr>
+            <p:extLst>
+              <p:ext uri="{D42A27DB-BD31-4B8C-83A1-F6EECF244321}">
+                <p14:modId xmlns:p14="http://schemas.microsoft.com/office/powerpoint/2010/main" val="1853727098"/>
+              </p:ext>
+            </p:extLst>
+          </p:nvPr>
+        </p:nvGraphicFramePr>
+        <p:xfrm>
+          <a:off x="2668429" y="4891564"/>
+          <a:ext cx="4086543" cy="1670846"/>
+        </p:xfrm>
+        <a:graphic>
+          <a:graphicData uri="http://schemas.openxmlformats.org/drawingml/2006/table">
+            <a:tbl>
+              <a:tblPr firstRow="1" firstCol="1" bandRow="1">
+                <a:tableStyleId>{72833802-FEF1-4C79-8D5D-14CF1EAF98D9}</a:tableStyleId>
+              </a:tblPr>
+              <a:tblGrid>
+                <a:gridCol w="651510"/>
+                <a:gridCol w="1853248"/>
+                <a:gridCol w="1581785"/>
+              </a:tblGrid>
+              <a:tr h="366236">
+                <a:tc>
+                  <a:txBody>
+                    <a:bodyPr/>
+                    <a:lstStyle/>
+                    <a:p>
+                      <a:pPr marL="0" marR="0" algn="ctr">
+                        <a:lnSpc>
+                          <a:spcPct val="107000"/>
+                        </a:lnSpc>
+                        <a:spcBef>
+                          <a:spcPts val="0"/>
+                        </a:spcBef>
+                        <a:spcAft>
+                          <a:spcPts val="0"/>
+                        </a:spcAft>
+                      </a:pPr>
+                      <a:r>
+                        <a:rPr lang="en-US" sz="1600" dirty="0" smtClean="0">
+                          <a:effectLst/>
+                        </a:rPr>
+                        <a:t>CPUs</a:t>
+                      </a:r>
+                      <a:endParaRPr lang="en-US" sz="1600" dirty="0">
+                        <a:effectLst/>
+                        <a:latin typeface="Calibri" panose="020F0502020204030204" pitchFamily="34" charset="0"/>
+                        <a:ea typeface="Calibri" panose="020F0502020204030204" pitchFamily="34" charset="0"/>
+                        <a:cs typeface="Arial" panose="020B0604020202020204" pitchFamily="34" charset="0"/>
+                      </a:endParaRPr>
+                    </a:p>
+                  </a:txBody>
+                  <a:tcPr marL="68580" marR="68580" marT="0" marB="0" anchor="ctr"/>
+                </a:tc>
+                <a:tc>
+                  <a:txBody>
+                    <a:bodyPr/>
+                    <a:lstStyle/>
+                    <a:p>
+                      <a:pPr marL="0" marR="0" algn="ctr">
+                        <a:lnSpc>
+                          <a:spcPct val="107000"/>
+                        </a:lnSpc>
+                        <a:spcBef>
+                          <a:spcPts val="0"/>
+                        </a:spcBef>
+                        <a:spcAft>
+                          <a:spcPts val="0"/>
+                        </a:spcAft>
+                      </a:pPr>
+                      <a:r>
+                        <a:rPr lang="en-US" sz="1600">
+                          <a:effectLst/>
+                        </a:rPr>
+                        <a:t>Speedup dynamic</a:t>
+                      </a:r>
+                      <a:endParaRPr lang="en-US" sz="1600">
+                        <a:effectLst/>
+                        <a:latin typeface="Calibri" panose="020F0502020204030204" pitchFamily="34" charset="0"/>
+                        <a:ea typeface="Calibri" panose="020F0502020204030204" pitchFamily="34" charset="0"/>
+                        <a:cs typeface="Arial" panose="020B0604020202020204" pitchFamily="34" charset="0"/>
+                      </a:endParaRPr>
+                    </a:p>
+                  </a:txBody>
+                  <a:tcPr marL="68580" marR="68580" marT="0" marB="0" anchor="ctr"/>
+                </a:tc>
+                <a:tc>
+                  <a:txBody>
+                    <a:bodyPr/>
+                    <a:lstStyle/>
+                    <a:p>
+                      <a:pPr marL="0" marR="0" algn="ctr">
+                        <a:lnSpc>
+                          <a:spcPct val="107000"/>
+                        </a:lnSpc>
+                        <a:spcBef>
+                          <a:spcPts val="0"/>
+                        </a:spcBef>
+                        <a:spcAft>
+                          <a:spcPts val="0"/>
+                        </a:spcAft>
+                      </a:pPr>
+                      <a:r>
+                        <a:rPr lang="en-US" sz="1600" dirty="0">
+                          <a:effectLst/>
+                        </a:rPr>
+                        <a:t>Speedup static</a:t>
+                      </a:r>
+                      <a:endParaRPr lang="en-US" sz="1600" dirty="0">
+                        <a:effectLst/>
+                        <a:latin typeface="Calibri" panose="020F0502020204030204" pitchFamily="34" charset="0"/>
+                        <a:ea typeface="Calibri" panose="020F0502020204030204" pitchFamily="34" charset="0"/>
+                        <a:cs typeface="Arial" panose="020B0604020202020204" pitchFamily="34" charset="0"/>
+                      </a:endParaRPr>
+                    </a:p>
+                  </a:txBody>
+                  <a:tcPr marL="68580" marR="68580" marT="0" marB="0" anchor="ctr"/>
+                </a:tc>
+              </a:tr>
+              <a:tr h="190500">
+                <a:tc>
+                  <a:txBody>
+                    <a:bodyPr/>
+                    <a:lstStyle/>
+                    <a:p>
+                      <a:pPr marL="0" marR="0" algn="ctr">
+                        <a:lnSpc>
+                          <a:spcPct val="107000"/>
+                        </a:lnSpc>
+                        <a:spcBef>
+                          <a:spcPts val="0"/>
+                        </a:spcBef>
+                        <a:spcAft>
+                          <a:spcPts val="0"/>
+                        </a:spcAft>
+                      </a:pPr>
+                      <a:r>
+                        <a:rPr lang="en-US" sz="1600" dirty="0">
+                          <a:effectLst/>
+                        </a:rPr>
+                        <a:t>2</a:t>
+                      </a:r>
+                      <a:endParaRPr lang="en-US" sz="1600" dirty="0">
+                        <a:effectLst/>
+                        <a:latin typeface="Calibri" panose="020F0502020204030204" pitchFamily="34" charset="0"/>
+                        <a:ea typeface="Calibri" panose="020F0502020204030204" pitchFamily="34" charset="0"/>
+                        <a:cs typeface="Arial" panose="020B0604020202020204" pitchFamily="34" charset="0"/>
+                      </a:endParaRPr>
+                    </a:p>
+                  </a:txBody>
+                  <a:tcPr marL="68580" marR="68580" marT="0" marB="0" anchor="ctr"/>
+                </a:tc>
+                <a:tc>
+                  <a:txBody>
+                    <a:bodyPr/>
+                    <a:lstStyle/>
+                    <a:p>
+                      <a:pPr marL="0" marR="0" algn="ctr">
+                        <a:lnSpc>
+                          <a:spcPct val="107000"/>
+                        </a:lnSpc>
+                        <a:spcBef>
+                          <a:spcPts val="0"/>
+                        </a:spcBef>
+                        <a:spcAft>
+                          <a:spcPts val="0"/>
+                        </a:spcAft>
+                      </a:pPr>
+                      <a:r>
+                        <a:rPr lang="en-US" sz="1600" dirty="0">
+                          <a:effectLst/>
+                        </a:rPr>
+                        <a:t>0.42</a:t>
+                      </a:r>
+                      <a:endParaRPr lang="en-US" sz="1600" dirty="0">
+                        <a:effectLst/>
+                        <a:latin typeface="Calibri" panose="020F0502020204030204" pitchFamily="34" charset="0"/>
+                        <a:ea typeface="Calibri" panose="020F0502020204030204" pitchFamily="34" charset="0"/>
+                        <a:cs typeface="Arial" panose="020B0604020202020204" pitchFamily="34" charset="0"/>
+                      </a:endParaRPr>
+                    </a:p>
+                  </a:txBody>
+                  <a:tcPr marL="68580" marR="68580" marT="0" marB="0" anchor="ctr"/>
+                </a:tc>
+                <a:tc>
+                  <a:txBody>
+                    <a:bodyPr/>
+                    <a:lstStyle/>
+                    <a:p>
+                      <a:pPr marL="0" marR="0" algn="ctr">
+                        <a:lnSpc>
+                          <a:spcPct val="107000"/>
+                        </a:lnSpc>
+                        <a:spcBef>
+                          <a:spcPts val="0"/>
+                        </a:spcBef>
+                        <a:spcAft>
+                          <a:spcPts val="0"/>
+                        </a:spcAft>
+                      </a:pPr>
+                      <a:r>
+                        <a:rPr lang="en-US" sz="1600" dirty="0" smtClean="0">
+                          <a:effectLst/>
+                        </a:rPr>
+                        <a:t>1.63</a:t>
+                      </a:r>
+                      <a:endParaRPr lang="en-US" sz="1600" dirty="0">
+                        <a:effectLst/>
+                        <a:latin typeface="Calibri" panose="020F0502020204030204" pitchFamily="34" charset="0"/>
+                        <a:ea typeface="Calibri" panose="020F0502020204030204" pitchFamily="34" charset="0"/>
+                        <a:cs typeface="Arial" panose="020B0604020202020204" pitchFamily="34" charset="0"/>
+                      </a:endParaRPr>
+                    </a:p>
+                  </a:txBody>
+                  <a:tcPr marL="68580" marR="68580" marT="0" marB="0" anchor="ctr"/>
+                </a:tc>
+              </a:tr>
+              <a:tr h="190500">
+                <a:tc>
+                  <a:txBody>
+                    <a:bodyPr/>
+                    <a:lstStyle/>
+                    <a:p>
+                      <a:pPr marL="0" marR="0" algn="ctr">
+                        <a:lnSpc>
+                          <a:spcPct val="107000"/>
+                        </a:lnSpc>
+                        <a:spcBef>
+                          <a:spcPts val="0"/>
+                        </a:spcBef>
+                        <a:spcAft>
+                          <a:spcPts val="0"/>
+                        </a:spcAft>
+                      </a:pPr>
+                      <a:r>
+                        <a:rPr lang="en-US" sz="1600">
+                          <a:effectLst/>
+                        </a:rPr>
+                        <a:t>4</a:t>
+                      </a:r>
+                      <a:endParaRPr lang="en-US" sz="1600">
+                        <a:effectLst/>
+                        <a:latin typeface="Calibri" panose="020F0502020204030204" pitchFamily="34" charset="0"/>
+                        <a:ea typeface="Calibri" panose="020F0502020204030204" pitchFamily="34" charset="0"/>
+                        <a:cs typeface="Arial" panose="020B0604020202020204" pitchFamily="34" charset="0"/>
+                      </a:endParaRPr>
+                    </a:p>
+                  </a:txBody>
+                  <a:tcPr marL="68580" marR="68580" marT="0" marB="0" anchor="ctr"/>
+                </a:tc>
+                <a:tc>
+                  <a:txBody>
+                    <a:bodyPr/>
+                    <a:lstStyle/>
+                    <a:p>
+                      <a:pPr marL="0" marR="0" algn="ctr">
+                        <a:lnSpc>
+                          <a:spcPct val="107000"/>
+                        </a:lnSpc>
+                        <a:spcBef>
+                          <a:spcPts val="0"/>
+                        </a:spcBef>
+                        <a:spcAft>
+                          <a:spcPts val="0"/>
+                        </a:spcAft>
+                      </a:pPr>
+                      <a:r>
+                        <a:rPr lang="en-US" sz="1600" dirty="0">
+                          <a:effectLst/>
+                        </a:rPr>
+                        <a:t>2.19</a:t>
+                      </a:r>
+                      <a:endParaRPr lang="en-US" sz="1600" dirty="0">
+                        <a:effectLst/>
+                        <a:latin typeface="Calibri" panose="020F0502020204030204" pitchFamily="34" charset="0"/>
+                        <a:ea typeface="Calibri" panose="020F0502020204030204" pitchFamily="34" charset="0"/>
+                        <a:cs typeface="Arial" panose="020B0604020202020204" pitchFamily="34" charset="0"/>
+                      </a:endParaRPr>
+                    </a:p>
+                  </a:txBody>
+                  <a:tcPr marL="68580" marR="68580" marT="0" marB="0" anchor="ctr"/>
+                </a:tc>
+                <a:tc>
+                  <a:txBody>
+                    <a:bodyPr/>
+                    <a:lstStyle/>
+                    <a:p>
+                      <a:pPr marL="0" marR="0" algn="ctr">
+                        <a:lnSpc>
+                          <a:spcPct val="107000"/>
+                        </a:lnSpc>
+                        <a:spcBef>
+                          <a:spcPts val="0"/>
+                        </a:spcBef>
+                        <a:spcAft>
+                          <a:spcPts val="0"/>
+                        </a:spcAft>
+                      </a:pPr>
+                      <a:r>
+                        <a:rPr lang="en-US" sz="1600" dirty="0" smtClean="0">
+                          <a:effectLst/>
+                        </a:rPr>
+                        <a:t>2.98</a:t>
+                      </a:r>
+                      <a:endParaRPr lang="en-US" sz="1600" dirty="0">
+                        <a:effectLst/>
+                        <a:latin typeface="Calibri" panose="020F0502020204030204" pitchFamily="34" charset="0"/>
+                        <a:ea typeface="Calibri" panose="020F0502020204030204" pitchFamily="34" charset="0"/>
+                        <a:cs typeface="Arial" panose="020B0604020202020204" pitchFamily="34" charset="0"/>
+                      </a:endParaRPr>
+                    </a:p>
+                  </a:txBody>
+                  <a:tcPr marL="68580" marR="68580" marT="0" marB="0" anchor="ctr"/>
+                </a:tc>
+              </a:tr>
+              <a:tr h="190500">
+                <a:tc>
+                  <a:txBody>
+                    <a:bodyPr/>
+                    <a:lstStyle/>
+                    <a:p>
+                      <a:pPr marL="0" marR="0" algn="ctr">
+                        <a:lnSpc>
+                          <a:spcPct val="107000"/>
+                        </a:lnSpc>
+                        <a:spcBef>
+                          <a:spcPts val="0"/>
+                        </a:spcBef>
+                        <a:spcAft>
+                          <a:spcPts val="0"/>
+                        </a:spcAft>
+                      </a:pPr>
+                      <a:r>
+                        <a:rPr lang="en-US" sz="1600">
+                          <a:effectLst/>
+                        </a:rPr>
+                        <a:t>8</a:t>
+                      </a:r>
+                      <a:endParaRPr lang="en-US" sz="1600">
+                        <a:effectLst/>
+                        <a:latin typeface="Calibri" panose="020F0502020204030204" pitchFamily="34" charset="0"/>
+                        <a:ea typeface="Calibri" panose="020F0502020204030204" pitchFamily="34" charset="0"/>
+                        <a:cs typeface="Arial" panose="020B0604020202020204" pitchFamily="34" charset="0"/>
+                      </a:endParaRPr>
+                    </a:p>
+                  </a:txBody>
+                  <a:tcPr marL="68580" marR="68580" marT="0" marB="0" anchor="ctr"/>
+                </a:tc>
+                <a:tc>
+                  <a:txBody>
+                    <a:bodyPr/>
+                    <a:lstStyle/>
+                    <a:p>
+                      <a:pPr marL="0" marR="0" algn="ctr">
+                        <a:lnSpc>
+                          <a:spcPct val="107000"/>
+                        </a:lnSpc>
+                        <a:spcBef>
+                          <a:spcPts val="0"/>
+                        </a:spcBef>
+                        <a:spcAft>
+                          <a:spcPts val="0"/>
+                        </a:spcAft>
+                      </a:pPr>
+                      <a:r>
+                        <a:rPr lang="en-US" sz="1600" dirty="0">
+                          <a:effectLst/>
+                        </a:rPr>
+                        <a:t>2.70</a:t>
+                      </a:r>
+                      <a:endParaRPr lang="en-US" sz="1600" dirty="0">
+                        <a:effectLst/>
+                        <a:latin typeface="Calibri" panose="020F0502020204030204" pitchFamily="34" charset="0"/>
+                        <a:ea typeface="Calibri" panose="020F0502020204030204" pitchFamily="34" charset="0"/>
+                        <a:cs typeface="Arial" panose="020B0604020202020204" pitchFamily="34" charset="0"/>
+                      </a:endParaRPr>
+                    </a:p>
+                  </a:txBody>
+                  <a:tcPr marL="68580" marR="68580" marT="0" marB="0" anchor="ctr"/>
+                </a:tc>
+                <a:tc>
+                  <a:txBody>
+                    <a:bodyPr/>
+                    <a:lstStyle/>
+                    <a:p>
+                      <a:pPr marL="0" marR="0" algn="ctr">
+                        <a:lnSpc>
+                          <a:spcPct val="107000"/>
+                        </a:lnSpc>
+                        <a:spcBef>
+                          <a:spcPts val="0"/>
+                        </a:spcBef>
+                        <a:spcAft>
+                          <a:spcPts val="0"/>
+                        </a:spcAft>
+                      </a:pPr>
+                      <a:r>
+                        <a:rPr lang="en-US" sz="1600" dirty="0" smtClean="0">
+                          <a:effectLst/>
+                        </a:rPr>
+                        <a:t>4.89</a:t>
+                      </a:r>
+                      <a:endParaRPr lang="en-US" sz="1600" dirty="0">
+                        <a:effectLst/>
+                        <a:latin typeface="Calibri" panose="020F0502020204030204" pitchFamily="34" charset="0"/>
+                        <a:ea typeface="Calibri" panose="020F0502020204030204" pitchFamily="34" charset="0"/>
+                        <a:cs typeface="Arial" panose="020B0604020202020204" pitchFamily="34" charset="0"/>
+                      </a:endParaRPr>
+                    </a:p>
+                  </a:txBody>
+                  <a:tcPr marL="68580" marR="68580" marT="0" marB="0" anchor="ctr"/>
+                </a:tc>
+              </a:tr>
+              <a:tr h="190500">
+                <a:tc>
+                  <a:txBody>
+                    <a:bodyPr/>
+                    <a:lstStyle/>
+                    <a:p>
+                      <a:pPr marL="0" marR="0" algn="ctr">
+                        <a:lnSpc>
+                          <a:spcPct val="107000"/>
+                        </a:lnSpc>
+                        <a:spcBef>
+                          <a:spcPts val="0"/>
+                        </a:spcBef>
+                        <a:spcAft>
+                          <a:spcPts val="0"/>
+                        </a:spcAft>
+                      </a:pPr>
+                      <a:r>
+                        <a:rPr lang="en-US" sz="1600">
+                          <a:effectLst/>
+                        </a:rPr>
+                        <a:t>16</a:t>
+                      </a:r>
+                      <a:endParaRPr lang="en-US" sz="1600">
+                        <a:effectLst/>
+                        <a:latin typeface="Calibri" panose="020F0502020204030204" pitchFamily="34" charset="0"/>
+                        <a:ea typeface="Calibri" panose="020F0502020204030204" pitchFamily="34" charset="0"/>
+                        <a:cs typeface="Arial" panose="020B0604020202020204" pitchFamily="34" charset="0"/>
+                      </a:endParaRPr>
+                    </a:p>
+                  </a:txBody>
+                  <a:tcPr marL="68580" marR="68580" marT="0" marB="0" anchor="ctr"/>
+                </a:tc>
+                <a:tc>
+                  <a:txBody>
+                    <a:bodyPr/>
+                    <a:lstStyle/>
+                    <a:p>
+                      <a:pPr marL="0" marR="0" algn="ctr">
+                        <a:lnSpc>
+                          <a:spcPct val="107000"/>
+                        </a:lnSpc>
+                        <a:spcBef>
+                          <a:spcPts val="0"/>
+                        </a:spcBef>
+                        <a:spcAft>
+                          <a:spcPts val="0"/>
+                        </a:spcAft>
+                      </a:pPr>
+                      <a:r>
+                        <a:rPr lang="en-US" sz="1600" b="1" dirty="0">
+                          <a:effectLst/>
+                        </a:rPr>
+                        <a:t>3.21</a:t>
+                      </a:r>
+                      <a:endParaRPr lang="en-US" sz="1600" b="1" dirty="0">
+                        <a:effectLst/>
+                        <a:latin typeface="Calibri" panose="020F0502020204030204" pitchFamily="34" charset="0"/>
+                        <a:ea typeface="Calibri" panose="020F0502020204030204" pitchFamily="34" charset="0"/>
+                        <a:cs typeface="Arial" panose="020B0604020202020204" pitchFamily="34" charset="0"/>
+                      </a:endParaRPr>
+                    </a:p>
+                  </a:txBody>
+                  <a:tcPr marL="68580" marR="68580" marT="0" marB="0" anchor="ctr"/>
+                </a:tc>
+                <a:tc>
+                  <a:txBody>
+                    <a:bodyPr/>
+                    <a:lstStyle/>
+                    <a:p>
+                      <a:pPr marL="0" marR="0" algn="ctr">
+                        <a:lnSpc>
+                          <a:spcPct val="107000"/>
+                        </a:lnSpc>
+                        <a:spcBef>
+                          <a:spcPts val="0"/>
+                        </a:spcBef>
+                        <a:spcAft>
+                          <a:spcPts val="0"/>
+                        </a:spcAft>
+                      </a:pPr>
+                      <a:r>
+                        <a:rPr lang="en-US" sz="1600" dirty="0" smtClean="0">
+                          <a:effectLst/>
+                        </a:rPr>
+                        <a:t>7.49</a:t>
+                      </a:r>
+                      <a:endParaRPr lang="en-US" sz="1600" dirty="0">
+                        <a:effectLst/>
+                        <a:latin typeface="Calibri" panose="020F0502020204030204" pitchFamily="34" charset="0"/>
+                        <a:ea typeface="Calibri" panose="020F0502020204030204" pitchFamily="34" charset="0"/>
+                        <a:cs typeface="Arial" panose="020B0604020202020204" pitchFamily="34" charset="0"/>
+                      </a:endParaRPr>
+                    </a:p>
+                  </a:txBody>
+                  <a:tcPr marL="68580" marR="68580" marT="0" marB="0" anchor="ctr"/>
+                </a:tc>
+              </a:tr>
+              <a:tr h="190500">
+                <a:tc>
+                  <a:txBody>
+                    <a:bodyPr/>
+                    <a:lstStyle/>
+                    <a:p>
+                      <a:pPr marL="0" marR="0" algn="ctr">
+                        <a:lnSpc>
+                          <a:spcPct val="107000"/>
+                        </a:lnSpc>
+                        <a:spcBef>
+                          <a:spcPts val="0"/>
+                        </a:spcBef>
+                        <a:spcAft>
+                          <a:spcPts val="0"/>
+                        </a:spcAft>
+                      </a:pPr>
+                      <a:r>
+                        <a:rPr lang="en-US" sz="1600">
+                          <a:effectLst/>
+                        </a:rPr>
+                        <a:t>32</a:t>
+                      </a:r>
+                      <a:endParaRPr lang="en-US" sz="1600">
+                        <a:effectLst/>
+                        <a:latin typeface="Calibri" panose="020F0502020204030204" pitchFamily="34" charset="0"/>
+                        <a:ea typeface="Calibri" panose="020F0502020204030204" pitchFamily="34" charset="0"/>
+                        <a:cs typeface="Arial" panose="020B0604020202020204" pitchFamily="34" charset="0"/>
+                      </a:endParaRPr>
+                    </a:p>
+                  </a:txBody>
+                  <a:tcPr marL="68580" marR="68580" marT="0" marB="0" anchor="ctr"/>
+                </a:tc>
+                <a:tc>
+                  <a:txBody>
+                    <a:bodyPr/>
+                    <a:lstStyle/>
+                    <a:p>
+                      <a:pPr marL="0" marR="0" algn="ctr">
+                        <a:lnSpc>
+                          <a:spcPct val="107000"/>
+                        </a:lnSpc>
+                        <a:spcBef>
+                          <a:spcPts val="0"/>
+                        </a:spcBef>
+                        <a:spcAft>
+                          <a:spcPts val="0"/>
+                        </a:spcAft>
+                      </a:pPr>
+                      <a:r>
+                        <a:rPr lang="en-US" sz="1600" dirty="0">
+                          <a:effectLst/>
+                        </a:rPr>
+                        <a:t>3.16</a:t>
+                      </a:r>
+                      <a:endParaRPr lang="en-US" sz="1600" dirty="0">
+                        <a:effectLst/>
+                        <a:latin typeface="Calibri" panose="020F0502020204030204" pitchFamily="34" charset="0"/>
+                        <a:ea typeface="Calibri" panose="020F0502020204030204" pitchFamily="34" charset="0"/>
+                        <a:cs typeface="Arial" panose="020B0604020202020204" pitchFamily="34" charset="0"/>
+                      </a:endParaRPr>
+                    </a:p>
+                  </a:txBody>
+                  <a:tcPr marL="68580" marR="68580" marT="0" marB="0" anchor="ctr"/>
+                </a:tc>
+                <a:tc>
+                  <a:txBody>
+                    <a:bodyPr/>
+                    <a:lstStyle/>
+                    <a:p>
+                      <a:pPr marL="0" marR="0" algn="ctr">
+                        <a:lnSpc>
+                          <a:spcPct val="107000"/>
+                        </a:lnSpc>
+                        <a:spcBef>
+                          <a:spcPts val="0"/>
+                        </a:spcBef>
+                        <a:spcAft>
+                          <a:spcPts val="0"/>
+                        </a:spcAft>
+                      </a:pPr>
+                      <a:r>
+                        <a:rPr lang="en-US" sz="1600" b="1" dirty="0" smtClean="0">
+                          <a:effectLst/>
+                        </a:rPr>
+                        <a:t>14.46</a:t>
+                      </a:r>
+                      <a:endParaRPr lang="en-US" sz="1600" b="1" dirty="0">
+                        <a:effectLst/>
+                        <a:latin typeface="Calibri" panose="020F0502020204030204" pitchFamily="34" charset="0"/>
+                        <a:ea typeface="Calibri" panose="020F0502020204030204" pitchFamily="34" charset="0"/>
+                        <a:cs typeface="Arial" panose="020B0604020202020204" pitchFamily="34" charset="0"/>
+                      </a:endParaRPr>
+                    </a:p>
+                  </a:txBody>
+                  <a:tcPr marL="68580" marR="68580" marT="0" marB="0" anchor="ctr"/>
+                </a:tc>
+              </a:tr>
+            </a:tbl>
           </a:graphicData>
         </a:graphic>
       </p:graphicFrame>
@@ -14217,6 +15260,13 @@
   <p:clrMapOvr>
     <a:masterClrMapping/>
   </p:clrMapOvr>
+  <p:timing>
+    <p:tnLst>
+      <p:par>
+        <p:cTn id="1" dur="indefinite" restart="never" nodeType="tmRoot"/>
+      </p:par>
+    </p:tnLst>
+  </p:timing>
 </p:sld>
 </file>
 
@@ -14242,7 +15292,7 @@
           <p:cNvPr id="2" name="Title 1">
             <a:extLst>
               <a:ext uri="{FF2B5EF4-FFF2-40B4-BE49-F238E27FC236}">
-                <a16:creationId xmlns:a16="http://schemas.microsoft.com/office/drawing/2014/main" id="{F86D42A6-3D30-4A36-B400-83A6959053DB}"/>
+                <a16:creationId xmlns:a16="http://schemas.microsoft.com/office/drawing/2014/main" xmlns="" id="{F86D42A6-3D30-4A36-B400-83A6959053DB}"/>
               </a:ext>
             </a:extLst>
           </p:cNvPr>
@@ -14270,7 +15320,7 @@
           <p:cNvPr id="3" name="Content Placeholder 2">
             <a:extLst>
               <a:ext uri="{FF2B5EF4-FFF2-40B4-BE49-F238E27FC236}">
-                <a16:creationId xmlns:a16="http://schemas.microsoft.com/office/drawing/2014/main" id="{11030496-38CF-4509-AF43-41626CC3F50E}"/>
+                <a16:creationId xmlns:a16="http://schemas.microsoft.com/office/drawing/2014/main" xmlns="" id="{11030496-38CF-4509-AF43-41626CC3F50E}"/>
               </a:ext>
             </a:extLst>
           </p:cNvPr>
@@ -14347,6 +15397,21 @@
   <p:clrMapOvr>
     <a:masterClrMapping/>
   </p:clrMapOvr>
+  <mc:AlternateContent xmlns:mc="http://schemas.openxmlformats.org/markup-compatibility/2006">
+    <mc:Choice xmlns:p14="http://schemas.microsoft.com/office/powerpoint/2010/main" Requires="p14">
+      <p:transition spd="slow" p14:dur="2000"/>
+    </mc:Choice>
+    <mc:Fallback>
+      <p:transition spd="slow"/>
+    </mc:Fallback>
+  </mc:AlternateContent>
+  <p:timing>
+    <p:tnLst>
+      <p:par>
+        <p:cTn id="1" dur="indefinite" restart="never" nodeType="tmRoot"/>
+      </p:par>
+    </p:tnLst>
+  </p:timing>
 </p:sld>
 </file>
 
@@ -14372,7 +15437,7 @@
           <p:cNvPr id="2" name="Title 1">
             <a:extLst>
               <a:ext uri="{FF2B5EF4-FFF2-40B4-BE49-F238E27FC236}">
-                <a16:creationId xmlns:a16="http://schemas.microsoft.com/office/drawing/2014/main" id="{98508AB4-E6BA-4A24-947F-25EBD9BF3584}"/>
+                <a16:creationId xmlns:a16="http://schemas.microsoft.com/office/drawing/2014/main" xmlns="" id="{98508AB4-E6BA-4A24-947F-25EBD9BF3584}"/>
               </a:ext>
             </a:extLst>
           </p:cNvPr>
@@ -14402,7 +15467,7 @@
           <p:cNvPr id="5" name="Content Placeholder 4">
             <a:extLst>
               <a:ext uri="{FF2B5EF4-FFF2-40B4-BE49-F238E27FC236}">
-                <a16:creationId xmlns:a16="http://schemas.microsoft.com/office/drawing/2014/main" id="{EF6D7FC0-F45B-42DB-B2FD-9093A2991267}"/>
+                <a16:creationId xmlns:a16="http://schemas.microsoft.com/office/drawing/2014/main" xmlns="" id="{EF6D7FC0-F45B-42DB-B2FD-9093A2991267}"/>
               </a:ext>
             </a:extLst>
           </p:cNvPr>
@@ -14437,7 +15502,7 @@
           <p:cNvPr id="7" name="Picture 6">
             <a:extLst>
               <a:ext uri="{FF2B5EF4-FFF2-40B4-BE49-F238E27FC236}">
-                <a16:creationId xmlns:a16="http://schemas.microsoft.com/office/drawing/2014/main" id="{F6919F36-5A95-4A80-A41D-BCDFC7A27B3B}"/>
+                <a16:creationId xmlns:a16="http://schemas.microsoft.com/office/drawing/2014/main" xmlns="" id="{F6919F36-5A95-4A80-A41D-BCDFC7A27B3B}"/>
               </a:ext>
             </a:extLst>
           </p:cNvPr>
@@ -14478,6 +15543,13 @@
   <p:clrMapOvr>
     <a:masterClrMapping/>
   </p:clrMapOvr>
+  <p:timing>
+    <p:tnLst>
+      <p:par>
+        <p:cTn id="1" dur="indefinite" restart="never" nodeType="tmRoot"/>
+      </p:par>
+    </p:tnLst>
+  </p:timing>
 </p:sld>
 </file>
 
@@ -14503,7 +15575,7 @@
           <p:cNvPr id="2" name="Title 1">
             <a:extLst>
               <a:ext uri="{FF2B5EF4-FFF2-40B4-BE49-F238E27FC236}">
-                <a16:creationId xmlns:a16="http://schemas.microsoft.com/office/drawing/2014/main" id="{98508AB4-E6BA-4A24-947F-25EBD9BF3584}"/>
+                <a16:creationId xmlns:a16="http://schemas.microsoft.com/office/drawing/2014/main" xmlns="" id="{98508AB4-E6BA-4A24-947F-25EBD9BF3584}"/>
               </a:ext>
             </a:extLst>
           </p:cNvPr>
@@ -14544,7 +15616,7 @@
           <p:cNvPr id="5" name="Content Placeholder 4">
             <a:extLst>
               <a:ext uri="{FF2B5EF4-FFF2-40B4-BE49-F238E27FC236}">
-                <a16:creationId xmlns:a16="http://schemas.microsoft.com/office/drawing/2014/main" id="{EF6D7FC0-F45B-42DB-B2FD-9093A2991267}"/>
+                <a16:creationId xmlns:a16="http://schemas.microsoft.com/office/drawing/2014/main" xmlns="" id="{EF6D7FC0-F45B-42DB-B2FD-9093A2991267}"/>
               </a:ext>
             </a:extLst>
           </p:cNvPr>
@@ -14579,7 +15651,7 @@
           <p:cNvPr id="7" name="Picture 6">
             <a:extLst>
               <a:ext uri="{FF2B5EF4-FFF2-40B4-BE49-F238E27FC236}">
-                <a16:creationId xmlns:a16="http://schemas.microsoft.com/office/drawing/2014/main" id="{F6919F36-5A95-4A80-A41D-BCDFC7A27B3B}"/>
+                <a16:creationId xmlns:a16="http://schemas.microsoft.com/office/drawing/2014/main" xmlns="" id="{F6919F36-5A95-4A80-A41D-BCDFC7A27B3B}"/>
               </a:ext>
             </a:extLst>
           </p:cNvPr>
@@ -14615,7 +15687,7 @@
           <p:cNvPr id="9" name="Picture 8">
             <a:extLst>
               <a:ext uri="{FF2B5EF4-FFF2-40B4-BE49-F238E27FC236}">
-                <a16:creationId xmlns:a16="http://schemas.microsoft.com/office/drawing/2014/main" id="{81892C97-6075-4FA6-B6C7-AB377F33806F}"/>
+                <a16:creationId xmlns:a16="http://schemas.microsoft.com/office/drawing/2014/main" xmlns="" id="{81892C97-6075-4FA6-B6C7-AB377F33806F}"/>
               </a:ext>
             </a:extLst>
           </p:cNvPr>
@@ -14656,6 +15728,13 @@
   <p:clrMapOvr>
     <a:masterClrMapping/>
   </p:clrMapOvr>
+  <p:timing>
+    <p:tnLst>
+      <p:par>
+        <p:cTn id="1" dur="indefinite" restart="never" nodeType="tmRoot"/>
+      </p:par>
+    </p:tnLst>
+  </p:timing>
 </p:sld>
 </file>
 
@@ -14681,7 +15760,7 @@
           <p:cNvPr id="2" name="Title 1">
             <a:extLst>
               <a:ext uri="{FF2B5EF4-FFF2-40B4-BE49-F238E27FC236}">
-                <a16:creationId xmlns:a16="http://schemas.microsoft.com/office/drawing/2014/main" id="{B6D7F877-7E8E-49E5-ABBF-1EA48705B6CF}"/>
+                <a16:creationId xmlns:a16="http://schemas.microsoft.com/office/drawing/2014/main" xmlns="" id="{B6D7F877-7E8E-49E5-ABBF-1EA48705B6CF}"/>
               </a:ext>
             </a:extLst>
           </p:cNvPr>
@@ -14716,7 +15795,7 @@
           <p:cNvPr id="11" name="Content Placeholder 10">
             <a:extLst>
               <a:ext uri="{FF2B5EF4-FFF2-40B4-BE49-F238E27FC236}">
-                <a16:creationId xmlns:a16="http://schemas.microsoft.com/office/drawing/2014/main" id="{84D5D77C-AFA4-4D4A-A80E-A18AC095DF0C}"/>
+                <a16:creationId xmlns:a16="http://schemas.microsoft.com/office/drawing/2014/main" xmlns="" id="{84D5D77C-AFA4-4D4A-A80E-A18AC095DF0C}"/>
               </a:ext>
             </a:extLst>
           </p:cNvPr>
@@ -14751,7 +15830,7 @@
           <p:cNvPr id="12" name="Rectangle 11">
             <a:extLst>
               <a:ext uri="{FF2B5EF4-FFF2-40B4-BE49-F238E27FC236}">
-                <a16:creationId xmlns:a16="http://schemas.microsoft.com/office/drawing/2014/main" id="{57158E9C-55D7-4A16-8ACE-FA8C72BC89B9}"/>
+                <a16:creationId xmlns:a16="http://schemas.microsoft.com/office/drawing/2014/main" xmlns="" id="{57158E9C-55D7-4A16-8ACE-FA8C72BC89B9}"/>
               </a:ext>
             </a:extLst>
           </p:cNvPr>
@@ -15053,7 +16132,7 @@
           <p:cNvPr id="5122" name="Picture 2" descr="http://questionspedia.com/wp-content/uploads/2016/08/Either-or-Questions.jpg">
             <a:extLst>
               <a:ext uri="{FF2B5EF4-FFF2-40B4-BE49-F238E27FC236}">
-                <a16:creationId xmlns:a16="http://schemas.microsoft.com/office/drawing/2014/main" id="{60D2191A-C9FB-4DEF-A509-62CCF770A0F9}"/>
+                <a16:creationId xmlns:a16="http://schemas.microsoft.com/office/drawing/2014/main" xmlns="" id="{60D2191A-C9FB-4DEF-A509-62CCF770A0F9}"/>
               </a:ext>
             </a:extLst>
           </p:cNvPr>
@@ -15105,6 +16184,13 @@
   <p:clrMapOvr>
     <a:masterClrMapping/>
   </p:clrMapOvr>
+  <p:timing>
+    <p:tnLst>
+      <p:par>
+        <p:cTn id="1" dur="indefinite" restart="never" nodeType="tmRoot"/>
+      </p:par>
+    </p:tnLst>
+  </p:timing>
 </p:sld>
 </file>
 
@@ -15130,7 +16216,7 @@
           <p:cNvPr id="2" name="Title 1">
             <a:extLst>
               <a:ext uri="{FF2B5EF4-FFF2-40B4-BE49-F238E27FC236}">
-                <a16:creationId xmlns:a16="http://schemas.microsoft.com/office/drawing/2014/main" id="{8704D2B4-DD83-4D1D-A4B6-A204F4B72752}"/>
+                <a16:creationId xmlns:a16="http://schemas.microsoft.com/office/drawing/2014/main" xmlns="" id="{8704D2B4-DD83-4D1D-A4B6-A204F4B72752}"/>
               </a:ext>
             </a:extLst>
           </p:cNvPr>
@@ -15158,7 +16244,7 @@
           <p:cNvPr id="4" name="Content Placeholder 3">
             <a:extLst>
               <a:ext uri="{FF2B5EF4-FFF2-40B4-BE49-F238E27FC236}">
-                <a16:creationId xmlns:a16="http://schemas.microsoft.com/office/drawing/2014/main" id="{F748EA5F-7BF9-4140-B4E6-A357DF48178F}"/>
+                <a16:creationId xmlns:a16="http://schemas.microsoft.com/office/drawing/2014/main" xmlns="" id="{F748EA5F-7BF9-4140-B4E6-A357DF48178F}"/>
               </a:ext>
             </a:extLst>
           </p:cNvPr>
@@ -15183,28 +16269,28 @@
                 <a:gridCol w="1523365">
                   <a:extLst>
                     <a:ext uri="{9D8B030D-6E8A-4147-A177-3AD203B41FA5}">
-                      <a16:colId xmlns:a16="http://schemas.microsoft.com/office/drawing/2014/main" val="4150511808"/>
+                      <a16:colId xmlns:a16="http://schemas.microsoft.com/office/drawing/2014/main" xmlns="" val="4150511808"/>
                     </a:ext>
                   </a:extLst>
                 </a:gridCol>
                 <a:gridCol w="645160">
                   <a:extLst>
                     <a:ext uri="{9D8B030D-6E8A-4147-A177-3AD203B41FA5}">
-                      <a16:colId xmlns:a16="http://schemas.microsoft.com/office/drawing/2014/main" val="1214757835"/>
+                      <a16:colId xmlns:a16="http://schemas.microsoft.com/office/drawing/2014/main" xmlns="" val="1214757835"/>
                     </a:ext>
                   </a:extLst>
                 </a:gridCol>
                 <a:gridCol w="2287905">
                   <a:extLst>
                     <a:ext uri="{9D8B030D-6E8A-4147-A177-3AD203B41FA5}">
-                      <a16:colId xmlns:a16="http://schemas.microsoft.com/office/drawing/2014/main" val="2482904739"/>
+                      <a16:colId xmlns:a16="http://schemas.microsoft.com/office/drawing/2014/main" xmlns="" val="2482904739"/>
                     </a:ext>
                   </a:extLst>
                 </a:gridCol>
                 <a:gridCol w="1480820">
                   <a:extLst>
                     <a:ext uri="{9D8B030D-6E8A-4147-A177-3AD203B41FA5}">
-                      <a16:colId xmlns:a16="http://schemas.microsoft.com/office/drawing/2014/main" val="2001854240"/>
+                      <a16:colId xmlns:a16="http://schemas.microsoft.com/office/drawing/2014/main" xmlns="" val="2001854240"/>
                     </a:ext>
                   </a:extLst>
                 </a:gridCol>
@@ -15340,7 +16426,7 @@
                 </a:tc>
                 <a:extLst>
                   <a:ext uri="{0D108BD9-81ED-4DB2-BD59-A6C34878D82A}">
-                    <a16:rowId xmlns:a16="http://schemas.microsoft.com/office/drawing/2014/main" val="3800667330"/>
+                    <a16:rowId xmlns:a16="http://schemas.microsoft.com/office/drawing/2014/main" xmlns="" val="3800667330"/>
                   </a:ext>
                 </a:extLst>
               </a:tr>
@@ -15532,7 +16618,7 @@
                 </a:tc>
                 <a:extLst>
                   <a:ext uri="{0D108BD9-81ED-4DB2-BD59-A6C34878D82A}">
-                    <a16:rowId xmlns:a16="http://schemas.microsoft.com/office/drawing/2014/main" val="2140672733"/>
+                    <a16:rowId xmlns:a16="http://schemas.microsoft.com/office/drawing/2014/main" xmlns="" val="2140672733"/>
                   </a:ext>
                 </a:extLst>
               </a:tr>
@@ -15724,7 +16810,7 @@
                 </a:tc>
                 <a:extLst>
                   <a:ext uri="{0D108BD9-81ED-4DB2-BD59-A6C34878D82A}">
-                    <a16:rowId xmlns:a16="http://schemas.microsoft.com/office/drawing/2014/main" val="3501290656"/>
+                    <a16:rowId xmlns:a16="http://schemas.microsoft.com/office/drawing/2014/main" xmlns="" val="3501290656"/>
                   </a:ext>
                 </a:extLst>
               </a:tr>
@@ -15916,7 +17002,7 @@
                 </a:tc>
                 <a:extLst>
                   <a:ext uri="{0D108BD9-81ED-4DB2-BD59-A6C34878D82A}">
-                    <a16:rowId xmlns:a16="http://schemas.microsoft.com/office/drawing/2014/main" val="1409086578"/>
+                    <a16:rowId xmlns:a16="http://schemas.microsoft.com/office/drawing/2014/main" xmlns="" val="1409086578"/>
                   </a:ext>
                 </a:extLst>
               </a:tr>
@@ -16146,7 +17232,7 @@
                 </a:tc>
                 <a:extLst>
                   <a:ext uri="{0D108BD9-81ED-4DB2-BD59-A6C34878D82A}">
-                    <a16:rowId xmlns:a16="http://schemas.microsoft.com/office/drawing/2014/main" val="4176117615"/>
+                    <a16:rowId xmlns:a16="http://schemas.microsoft.com/office/drawing/2014/main" xmlns="" val="4176117615"/>
                   </a:ext>
                 </a:extLst>
               </a:tr>
@@ -16237,7 +17323,7 @@
                 </a:tc>
                 <a:extLst>
                   <a:ext uri="{0D108BD9-81ED-4DB2-BD59-A6C34878D82A}">
-                    <a16:rowId xmlns:a16="http://schemas.microsoft.com/office/drawing/2014/main" val="4094763897"/>
+                    <a16:rowId xmlns:a16="http://schemas.microsoft.com/office/drawing/2014/main" xmlns="" val="4094763897"/>
                   </a:ext>
                 </a:extLst>
               </a:tr>
@@ -16255,6 +17341,21 @@
   <p:clrMapOvr>
     <a:masterClrMapping/>
   </p:clrMapOvr>
+  <mc:AlternateContent xmlns:mc="http://schemas.openxmlformats.org/markup-compatibility/2006">
+    <mc:Choice xmlns:p14="http://schemas.microsoft.com/office/powerpoint/2010/main" Requires="p14">
+      <p:transition spd="slow" p14:dur="2000"/>
+    </mc:Choice>
+    <mc:Fallback>
+      <p:transition spd="slow"/>
+    </mc:Fallback>
+  </mc:AlternateContent>
+  <p:timing>
+    <p:tnLst>
+      <p:par>
+        <p:cTn id="1" dur="indefinite" restart="never" nodeType="tmRoot"/>
+      </p:par>
+    </p:tnLst>
+  </p:timing>
 </p:sld>
 </file>
 
@@ -16280,7 +17381,7 @@
           <p:cNvPr id="2" name="Title 1">
             <a:extLst>
               <a:ext uri="{FF2B5EF4-FFF2-40B4-BE49-F238E27FC236}">
-                <a16:creationId xmlns:a16="http://schemas.microsoft.com/office/drawing/2014/main" id="{5AC91874-28DF-494A-B77B-7276A492A7F1}"/>
+                <a16:creationId xmlns:a16="http://schemas.microsoft.com/office/drawing/2014/main" xmlns="" id="{5AC91874-28DF-494A-B77B-7276A492A7F1}"/>
               </a:ext>
             </a:extLst>
           </p:cNvPr>
@@ -16308,7 +17409,7 @@
           <p:cNvPr id="4" name="Chart 3">
             <a:extLst>
               <a:ext uri="{FF2B5EF4-FFF2-40B4-BE49-F238E27FC236}">
-                <a16:creationId xmlns:a16="http://schemas.microsoft.com/office/drawing/2014/main" id="{3E5DC716-C8BE-44C8-9A2B-DEF3622086D9}"/>
+                <a16:creationId xmlns:a16="http://schemas.microsoft.com/office/drawing/2014/main" xmlns="" id="{3E5DC716-C8BE-44C8-9A2B-DEF3622086D9}"/>
               </a:ext>
             </a:extLst>
           </p:cNvPr>
@@ -16341,6 +17442,14 @@
   <p:clrMapOvr>
     <a:masterClrMapping/>
   </p:clrMapOvr>
+  <mc:AlternateContent xmlns:mc="http://schemas.openxmlformats.org/markup-compatibility/2006">
+    <mc:Choice xmlns:p14="http://schemas.microsoft.com/office/powerpoint/2010/main" Requires="p14">
+      <p:transition spd="slow" p14:dur="2000"/>
+    </mc:Choice>
+    <mc:Fallback>
+      <p:transition spd="slow"/>
+    </mc:Fallback>
+  </mc:AlternateContent>
 </p:sld>
 </file>
 
@@ -16366,7 +17475,7 @@
           <p:cNvPr id="2" name="Title 1">
             <a:extLst>
               <a:ext uri="{FF2B5EF4-FFF2-40B4-BE49-F238E27FC236}">
-                <a16:creationId xmlns:a16="http://schemas.microsoft.com/office/drawing/2014/main" id="{6E65AA4F-CE7A-448E-B18B-0FFCDBA9BB95}"/>
+                <a16:creationId xmlns:a16="http://schemas.microsoft.com/office/drawing/2014/main" xmlns="" id="{6E65AA4F-CE7A-448E-B18B-0FFCDBA9BB95}"/>
               </a:ext>
             </a:extLst>
           </p:cNvPr>
@@ -16400,7 +17509,7 @@
               <p:cNvPr id="3" name="Content Placeholder 2">
                 <a:extLst>
                   <a:ext uri="{FF2B5EF4-FFF2-40B4-BE49-F238E27FC236}">
-                    <a16:creationId xmlns:a16="http://schemas.microsoft.com/office/drawing/2014/main" id="{DC2D31E5-3D24-498B-8AEB-72C382C618AB}"/>
+                    <a16:creationId xmlns:a16="http://schemas.microsoft.com/office/drawing/2014/main" xmlns="" id="{DC2D31E5-3D24-498B-8AEB-72C382C618AB}"/>
                   </a:ext>
                 </a:extLst>
               </p:cNvPr>
@@ -16754,7 +17863,7 @@
           <p:cNvPr id="2" name="Title 1">
             <a:extLst>
               <a:ext uri="{FF2B5EF4-FFF2-40B4-BE49-F238E27FC236}">
-                <a16:creationId xmlns:a16="http://schemas.microsoft.com/office/drawing/2014/main" id="{2B8135A5-7B9B-487D-9A52-C7FCEDD31B23}"/>
+                <a16:creationId xmlns:a16="http://schemas.microsoft.com/office/drawing/2014/main" xmlns="" id="{2B8135A5-7B9B-487D-9A52-C7FCEDD31B23}"/>
               </a:ext>
             </a:extLst>
           </p:cNvPr>
@@ -16782,7 +17891,7 @@
           <p:cNvPr id="4" name="Chart 3">
             <a:extLst>
               <a:ext uri="{FF2B5EF4-FFF2-40B4-BE49-F238E27FC236}">
-                <a16:creationId xmlns:a16="http://schemas.microsoft.com/office/drawing/2014/main" id="{D13406BB-9FB9-43F8-8FF4-514771A3BB00}"/>
+                <a16:creationId xmlns:a16="http://schemas.microsoft.com/office/drawing/2014/main" xmlns="" id="{D13406BB-9FB9-43F8-8FF4-514771A3BB00}"/>
               </a:ext>
             </a:extLst>
           </p:cNvPr>
@@ -16815,6 +17924,14 @@
   <p:clrMapOvr>
     <a:masterClrMapping/>
   </p:clrMapOvr>
+  <mc:AlternateContent xmlns:mc="http://schemas.openxmlformats.org/markup-compatibility/2006">
+    <mc:Choice xmlns:p14="http://schemas.microsoft.com/office/powerpoint/2010/main" Requires="p14">
+      <p:transition spd="slow" p14:dur="2000"/>
+    </mc:Choice>
+    <mc:Fallback>
+      <p:transition spd="slow"/>
+    </mc:Fallback>
+  </mc:AlternateContent>
 </p:sld>
 </file>
 
@@ -16840,7 +17957,7 @@
           <p:cNvPr id="2" name="Title 1">
             <a:extLst>
               <a:ext uri="{FF2B5EF4-FFF2-40B4-BE49-F238E27FC236}">
-                <a16:creationId xmlns:a16="http://schemas.microsoft.com/office/drawing/2014/main" id="{AADA0A43-BA18-442B-8899-6266020FAE1A}"/>
+                <a16:creationId xmlns:a16="http://schemas.microsoft.com/office/drawing/2014/main" xmlns="" id="{AADA0A43-BA18-442B-8899-6266020FAE1A}"/>
               </a:ext>
             </a:extLst>
           </p:cNvPr>
@@ -16868,7 +17985,7 @@
           <p:cNvPr id="4" name="Chart 3">
             <a:extLst>
               <a:ext uri="{FF2B5EF4-FFF2-40B4-BE49-F238E27FC236}">
-                <a16:creationId xmlns:a16="http://schemas.microsoft.com/office/drawing/2014/main" id="{0D29B6DD-AA2D-47D9-9FC7-CD4F2DC08753}"/>
+                <a16:creationId xmlns:a16="http://schemas.microsoft.com/office/drawing/2014/main" xmlns="" id="{0D29B6DD-AA2D-47D9-9FC7-CD4F2DC08753}"/>
               </a:ext>
             </a:extLst>
           </p:cNvPr>
@@ -16901,6 +18018,14 @@
   <p:clrMapOvr>
     <a:masterClrMapping/>
   </p:clrMapOvr>
+  <mc:AlternateContent xmlns:mc="http://schemas.openxmlformats.org/markup-compatibility/2006">
+    <mc:Choice xmlns:p14="http://schemas.microsoft.com/office/powerpoint/2010/main" Requires="p14">
+      <p:transition spd="slow" p14:dur="2000"/>
+    </mc:Choice>
+    <mc:Fallback>
+      <p:transition spd="slow"/>
+    </mc:Fallback>
+  </mc:AlternateContent>
 </p:sld>
 </file>
 
@@ -16926,7 +18051,7 @@
           <p:cNvPr id="4" name="Group 33">
             <a:extLst>
               <a:ext uri="{FF2B5EF4-FFF2-40B4-BE49-F238E27FC236}">
-                <a16:creationId xmlns:a16="http://schemas.microsoft.com/office/drawing/2014/main" id="{4BFEE85E-8C53-4B42-9B33-64E6D090434A}"/>
+                <a16:creationId xmlns:a16="http://schemas.microsoft.com/office/drawing/2014/main" xmlns="" id="{4BFEE85E-8C53-4B42-9B33-64E6D090434A}"/>
               </a:ext>
             </a:extLst>
           </p:cNvPr>
@@ -16948,7 +18073,7 @@
             <p:cNvPr id="5" name="Text Box 8">
               <a:extLst>
                 <a:ext uri="{FF2B5EF4-FFF2-40B4-BE49-F238E27FC236}">
-                  <a16:creationId xmlns:a16="http://schemas.microsoft.com/office/drawing/2014/main" id="{257FD6AC-A25B-4EB5-A028-A72041A76B52}"/>
+                  <a16:creationId xmlns:a16="http://schemas.microsoft.com/office/drawing/2014/main" xmlns="" id="{257FD6AC-A25B-4EB5-A028-A72041A76B52}"/>
                 </a:ext>
               </a:extLst>
             </p:cNvPr>
@@ -17020,7 +18145,7 @@
             <p:cNvPr id="6" name="Line 9">
               <a:extLst>
                 <a:ext uri="{FF2B5EF4-FFF2-40B4-BE49-F238E27FC236}">
-                  <a16:creationId xmlns:a16="http://schemas.microsoft.com/office/drawing/2014/main" id="{F3265B2E-3303-4A9F-BCF7-A62557DEBA1C}"/>
+                  <a16:creationId xmlns:a16="http://schemas.microsoft.com/office/drawing/2014/main" xmlns="" id="{F3265B2E-3303-4A9F-BCF7-A62557DEBA1C}"/>
                 </a:ext>
               </a:extLst>
             </p:cNvPr>
@@ -17080,7 +18205,7 @@
           <p:cNvPr id="7" name="Group 34">
             <a:extLst>
               <a:ext uri="{FF2B5EF4-FFF2-40B4-BE49-F238E27FC236}">
-                <a16:creationId xmlns:a16="http://schemas.microsoft.com/office/drawing/2014/main" id="{CB293901-0938-4EA0-B8BF-1DAA19294D51}"/>
+                <a16:creationId xmlns:a16="http://schemas.microsoft.com/office/drawing/2014/main" xmlns="" id="{CB293901-0938-4EA0-B8BF-1DAA19294D51}"/>
               </a:ext>
             </a:extLst>
           </p:cNvPr>
@@ -17102,7 +18227,7 @@
             <p:cNvPr id="8" name="Object 6">
               <a:extLst>
                 <a:ext uri="{FF2B5EF4-FFF2-40B4-BE49-F238E27FC236}">
-                  <a16:creationId xmlns:a16="http://schemas.microsoft.com/office/drawing/2014/main" id="{9EFAE903-8703-4190-BE4C-77BEDA865BF2}"/>
+                  <a16:creationId xmlns:a16="http://schemas.microsoft.com/office/drawing/2014/main" xmlns="" id="{9EFAE903-8703-4190-BE4C-77BEDA865BF2}"/>
                 </a:ext>
               </a:extLst>
             </p:cNvPr>
@@ -17119,7 +18244,7 @@
             <a:graphicData uri="http://schemas.openxmlformats.org/presentationml/2006/ole">
               <mc:AlternateContent xmlns:mc="http://schemas.openxmlformats.org/markup-compatibility/2006">
                 <mc:Choice xmlns:v="urn:schemas-microsoft-com:vml" Requires="v">
-                  <p:oleObj spid="_x0000_s1154" name="Worksheet" r:id="rId3" imgW="1619701" imgH="2086337" progId="Excel.Sheet.8">
+                  <p:oleObj spid="_x0000_s1178" name="Worksheet" r:id="rId3" imgW="1619701" imgH="2086337" progId="Excel.Sheet.8">
                     <p:embed/>
                   </p:oleObj>
                 </mc:Choice>
@@ -17131,7 +18256,7 @@
                         <p:cNvPr id="17414" name="Object 6">
                           <a:extLst>
                             <a:ext uri="{FF2B5EF4-FFF2-40B4-BE49-F238E27FC236}">
-                              <a16:creationId xmlns:a16="http://schemas.microsoft.com/office/drawing/2014/main" id="{5CD481BF-8D2A-4BDD-9D07-A700683C2752}"/>
+                              <a16:creationId xmlns:a16="http://schemas.microsoft.com/office/drawing/2014/main" xmlns="" id="{5CD481BF-8D2A-4BDD-9D07-A700683C2752}"/>
                             </a:ext>
                           </a:extLst>
                         </p:cNvPr>
@@ -17207,7 +18332,7 @@
             <p:cNvPr id="9" name="Text Box 10">
               <a:extLst>
                 <a:ext uri="{FF2B5EF4-FFF2-40B4-BE49-F238E27FC236}">
-                  <a16:creationId xmlns:a16="http://schemas.microsoft.com/office/drawing/2014/main" id="{CFC4D741-1300-4B62-8E28-9C571DD111CE}"/>
+                  <a16:creationId xmlns:a16="http://schemas.microsoft.com/office/drawing/2014/main" xmlns="" id="{CFC4D741-1300-4B62-8E28-9C571DD111CE}"/>
                 </a:ext>
               </a:extLst>
             </p:cNvPr>
@@ -17286,7 +18411,7 @@
           <p:cNvPr id="10" name="Group 35">
             <a:extLst>
               <a:ext uri="{FF2B5EF4-FFF2-40B4-BE49-F238E27FC236}">
-                <a16:creationId xmlns:a16="http://schemas.microsoft.com/office/drawing/2014/main" id="{0E9AD13F-F20D-4CA0-846E-CA6F49030D23}"/>
+                <a16:creationId xmlns:a16="http://schemas.microsoft.com/office/drawing/2014/main" xmlns="" id="{0E9AD13F-F20D-4CA0-846E-CA6F49030D23}"/>
               </a:ext>
             </a:extLst>
           </p:cNvPr>
@@ -17308,7 +18433,7 @@
             <p:cNvPr id="11" name="Object 7">
               <a:extLst>
                 <a:ext uri="{FF2B5EF4-FFF2-40B4-BE49-F238E27FC236}">
-                  <a16:creationId xmlns:a16="http://schemas.microsoft.com/office/drawing/2014/main" id="{3519B3B6-CC51-4A89-83B1-86ED0F9208FA}"/>
+                  <a16:creationId xmlns:a16="http://schemas.microsoft.com/office/drawing/2014/main" xmlns="" id="{3519B3B6-CC51-4A89-83B1-86ED0F9208FA}"/>
                 </a:ext>
               </a:extLst>
             </p:cNvPr>
@@ -17325,7 +18450,7 @@
             <a:graphicData uri="http://schemas.openxmlformats.org/presentationml/2006/ole">
               <mc:AlternateContent xmlns:mc="http://schemas.openxmlformats.org/markup-compatibility/2006">
                 <mc:Choice xmlns:v="urn:schemas-microsoft-com:vml" Requires="v">
-                  <p:oleObj spid="_x0000_s1155" name="Worksheet" r:id="rId5" imgW="1619701" imgH="1743437" progId="Excel.Sheet.8">
+                  <p:oleObj spid="_x0000_s1179" name="Worksheet" r:id="rId5" imgW="1619701" imgH="1743437" progId="Excel.Sheet.8">
                     <p:embed/>
                   </p:oleObj>
                 </mc:Choice>
@@ -17337,7 +18462,7 @@
                         <p:cNvPr id="17415" name="Object 7">
                           <a:extLst>
                             <a:ext uri="{FF2B5EF4-FFF2-40B4-BE49-F238E27FC236}">
-                              <a16:creationId xmlns:a16="http://schemas.microsoft.com/office/drawing/2014/main" id="{D6BB46B8-4DE1-4609-B93C-4453F27A775E}"/>
+                              <a16:creationId xmlns:a16="http://schemas.microsoft.com/office/drawing/2014/main" xmlns="" id="{D6BB46B8-4DE1-4609-B93C-4453F27A775E}"/>
                             </a:ext>
                           </a:extLst>
                         </p:cNvPr>
@@ -17413,7 +18538,7 @@
             <p:cNvPr id="12" name="Text Box 11">
               <a:extLst>
                 <a:ext uri="{FF2B5EF4-FFF2-40B4-BE49-F238E27FC236}">
-                  <a16:creationId xmlns:a16="http://schemas.microsoft.com/office/drawing/2014/main" id="{BE828DDE-60B5-432A-BE55-C03ED48D92F0}"/>
+                  <a16:creationId xmlns:a16="http://schemas.microsoft.com/office/drawing/2014/main" xmlns="" id="{BE828DDE-60B5-432A-BE55-C03ED48D92F0}"/>
                 </a:ext>
               </a:extLst>
             </p:cNvPr>
@@ -17492,7 +18617,7 @@
           <p:cNvPr id="13" name="Group 39">
             <a:extLst>
               <a:ext uri="{FF2B5EF4-FFF2-40B4-BE49-F238E27FC236}">
-                <a16:creationId xmlns:a16="http://schemas.microsoft.com/office/drawing/2014/main" id="{70331E40-7389-474C-BEE4-ABE5A834C7C4}"/>
+                <a16:creationId xmlns:a16="http://schemas.microsoft.com/office/drawing/2014/main" xmlns="" id="{70331E40-7389-474C-BEE4-ABE5A834C7C4}"/>
               </a:ext>
             </a:extLst>
           </p:cNvPr>
@@ -17514,7 +18639,7 @@
             <p:cNvPr id="14" name="Object 14">
               <a:extLst>
                 <a:ext uri="{FF2B5EF4-FFF2-40B4-BE49-F238E27FC236}">
-                  <a16:creationId xmlns:a16="http://schemas.microsoft.com/office/drawing/2014/main" id="{C01B5AA0-822A-4638-B60E-29E403AE1A16}"/>
+                  <a16:creationId xmlns:a16="http://schemas.microsoft.com/office/drawing/2014/main" xmlns="" id="{C01B5AA0-822A-4638-B60E-29E403AE1A16}"/>
                 </a:ext>
               </a:extLst>
             </p:cNvPr>
@@ -17531,7 +18656,7 @@
             <a:graphicData uri="http://schemas.openxmlformats.org/presentationml/2006/ole">
               <mc:AlternateContent xmlns:mc="http://schemas.openxmlformats.org/markup-compatibility/2006">
                 <mc:Choice xmlns:v="urn:schemas-microsoft-com:vml" Requires="v">
-                  <p:oleObj spid="_x0000_s1156" name="Worksheet" r:id="rId7" imgW="1581421" imgH="1743437" progId="Excel.Sheet.8">
+                  <p:oleObj spid="_x0000_s1180" name="Worksheet" r:id="rId7" imgW="1581421" imgH="1743437" progId="Excel.Sheet.8">
                     <p:embed/>
                   </p:oleObj>
                 </mc:Choice>
@@ -17543,7 +18668,7 @@
                         <p:cNvPr id="17422" name="Object 14">
                           <a:extLst>
                             <a:ext uri="{FF2B5EF4-FFF2-40B4-BE49-F238E27FC236}">
-                              <a16:creationId xmlns:a16="http://schemas.microsoft.com/office/drawing/2014/main" id="{2D2AD031-5EC3-42E2-8DAB-7BB259B9C8E0}"/>
+                              <a16:creationId xmlns:a16="http://schemas.microsoft.com/office/drawing/2014/main" xmlns="" id="{2D2AD031-5EC3-42E2-8DAB-7BB259B9C8E0}"/>
                             </a:ext>
                           </a:extLst>
                         </p:cNvPr>
@@ -17619,7 +18744,7 @@
             <p:cNvPr id="15" name="Text Box 15">
               <a:extLst>
                 <a:ext uri="{FF2B5EF4-FFF2-40B4-BE49-F238E27FC236}">
-                  <a16:creationId xmlns:a16="http://schemas.microsoft.com/office/drawing/2014/main" id="{2A058950-6AD2-41C2-9D75-F42BA38EADB5}"/>
+                  <a16:creationId xmlns:a16="http://schemas.microsoft.com/office/drawing/2014/main" xmlns="" id="{2A058950-6AD2-41C2-9D75-F42BA38EADB5}"/>
                 </a:ext>
               </a:extLst>
             </p:cNvPr>
@@ -17698,7 +18823,7 @@
           <p:cNvPr id="16" name="Group 38">
             <a:extLst>
               <a:ext uri="{FF2B5EF4-FFF2-40B4-BE49-F238E27FC236}">
-                <a16:creationId xmlns:a16="http://schemas.microsoft.com/office/drawing/2014/main" id="{DE2FF377-64F3-45D1-85DF-449CD312584F}"/>
+                <a16:creationId xmlns:a16="http://schemas.microsoft.com/office/drawing/2014/main" xmlns="" id="{DE2FF377-64F3-45D1-85DF-449CD312584F}"/>
               </a:ext>
             </a:extLst>
           </p:cNvPr>
@@ -17720,7 +18845,7 @@
             <p:cNvPr id="17" name="Object 13">
               <a:extLst>
                 <a:ext uri="{FF2B5EF4-FFF2-40B4-BE49-F238E27FC236}">
-                  <a16:creationId xmlns:a16="http://schemas.microsoft.com/office/drawing/2014/main" id="{0E950F6A-CF5E-4CE4-A36B-4E5D7772873E}"/>
+                  <a16:creationId xmlns:a16="http://schemas.microsoft.com/office/drawing/2014/main" xmlns="" id="{0E950F6A-CF5E-4CE4-A36B-4E5D7772873E}"/>
                 </a:ext>
               </a:extLst>
             </p:cNvPr>
@@ -17737,7 +18862,7 @@
             <a:graphicData uri="http://schemas.openxmlformats.org/presentationml/2006/ole">
               <mc:AlternateContent xmlns:mc="http://schemas.openxmlformats.org/markup-compatibility/2006">
                 <mc:Choice xmlns:v="urn:schemas-microsoft-com:vml" Requires="v">
-                  <p:oleObj spid="_x0000_s1157" name="Worksheet" r:id="rId9" imgW="1581421" imgH="2429237" progId="Excel.Sheet.8">
+                  <p:oleObj spid="_x0000_s1181" name="Worksheet" r:id="rId9" imgW="1581421" imgH="2429237" progId="Excel.Sheet.8">
                     <p:embed/>
                   </p:oleObj>
                 </mc:Choice>
@@ -17749,7 +18874,7 @@
                         <p:cNvPr id="17421" name="Object 13">
                           <a:extLst>
                             <a:ext uri="{FF2B5EF4-FFF2-40B4-BE49-F238E27FC236}">
-                              <a16:creationId xmlns:a16="http://schemas.microsoft.com/office/drawing/2014/main" id="{81A6FAE5-2EAA-4207-ADF9-EA8F6641214B}"/>
+                              <a16:creationId xmlns:a16="http://schemas.microsoft.com/office/drawing/2014/main" xmlns="" id="{81A6FAE5-2EAA-4207-ADF9-EA8F6641214B}"/>
                             </a:ext>
                           </a:extLst>
                         </p:cNvPr>
@@ -17825,7 +18950,7 @@
             <p:cNvPr id="18" name="Text Box 16">
               <a:extLst>
                 <a:ext uri="{FF2B5EF4-FFF2-40B4-BE49-F238E27FC236}">
-                  <a16:creationId xmlns:a16="http://schemas.microsoft.com/office/drawing/2014/main" id="{2BB078C2-3B92-4028-BBCA-AD82B516E7CA}"/>
+                  <a16:creationId xmlns:a16="http://schemas.microsoft.com/office/drawing/2014/main" xmlns="" id="{2BB078C2-3B92-4028-BBCA-AD82B516E7CA}"/>
                 </a:ext>
               </a:extLst>
             </p:cNvPr>
@@ -17904,7 +19029,7 @@
           <p:cNvPr id="19" name="Group 36">
             <a:extLst>
               <a:ext uri="{FF2B5EF4-FFF2-40B4-BE49-F238E27FC236}">
-                <a16:creationId xmlns:a16="http://schemas.microsoft.com/office/drawing/2014/main" id="{BEE6C836-3AC5-47DA-9E7E-B625838BCC2B}"/>
+                <a16:creationId xmlns:a16="http://schemas.microsoft.com/office/drawing/2014/main" xmlns="" id="{BEE6C836-3AC5-47DA-9E7E-B625838BCC2B}"/>
               </a:ext>
             </a:extLst>
           </p:cNvPr>
@@ -17926,7 +19051,7 @@
             <p:cNvPr id="20" name="Object 12">
               <a:extLst>
                 <a:ext uri="{FF2B5EF4-FFF2-40B4-BE49-F238E27FC236}">
-                  <a16:creationId xmlns:a16="http://schemas.microsoft.com/office/drawing/2014/main" id="{ABC4328E-2A52-4C5D-B454-705CD8401EEB}"/>
+                  <a16:creationId xmlns:a16="http://schemas.microsoft.com/office/drawing/2014/main" xmlns="" id="{ABC4328E-2A52-4C5D-B454-705CD8401EEB}"/>
                 </a:ext>
               </a:extLst>
             </p:cNvPr>
@@ -17943,7 +19068,7 @@
             <a:graphicData uri="http://schemas.openxmlformats.org/presentationml/2006/ole">
               <mc:AlternateContent xmlns:mc="http://schemas.openxmlformats.org/markup-compatibility/2006">
                 <mc:Choice xmlns:v="urn:schemas-microsoft-com:vml" Requires="v">
-                  <p:oleObj spid="_x0000_s1158" name="Worksheet" r:id="rId11" imgW="990961" imgH="2429237" progId="Excel.Sheet.8">
+                  <p:oleObj spid="_x0000_s1182" name="Worksheet" r:id="rId11" imgW="990961" imgH="2429237" progId="Excel.Sheet.8">
                     <p:embed/>
                   </p:oleObj>
                 </mc:Choice>
@@ -17955,7 +19080,7 @@
                         <p:cNvPr id="17420" name="Object 12">
                           <a:extLst>
                             <a:ext uri="{FF2B5EF4-FFF2-40B4-BE49-F238E27FC236}">
-                              <a16:creationId xmlns:a16="http://schemas.microsoft.com/office/drawing/2014/main" id="{96464CD3-64A6-419D-8C31-B4E5BE66A23A}"/>
+                              <a16:creationId xmlns:a16="http://schemas.microsoft.com/office/drawing/2014/main" xmlns="" id="{96464CD3-64A6-419D-8C31-B4E5BE66A23A}"/>
                             </a:ext>
                           </a:extLst>
                         </p:cNvPr>
@@ -18031,7 +19156,7 @@
             <p:cNvPr id="21" name="Text Box 17">
               <a:extLst>
                 <a:ext uri="{FF2B5EF4-FFF2-40B4-BE49-F238E27FC236}">
-                  <a16:creationId xmlns:a16="http://schemas.microsoft.com/office/drawing/2014/main" id="{4870761F-1AF2-4E0B-BDC1-D631E99FE321}"/>
+                  <a16:creationId xmlns:a16="http://schemas.microsoft.com/office/drawing/2014/main" xmlns="" id="{4870761F-1AF2-4E0B-BDC1-D631E99FE321}"/>
                 </a:ext>
               </a:extLst>
             </p:cNvPr>
@@ -18110,7 +19235,7 @@
           <p:cNvPr id="22" name="Group 37">
             <a:extLst>
               <a:ext uri="{FF2B5EF4-FFF2-40B4-BE49-F238E27FC236}">
-                <a16:creationId xmlns:a16="http://schemas.microsoft.com/office/drawing/2014/main" id="{DEA68E29-20DB-461C-B6CB-03F20D2B614D}"/>
+                <a16:creationId xmlns:a16="http://schemas.microsoft.com/office/drawing/2014/main" xmlns="" id="{DEA68E29-20DB-461C-B6CB-03F20D2B614D}"/>
               </a:ext>
             </a:extLst>
           </p:cNvPr>
@@ -18132,7 +19257,7 @@
             <p:cNvPr id="23" name="Line 18">
               <a:extLst>
                 <a:ext uri="{FF2B5EF4-FFF2-40B4-BE49-F238E27FC236}">
-                  <a16:creationId xmlns:a16="http://schemas.microsoft.com/office/drawing/2014/main" id="{B049B342-B239-408B-9C52-6356D6BF84C0}"/>
+                  <a16:creationId xmlns:a16="http://schemas.microsoft.com/office/drawing/2014/main" xmlns="" id="{B049B342-B239-408B-9C52-6356D6BF84C0}"/>
                 </a:ext>
               </a:extLst>
             </p:cNvPr>
@@ -18191,7 +19316,7 @@
             <p:cNvPr id="24" name="Text Box 19">
               <a:extLst>
                 <a:ext uri="{FF2B5EF4-FFF2-40B4-BE49-F238E27FC236}">
-                  <a16:creationId xmlns:a16="http://schemas.microsoft.com/office/drawing/2014/main" id="{6639DC7D-946B-4B64-92A6-55FBBCB376CC}"/>
+                  <a16:creationId xmlns:a16="http://schemas.microsoft.com/office/drawing/2014/main" xmlns="" id="{6639DC7D-946B-4B64-92A6-55FBBCB376CC}"/>
                 </a:ext>
               </a:extLst>
             </p:cNvPr>
@@ -18264,7 +19389,7 @@
           <p:cNvPr id="25" name="AutoShape 20">
             <a:extLst>
               <a:ext uri="{FF2B5EF4-FFF2-40B4-BE49-F238E27FC236}">
-                <a16:creationId xmlns:a16="http://schemas.microsoft.com/office/drawing/2014/main" id="{0C0EC895-0E5D-4B27-9DB5-B85C96132CE6}"/>
+                <a16:creationId xmlns:a16="http://schemas.microsoft.com/office/drawing/2014/main" xmlns="" id="{0C0EC895-0E5D-4B27-9DB5-B85C96132CE6}"/>
               </a:ext>
             </a:extLst>
           </p:cNvPr>
@@ -18324,7 +19449,7 @@
           <p:cNvPr id="26" name="Group 40">
             <a:extLst>
               <a:ext uri="{FF2B5EF4-FFF2-40B4-BE49-F238E27FC236}">
-                <a16:creationId xmlns:a16="http://schemas.microsoft.com/office/drawing/2014/main" id="{1813FCB3-D2CB-480A-9BA0-225B38E6BAEA}"/>
+                <a16:creationId xmlns:a16="http://schemas.microsoft.com/office/drawing/2014/main" xmlns="" id="{1813FCB3-D2CB-480A-9BA0-225B38E6BAEA}"/>
               </a:ext>
             </a:extLst>
           </p:cNvPr>
@@ -18346,7 +19471,7 @@
             <p:cNvPr id="27" name="Text Box 22">
               <a:extLst>
                 <a:ext uri="{FF2B5EF4-FFF2-40B4-BE49-F238E27FC236}">
-                  <a16:creationId xmlns:a16="http://schemas.microsoft.com/office/drawing/2014/main" id="{AC35281B-AA01-4710-BE69-224B668785EA}"/>
+                  <a16:creationId xmlns:a16="http://schemas.microsoft.com/office/drawing/2014/main" xmlns="" id="{AC35281B-AA01-4710-BE69-224B668785EA}"/>
                 </a:ext>
               </a:extLst>
             </p:cNvPr>
@@ -18424,7 +19549,7 @@
             <p:cNvPr id="28" name="Object 24">
               <a:extLst>
                 <a:ext uri="{FF2B5EF4-FFF2-40B4-BE49-F238E27FC236}">
-                  <a16:creationId xmlns:a16="http://schemas.microsoft.com/office/drawing/2014/main" id="{F1425A32-135A-455F-BFC9-B3C0C53201FF}"/>
+                  <a16:creationId xmlns:a16="http://schemas.microsoft.com/office/drawing/2014/main" xmlns="" id="{F1425A32-135A-455F-BFC9-B3C0C53201FF}"/>
                 </a:ext>
               </a:extLst>
             </p:cNvPr>
@@ -18441,7 +19566,7 @@
             <a:graphicData uri="http://schemas.openxmlformats.org/presentationml/2006/ole">
               <mc:AlternateContent xmlns:mc="http://schemas.openxmlformats.org/markup-compatibility/2006">
                 <mc:Choice xmlns:v="urn:schemas-microsoft-com:vml" Requires="v">
-                  <p:oleObj spid="_x0000_s1159" name="Worksheet" r:id="rId13" imgW="990961" imgH="714737" progId="Excel.Sheet.8">
+                  <p:oleObj spid="_x0000_s1183" name="Worksheet" r:id="rId13" imgW="990961" imgH="714737" progId="Excel.Sheet.8">
                     <p:embed/>
                   </p:oleObj>
                 </mc:Choice>
@@ -18453,7 +19578,7 @@
                         <p:cNvPr id="17432" name="Object 24">
                           <a:extLst>
                             <a:ext uri="{FF2B5EF4-FFF2-40B4-BE49-F238E27FC236}">
-                              <a16:creationId xmlns:a16="http://schemas.microsoft.com/office/drawing/2014/main" id="{12468C05-80F8-4086-AE92-984BB47E5BBC}"/>
+                              <a16:creationId xmlns:a16="http://schemas.microsoft.com/office/drawing/2014/main" xmlns="" id="{12468C05-80F8-4086-AE92-984BB47E5BBC}"/>
                             </a:ext>
                           </a:extLst>
                         </p:cNvPr>
@@ -18530,7 +19655,7 @@
           <p:cNvPr id="29" name="Group 41">
             <a:extLst>
               <a:ext uri="{FF2B5EF4-FFF2-40B4-BE49-F238E27FC236}">
-                <a16:creationId xmlns:a16="http://schemas.microsoft.com/office/drawing/2014/main" id="{0694CB0C-B5CF-4132-B4F1-B6DABC170C6B}"/>
+                <a16:creationId xmlns:a16="http://schemas.microsoft.com/office/drawing/2014/main" xmlns="" id="{0694CB0C-B5CF-4132-B4F1-B6DABC170C6B}"/>
               </a:ext>
             </a:extLst>
           </p:cNvPr>
@@ -18552,7 +19677,7 @@
             <p:cNvPr id="30" name="Line 21">
               <a:extLst>
                 <a:ext uri="{FF2B5EF4-FFF2-40B4-BE49-F238E27FC236}">
-                  <a16:creationId xmlns:a16="http://schemas.microsoft.com/office/drawing/2014/main" id="{383F4C96-905B-4748-8854-4742D7FD94AF}"/>
+                  <a16:creationId xmlns:a16="http://schemas.microsoft.com/office/drawing/2014/main" xmlns="" id="{383F4C96-905B-4748-8854-4742D7FD94AF}"/>
                 </a:ext>
               </a:extLst>
             </p:cNvPr>
@@ -18611,7 +19736,7 @@
             <p:cNvPr id="31" name="Text Box 25">
               <a:extLst>
                 <a:ext uri="{FF2B5EF4-FFF2-40B4-BE49-F238E27FC236}">
-                  <a16:creationId xmlns:a16="http://schemas.microsoft.com/office/drawing/2014/main" id="{ADA9908D-5B5A-48E3-A59B-24B7ECB431C2}"/>
+                  <a16:creationId xmlns:a16="http://schemas.microsoft.com/office/drawing/2014/main" xmlns="" id="{ADA9908D-5B5A-48E3-A59B-24B7ECB431C2}"/>
                 </a:ext>
               </a:extLst>
             </p:cNvPr>
@@ -18684,7 +19809,7 @@
           <p:cNvPr id="32" name="Group 42">
             <a:extLst>
               <a:ext uri="{FF2B5EF4-FFF2-40B4-BE49-F238E27FC236}">
-                <a16:creationId xmlns:a16="http://schemas.microsoft.com/office/drawing/2014/main" id="{CD1FFFEB-5FD4-46D1-BDE4-D0B58843F80F}"/>
+                <a16:creationId xmlns:a16="http://schemas.microsoft.com/office/drawing/2014/main" xmlns="" id="{CD1FFFEB-5FD4-46D1-BDE4-D0B58843F80F}"/>
               </a:ext>
             </a:extLst>
           </p:cNvPr>
@@ -18706,7 +19831,7 @@
             <p:cNvPr id="33" name="Text Box 23">
               <a:extLst>
                 <a:ext uri="{FF2B5EF4-FFF2-40B4-BE49-F238E27FC236}">
-                  <a16:creationId xmlns:a16="http://schemas.microsoft.com/office/drawing/2014/main" id="{715C6DA2-66D4-4693-9D42-EC489A9B7E95}"/>
+                  <a16:creationId xmlns:a16="http://schemas.microsoft.com/office/drawing/2014/main" xmlns="" id="{715C6DA2-66D4-4693-9D42-EC489A9B7E95}"/>
                 </a:ext>
               </a:extLst>
             </p:cNvPr>
@@ -18784,7 +19909,7 @@
             <p:cNvPr id="34" name="Object 26">
               <a:extLst>
                 <a:ext uri="{FF2B5EF4-FFF2-40B4-BE49-F238E27FC236}">
-                  <a16:creationId xmlns:a16="http://schemas.microsoft.com/office/drawing/2014/main" id="{AC6A33C9-7B33-49E9-BB9D-FADCD4A82598}"/>
+                  <a16:creationId xmlns:a16="http://schemas.microsoft.com/office/drawing/2014/main" xmlns="" id="{AC6A33C9-7B33-49E9-BB9D-FADCD4A82598}"/>
                 </a:ext>
               </a:extLst>
             </p:cNvPr>
@@ -18801,7 +19926,7 @@
             <a:graphicData uri="http://schemas.openxmlformats.org/presentationml/2006/ole">
               <mc:AlternateContent xmlns:mc="http://schemas.openxmlformats.org/markup-compatibility/2006">
                 <mc:Choice xmlns:v="urn:schemas-microsoft-com:vml" Requires="v">
-                  <p:oleObj spid="_x0000_s1160" name="Worksheet" r:id="rId15" imgW="1581421" imgH="705332" progId="Excel.Sheet.8">
+                  <p:oleObj spid="_x0000_s1184" name="Worksheet" r:id="rId15" imgW="1581421" imgH="705332" progId="Excel.Sheet.8">
                     <p:embed/>
                   </p:oleObj>
                 </mc:Choice>
@@ -18813,7 +19938,7 @@
                         <p:cNvPr id="17434" name="Object 26">
                           <a:extLst>
                             <a:ext uri="{FF2B5EF4-FFF2-40B4-BE49-F238E27FC236}">
-                              <a16:creationId xmlns:a16="http://schemas.microsoft.com/office/drawing/2014/main" id="{99D7969D-2554-4E18-BE6B-507174FDBDAD}"/>
+                              <a16:creationId xmlns:a16="http://schemas.microsoft.com/office/drawing/2014/main" xmlns="" id="{99D7969D-2554-4E18-BE6B-507174FDBDAD}"/>
                             </a:ext>
                           </a:extLst>
                         </p:cNvPr>
@@ -18890,7 +20015,7 @@
           <p:cNvPr id="35" name="AutoShape 27">
             <a:extLst>
               <a:ext uri="{FF2B5EF4-FFF2-40B4-BE49-F238E27FC236}">
-                <a16:creationId xmlns:a16="http://schemas.microsoft.com/office/drawing/2014/main" id="{2A54AF26-D0A8-4195-A57E-E1F8C18B9B08}"/>
+                <a16:creationId xmlns:a16="http://schemas.microsoft.com/office/drawing/2014/main" xmlns="" id="{2A54AF26-D0A8-4195-A57E-E1F8C18B9B08}"/>
               </a:ext>
             </a:extLst>
           </p:cNvPr>
@@ -18950,7 +20075,7 @@
           <p:cNvPr id="36" name="Line 28">
             <a:extLst>
               <a:ext uri="{FF2B5EF4-FFF2-40B4-BE49-F238E27FC236}">
-                <a16:creationId xmlns:a16="http://schemas.microsoft.com/office/drawing/2014/main" id="{F0700E37-1BCF-4F2C-A819-3221BC5F0376}"/>
+                <a16:creationId xmlns:a16="http://schemas.microsoft.com/office/drawing/2014/main" xmlns="" id="{F0700E37-1BCF-4F2C-A819-3221BC5F0376}"/>
               </a:ext>
             </a:extLst>
           </p:cNvPr>
@@ -19009,7 +20134,7 @@
           <p:cNvPr id="37" name="Line 29">
             <a:extLst>
               <a:ext uri="{FF2B5EF4-FFF2-40B4-BE49-F238E27FC236}">
-                <a16:creationId xmlns:a16="http://schemas.microsoft.com/office/drawing/2014/main" id="{A9F7390C-633D-472B-8F77-83056B534BE3}"/>
+                <a16:creationId xmlns:a16="http://schemas.microsoft.com/office/drawing/2014/main" xmlns="" id="{A9F7390C-633D-472B-8F77-83056B534BE3}"/>
               </a:ext>
             </a:extLst>
           </p:cNvPr>
@@ -19068,7 +20193,7 @@
           <p:cNvPr id="38" name="Group 32">
             <a:extLst>
               <a:ext uri="{FF2B5EF4-FFF2-40B4-BE49-F238E27FC236}">
-                <a16:creationId xmlns:a16="http://schemas.microsoft.com/office/drawing/2014/main" id="{A211E43D-6C28-40BD-83A2-90C4984FF494}"/>
+                <a16:creationId xmlns:a16="http://schemas.microsoft.com/office/drawing/2014/main" xmlns="" id="{A211E43D-6C28-40BD-83A2-90C4984FF494}"/>
               </a:ext>
             </a:extLst>
           </p:cNvPr>
@@ -19090,7 +20215,7 @@
             <p:cNvPr id="39" name="Object 5">
               <a:extLst>
                 <a:ext uri="{FF2B5EF4-FFF2-40B4-BE49-F238E27FC236}">
-                  <a16:creationId xmlns:a16="http://schemas.microsoft.com/office/drawing/2014/main" id="{E81C4B32-7056-4F08-83B5-84B8189738FA}"/>
+                  <a16:creationId xmlns:a16="http://schemas.microsoft.com/office/drawing/2014/main" xmlns="" id="{E81C4B32-7056-4F08-83B5-84B8189738FA}"/>
                 </a:ext>
               </a:extLst>
             </p:cNvPr>
@@ -19107,7 +20232,7 @@
             <a:graphicData uri="http://schemas.openxmlformats.org/presentationml/2006/ole">
               <mc:AlternateContent xmlns:mc="http://schemas.openxmlformats.org/markup-compatibility/2006">
                 <mc:Choice xmlns:v="urn:schemas-microsoft-com:vml" Requires="v">
-                  <p:oleObj spid="_x0000_s1161" name="Worksheet" r:id="rId17" imgW="1667372" imgH="1743437" progId="Excel.Sheet.8">
+                  <p:oleObj spid="_x0000_s1185" name="Worksheet" r:id="rId17" imgW="1667372" imgH="1743437" progId="Excel.Sheet.8">
                     <p:embed/>
                   </p:oleObj>
                 </mc:Choice>
@@ -19119,7 +20244,7 @@
                         <p:cNvPr id="17413" name="Object 5">
                           <a:extLst>
                             <a:ext uri="{FF2B5EF4-FFF2-40B4-BE49-F238E27FC236}">
-                              <a16:creationId xmlns:a16="http://schemas.microsoft.com/office/drawing/2014/main" id="{091C8C88-A209-4BED-812E-2EE0FAD36D96}"/>
+                              <a16:creationId xmlns:a16="http://schemas.microsoft.com/office/drawing/2014/main" xmlns="" id="{091C8C88-A209-4BED-812E-2EE0FAD36D96}"/>
                             </a:ext>
                           </a:extLst>
                         </p:cNvPr>
@@ -19195,7 +20320,7 @@
             <p:cNvPr id="40" name="Text Box 30">
               <a:extLst>
                 <a:ext uri="{FF2B5EF4-FFF2-40B4-BE49-F238E27FC236}">
-                  <a16:creationId xmlns:a16="http://schemas.microsoft.com/office/drawing/2014/main" id="{7605F7F0-182D-4AAD-9179-913F89E1967B}"/>
+                  <a16:creationId xmlns:a16="http://schemas.microsoft.com/office/drawing/2014/main" xmlns="" id="{7605F7F0-182D-4AAD-9179-913F89E1967B}"/>
                 </a:ext>
               </a:extLst>
             </p:cNvPr>
@@ -19263,7 +20388,7 @@
           <p:cNvPr id="41" name="Text Box 31">
             <a:extLst>
               <a:ext uri="{FF2B5EF4-FFF2-40B4-BE49-F238E27FC236}">
-                <a16:creationId xmlns:a16="http://schemas.microsoft.com/office/drawing/2014/main" id="{21CBA6B9-BBBE-4310-969B-A1203205B7AF}"/>
+                <a16:creationId xmlns:a16="http://schemas.microsoft.com/office/drawing/2014/main" xmlns="" id="{21CBA6B9-BBBE-4310-969B-A1203205B7AF}"/>
               </a:ext>
             </a:extLst>
           </p:cNvPr>
@@ -20245,7 +21370,7 @@
           <p:cNvPr id="2" name="Title 1">
             <a:extLst>
               <a:ext uri="{FF2B5EF4-FFF2-40B4-BE49-F238E27FC236}">
-                <a16:creationId xmlns:a16="http://schemas.microsoft.com/office/drawing/2014/main" id="{0B4CB293-B83B-49F2-942D-2A78943D077A}"/>
+                <a16:creationId xmlns:a16="http://schemas.microsoft.com/office/drawing/2014/main" xmlns="" id="{0B4CB293-B83B-49F2-942D-2A78943D077A}"/>
               </a:ext>
             </a:extLst>
           </p:cNvPr>
@@ -20275,7 +21400,7 @@
               <p:cNvPr id="3" name="Content Placeholder 2">
                 <a:extLst>
                   <a:ext uri="{FF2B5EF4-FFF2-40B4-BE49-F238E27FC236}">
-                    <a16:creationId xmlns:a16="http://schemas.microsoft.com/office/drawing/2014/main" id="{1E882075-0678-42DD-854C-6915735737F9}"/>
+                    <a16:creationId xmlns:a16="http://schemas.microsoft.com/office/drawing/2014/main" xmlns="" id="{1E882075-0678-42DD-854C-6915735737F9}"/>
                   </a:ext>
                 </a:extLst>
               </p:cNvPr>
@@ -20497,7 +21622,7 @@
           <p:cNvPr id="2" name="Title 1">
             <a:extLst>
               <a:ext uri="{FF2B5EF4-FFF2-40B4-BE49-F238E27FC236}">
-                <a16:creationId xmlns:a16="http://schemas.microsoft.com/office/drawing/2014/main" id="{1DF18378-58F8-489D-B1C9-AB5D423C932D}"/>
+                <a16:creationId xmlns:a16="http://schemas.microsoft.com/office/drawing/2014/main" xmlns="" id="{1DF18378-58F8-489D-B1C9-AB5D423C932D}"/>
               </a:ext>
             </a:extLst>
           </p:cNvPr>
@@ -20525,7 +21650,7 @@
           <p:cNvPr id="3" name="Content Placeholder 2">
             <a:extLst>
               <a:ext uri="{FF2B5EF4-FFF2-40B4-BE49-F238E27FC236}">
-                <a16:creationId xmlns:a16="http://schemas.microsoft.com/office/drawing/2014/main" id="{FC2AABC1-3E62-46B6-903C-C92256F26B1A}"/>
+                <a16:creationId xmlns:a16="http://schemas.microsoft.com/office/drawing/2014/main" xmlns="" id="{FC2AABC1-3E62-46B6-903C-C92256F26B1A}"/>
               </a:ext>
             </a:extLst>
           </p:cNvPr>
@@ -20621,7 +21746,7 @@
           <p:cNvPr id="5" name="Picture 4">
             <a:extLst>
               <a:ext uri="{FF2B5EF4-FFF2-40B4-BE49-F238E27FC236}">
-                <a16:creationId xmlns:a16="http://schemas.microsoft.com/office/drawing/2014/main" id="{13DC77AA-97A2-4DA9-9D5E-4F38A01D1797}"/>
+                <a16:creationId xmlns:a16="http://schemas.microsoft.com/office/drawing/2014/main" xmlns="" id="{13DC77AA-97A2-4DA9-9D5E-4F38A01D1797}"/>
               </a:ext>
             </a:extLst>
           </p:cNvPr>
@@ -20657,7 +21782,7 @@
           <p:cNvPr id="6" name="Group 36">
             <a:extLst>
               <a:ext uri="{FF2B5EF4-FFF2-40B4-BE49-F238E27FC236}">
-                <a16:creationId xmlns:a16="http://schemas.microsoft.com/office/drawing/2014/main" id="{A912F738-B3B6-4898-AB1C-0B429CCD6435}"/>
+                <a16:creationId xmlns:a16="http://schemas.microsoft.com/office/drawing/2014/main" xmlns="" id="{A912F738-B3B6-4898-AB1C-0B429CCD6435}"/>
               </a:ext>
             </a:extLst>
           </p:cNvPr>
@@ -20679,7 +21804,7 @@
             <p:cNvPr id="7" name="Object 12">
               <a:extLst>
                 <a:ext uri="{FF2B5EF4-FFF2-40B4-BE49-F238E27FC236}">
-                  <a16:creationId xmlns:a16="http://schemas.microsoft.com/office/drawing/2014/main" id="{2041C47F-C49A-44C3-B5CB-06280891FC34}"/>
+                  <a16:creationId xmlns:a16="http://schemas.microsoft.com/office/drawing/2014/main" xmlns="" id="{2041C47F-C49A-44C3-B5CB-06280891FC34}"/>
                 </a:ext>
               </a:extLst>
             </p:cNvPr>
@@ -20696,7 +21821,7 @@
             <a:graphicData uri="http://schemas.openxmlformats.org/presentationml/2006/ole">
               <mc:AlternateContent xmlns:mc="http://schemas.openxmlformats.org/markup-compatibility/2006">
                 <mc:Choice xmlns:v="urn:schemas-microsoft-com:vml" Requires="v">
-                  <p:oleObj spid="_x0000_s2052" name="Worksheet" r:id="rId5" imgW="990961" imgH="2429237" progId="Excel.Sheet.8">
+                  <p:oleObj spid="_x0000_s2055" name="Worksheet" r:id="rId5" imgW="990961" imgH="2429237" progId="Excel.Sheet.8">
                     <p:embed/>
                   </p:oleObj>
                 </mc:Choice>
@@ -20708,7 +21833,7 @@
                         <p:cNvPr id="20" name="Object 12">
                           <a:extLst>
                             <a:ext uri="{FF2B5EF4-FFF2-40B4-BE49-F238E27FC236}">
-                              <a16:creationId xmlns:a16="http://schemas.microsoft.com/office/drawing/2014/main" id="{ABC4328E-2A52-4C5D-B454-705CD8401EEB}"/>
+                              <a16:creationId xmlns:a16="http://schemas.microsoft.com/office/drawing/2014/main" xmlns="" id="{ABC4328E-2A52-4C5D-B454-705CD8401EEB}"/>
                             </a:ext>
                           </a:extLst>
                         </p:cNvPr>
@@ -20784,7 +21909,7 @@
             <p:cNvPr id="8" name="Text Box 17">
               <a:extLst>
                 <a:ext uri="{FF2B5EF4-FFF2-40B4-BE49-F238E27FC236}">
-                  <a16:creationId xmlns:a16="http://schemas.microsoft.com/office/drawing/2014/main" id="{C04763A3-B02A-49CF-B429-E685FA690F58}"/>
+                  <a16:creationId xmlns:a16="http://schemas.microsoft.com/office/drawing/2014/main" xmlns="" id="{C04763A3-B02A-49CF-B429-E685FA690F58}"/>
                 </a:ext>
               </a:extLst>
             </p:cNvPr>
@@ -20893,7 +22018,7 @@
           <p:cNvPr id="2" name="Title 1">
             <a:extLst>
               <a:ext uri="{FF2B5EF4-FFF2-40B4-BE49-F238E27FC236}">
-                <a16:creationId xmlns:a16="http://schemas.microsoft.com/office/drawing/2014/main" id="{715A062E-FC27-461B-8E5E-7ED82E8C9F46}"/>
+                <a16:creationId xmlns:a16="http://schemas.microsoft.com/office/drawing/2014/main" xmlns="" id="{715A062E-FC27-461B-8E5E-7ED82E8C9F46}"/>
               </a:ext>
             </a:extLst>
           </p:cNvPr>
@@ -20921,7 +22046,7 @@
           <p:cNvPr id="3" name="Content Placeholder 2">
             <a:extLst>
               <a:ext uri="{FF2B5EF4-FFF2-40B4-BE49-F238E27FC236}">
-                <a16:creationId xmlns:a16="http://schemas.microsoft.com/office/drawing/2014/main" id="{6D461113-065C-4BFE-8F23-1599D2D6D7DD}"/>
+                <a16:creationId xmlns:a16="http://schemas.microsoft.com/office/drawing/2014/main" xmlns="" id="{6D461113-065C-4BFE-8F23-1599D2D6D7DD}"/>
               </a:ext>
             </a:extLst>
           </p:cNvPr>
@@ -21042,7 +22167,7 @@
           <p:cNvPr id="2" name="Title 1">
             <a:extLst>
               <a:ext uri="{FF2B5EF4-FFF2-40B4-BE49-F238E27FC236}">
-                <a16:creationId xmlns:a16="http://schemas.microsoft.com/office/drawing/2014/main" id="{715A062E-FC27-461B-8E5E-7ED82E8C9F46}"/>
+                <a16:creationId xmlns:a16="http://schemas.microsoft.com/office/drawing/2014/main" xmlns="" id="{715A062E-FC27-461B-8E5E-7ED82E8C9F46}"/>
               </a:ext>
             </a:extLst>
           </p:cNvPr>
@@ -21070,7 +22195,7 @@
           <p:cNvPr id="3" name="Content Placeholder 2">
             <a:extLst>
               <a:ext uri="{FF2B5EF4-FFF2-40B4-BE49-F238E27FC236}">
-                <a16:creationId xmlns:a16="http://schemas.microsoft.com/office/drawing/2014/main" id="{6D461113-065C-4BFE-8F23-1599D2D6D7DD}"/>
+                <a16:creationId xmlns:a16="http://schemas.microsoft.com/office/drawing/2014/main" xmlns="" id="{6D461113-065C-4BFE-8F23-1599D2D6D7DD}"/>
               </a:ext>
             </a:extLst>
           </p:cNvPr>
@@ -21162,7 +22287,7 @@
           <p:cNvPr id="2" name="Title 1">
             <a:extLst>
               <a:ext uri="{FF2B5EF4-FFF2-40B4-BE49-F238E27FC236}">
-                <a16:creationId xmlns:a16="http://schemas.microsoft.com/office/drawing/2014/main" id="{6A6B96D0-884D-43BE-BE54-B9B0782CFBC5}"/>
+                <a16:creationId xmlns:a16="http://schemas.microsoft.com/office/drawing/2014/main" xmlns="" id="{6A6B96D0-884D-43BE-BE54-B9B0782CFBC5}"/>
               </a:ext>
             </a:extLst>
           </p:cNvPr>
@@ -21185,14 +22310,14 @@
           </a:p>
         </p:txBody>
       </p:sp>
-      <mc:AlternateContent xmlns:mc="http://schemas.openxmlformats.org/markup-compatibility/2006">
-        <mc:Choice xmlns:a14="http://schemas.microsoft.com/office/drawing/2010/main" Requires="a14">
+      <mc:AlternateContent xmlns:mc="http://schemas.openxmlformats.org/markup-compatibility/2006" xmlns:a14="http://schemas.microsoft.com/office/drawing/2010/main">
+        <mc:Choice Requires="a14">
           <p:sp>
             <p:nvSpPr>
               <p:cNvPr id="3" name="Content Placeholder 2">
                 <a:extLst>
                   <a:ext uri="{FF2B5EF4-FFF2-40B4-BE49-F238E27FC236}">
-                    <a16:creationId xmlns:a16="http://schemas.microsoft.com/office/drawing/2014/main" id="{6EF9D764-162E-4671-937D-F0902553948B}"/>
+                    <a16:creationId xmlns:a16="http://schemas.microsoft.com/office/drawing/2014/main" xmlns="" id="{6EF9D764-162E-4671-937D-F0902553948B}"/>
                   </a:ext>
                 </a:extLst>
               </p:cNvPr>
@@ -21331,13 +22456,7 @@
                                 <a:rPr lang="en-US" i="1">
                                   <a:latin typeface="Cambria Math" panose="02040503050406030204" pitchFamily="18" charset="0"/>
                                 </a:rPr>
-                                <m:t>1</m:t>
-                              </m:r>
-                              <m:r>
-                                <a:rPr lang="en-US" i="1">
-                                  <a:latin typeface="Cambria Math" panose="02040503050406030204" pitchFamily="18" charset="0"/>
-                                </a:rPr>
-                                <m:t>  </m:t>
+                                <m:t>1  </m:t>
                               </m:r>
                               <m:r>
                                 <a:rPr lang="en-US" i="1">
@@ -21407,13 +22526,7 @@
                                 <a:rPr lang="en-US" i="1">
                                   <a:latin typeface="Cambria Math" panose="02040503050406030204" pitchFamily="18" charset="0"/>
                                 </a:rPr>
-                                <m:t>0</m:t>
-                              </m:r>
-                              <m:r>
-                                <a:rPr lang="en-US" i="1">
-                                  <a:latin typeface="Cambria Math" panose="02040503050406030204" pitchFamily="18" charset="0"/>
-                                </a:rPr>
-                                <m:t> </m:t>
+                                <m:t>0 </m:t>
                               </m:r>
                               <m:r>
                                 <a:rPr lang="en-US" i="1">
@@ -21629,7 +22742,7 @@
             </p:txBody>
           </p:sp>
         </mc:Choice>
-        <mc:Fallback>
+        <mc:Fallback xmlns="">
           <p:sp>
             <p:nvSpPr>
               <p:cNvPr id="3" name="Content Placeholder 2">
@@ -21674,7 +22787,7 @@
           <p:cNvPr id="4" name="Table 3">
             <a:extLst>
               <a:ext uri="{FF2B5EF4-FFF2-40B4-BE49-F238E27FC236}">
-                <a16:creationId xmlns:a16="http://schemas.microsoft.com/office/drawing/2014/main" id="{3211E34D-73B7-4FE4-A338-C3809B0F3CFD}"/>
+                <a16:creationId xmlns:a16="http://schemas.microsoft.com/office/drawing/2014/main" xmlns="" id="{3211E34D-73B7-4FE4-A338-C3809B0F3CFD}"/>
               </a:ext>
             </a:extLst>
           </p:cNvPr>
@@ -21703,7 +22816,7 @@
                 <a:gridCol w="1155671">
                   <a:extLst>
                     <a:ext uri="{9D8B030D-6E8A-4147-A177-3AD203B41FA5}">
-                      <a16:colId xmlns:a16="http://schemas.microsoft.com/office/drawing/2014/main" val="698375491"/>
+                      <a16:colId xmlns:a16="http://schemas.microsoft.com/office/drawing/2014/main" xmlns="" val="698375491"/>
                     </a:ext>
                   </a:extLst>
                 </a:gridCol>
@@ -21724,7 +22837,7 @@
                 </a:tc>
                 <a:extLst>
                   <a:ext uri="{0D108BD9-81ED-4DB2-BD59-A6C34878D82A}">
-                    <a16:rowId xmlns:a16="http://schemas.microsoft.com/office/drawing/2014/main" val="267870579"/>
+                    <a16:rowId xmlns:a16="http://schemas.microsoft.com/office/drawing/2014/main" xmlns="" val="267870579"/>
                   </a:ext>
                 </a:extLst>
               </a:tr>
@@ -21744,7 +22857,7 @@
                 </a:tc>
                 <a:extLst>
                   <a:ext uri="{0D108BD9-81ED-4DB2-BD59-A6C34878D82A}">
-                    <a16:rowId xmlns:a16="http://schemas.microsoft.com/office/drawing/2014/main" val="3552247373"/>
+                    <a16:rowId xmlns:a16="http://schemas.microsoft.com/office/drawing/2014/main" xmlns="" val="3552247373"/>
                   </a:ext>
                 </a:extLst>
               </a:tr>
@@ -21764,7 +22877,7 @@
                 </a:tc>
                 <a:extLst>
                   <a:ext uri="{0D108BD9-81ED-4DB2-BD59-A6C34878D82A}">
-                    <a16:rowId xmlns:a16="http://schemas.microsoft.com/office/drawing/2014/main" val="369619842"/>
+                    <a16:rowId xmlns:a16="http://schemas.microsoft.com/office/drawing/2014/main" xmlns="" val="369619842"/>
                   </a:ext>
                 </a:extLst>
               </a:tr>
@@ -21784,7 +22897,7 @@
                 </a:tc>
                 <a:extLst>
                   <a:ext uri="{0D108BD9-81ED-4DB2-BD59-A6C34878D82A}">
-                    <a16:rowId xmlns:a16="http://schemas.microsoft.com/office/drawing/2014/main" val="1463572987"/>
+                    <a16:rowId xmlns:a16="http://schemas.microsoft.com/office/drawing/2014/main" xmlns="" val="1463572987"/>
                   </a:ext>
                 </a:extLst>
               </a:tr>
@@ -21797,7 +22910,7 @@
           <p:cNvPr id="5" name="TextBox 4">
             <a:extLst>
               <a:ext uri="{FF2B5EF4-FFF2-40B4-BE49-F238E27FC236}">
-                <a16:creationId xmlns:a16="http://schemas.microsoft.com/office/drawing/2014/main" id="{B1C9529E-B2B3-4628-ADB2-D06DC4892F73}"/>
+                <a16:creationId xmlns:a16="http://schemas.microsoft.com/office/drawing/2014/main" xmlns="" id="{B1C9529E-B2B3-4628-ADB2-D06DC4892F73}"/>
               </a:ext>
             </a:extLst>
           </p:cNvPr>
@@ -21832,7 +22945,7 @@
           <p:cNvPr id="6" name="TextBox 5">
             <a:extLst>
               <a:ext uri="{FF2B5EF4-FFF2-40B4-BE49-F238E27FC236}">
-                <a16:creationId xmlns:a16="http://schemas.microsoft.com/office/drawing/2014/main" id="{4AEAF085-579C-4E26-9931-A29153482317}"/>
+                <a16:creationId xmlns:a16="http://schemas.microsoft.com/office/drawing/2014/main" xmlns="" id="{4AEAF085-579C-4E26-9931-A29153482317}"/>
               </a:ext>
             </a:extLst>
           </p:cNvPr>
@@ -21867,7 +22980,7 @@
           <p:cNvPr id="8" name="Straight Connector 7">
             <a:extLst>
               <a:ext uri="{FF2B5EF4-FFF2-40B4-BE49-F238E27FC236}">
-                <a16:creationId xmlns:a16="http://schemas.microsoft.com/office/drawing/2014/main" id="{8CFB42A3-19AC-4D8C-91FC-A16501A5B12F}"/>
+                <a16:creationId xmlns:a16="http://schemas.microsoft.com/office/drawing/2014/main" xmlns="" id="{8CFB42A3-19AC-4D8C-91FC-A16501A5B12F}"/>
               </a:ext>
             </a:extLst>
           </p:cNvPr>
@@ -21935,7 +23048,7 @@
           <p:cNvPr id="2" name="Title 1">
             <a:extLst>
               <a:ext uri="{FF2B5EF4-FFF2-40B4-BE49-F238E27FC236}">
-                <a16:creationId xmlns:a16="http://schemas.microsoft.com/office/drawing/2014/main" id="{582E5CD4-2229-463A-A132-B07A71B0C726}"/>
+                <a16:creationId xmlns:a16="http://schemas.microsoft.com/office/drawing/2014/main" xmlns="" id="{582E5CD4-2229-463A-A132-B07A71B0C726}"/>
               </a:ext>
             </a:extLst>
           </p:cNvPr>
@@ -21963,7 +23076,7 @@
           <p:cNvPr id="3" name="Content Placeholder 2">
             <a:extLst>
               <a:ext uri="{FF2B5EF4-FFF2-40B4-BE49-F238E27FC236}">
-                <a16:creationId xmlns:a16="http://schemas.microsoft.com/office/drawing/2014/main" id="{C8816E32-1609-468A-A020-462E7EC1C7E6}"/>
+                <a16:creationId xmlns:a16="http://schemas.microsoft.com/office/drawing/2014/main" xmlns="" id="{C8816E32-1609-468A-A020-462E7EC1C7E6}"/>
               </a:ext>
             </a:extLst>
           </p:cNvPr>
@@ -22061,7 +23174,7 @@
           <p:cNvPr id="4" name="Picture 3">
             <a:extLst>
               <a:ext uri="{FF2B5EF4-FFF2-40B4-BE49-F238E27FC236}">
-                <a16:creationId xmlns:a16="http://schemas.microsoft.com/office/drawing/2014/main" id="{28FB31ED-6952-4A86-9145-E2571A28B844}"/>
+                <a16:creationId xmlns:a16="http://schemas.microsoft.com/office/drawing/2014/main" xmlns="" id="{28FB31ED-6952-4A86-9145-E2571A28B844}"/>
               </a:ext>
             </a:extLst>
           </p:cNvPr>
@@ -22101,7 +23214,7 @@
           <p:cNvPr id="5" name="TextBox 4">
             <a:extLst>
               <a:ext uri="{FF2B5EF4-FFF2-40B4-BE49-F238E27FC236}">
-                <a16:creationId xmlns:a16="http://schemas.microsoft.com/office/drawing/2014/main" id="{C14ED16B-C0CB-4C1F-86CB-E7F4E94DDCE4}"/>
+                <a16:creationId xmlns:a16="http://schemas.microsoft.com/office/drawing/2014/main" xmlns="" id="{C14ED16B-C0CB-4C1F-86CB-E7F4E94DDCE4}"/>
               </a:ext>
             </a:extLst>
           </p:cNvPr>
@@ -22147,6 +23260,13 @@
   <p:clrMapOvr>
     <a:masterClrMapping/>
   </p:clrMapOvr>
+  <p:timing>
+    <p:tnLst>
+      <p:par>
+        <p:cTn id="1" dur="indefinite" restart="never" nodeType="tmRoot"/>
+      </p:par>
+    </p:tnLst>
+  </p:timing>
 </p:sld>
 </file>
 
